--- a/Analytics_Output/unemployment_house.pptx
+++ b/Analytics_Output/unemployment_house.pptx
@@ -4,10 +4,15 @@
   <p:sldMasterIdLst>
     <p:sldMasterId id="2147483660" r:id="rId1"/>
   </p:sldMasterIdLst>
+  <p:notesMasterIdLst>
+    <p:notesMasterId r:id="rId7"/>
+  </p:notesMasterIdLst>
   <p:sldIdLst>
     <p:sldId id="261" r:id="rId2"/>
     <p:sldId id="257" r:id="rId3"/>
-    <p:sldId id="259" r:id="rId4"/>
+    <p:sldId id="263" r:id="rId4"/>
+    <p:sldId id="262" r:id="rId5"/>
+    <p:sldId id="259" r:id="rId6"/>
   </p:sldIdLst>
   <p:sldSz cx="12192000" cy="6858000"/>
   <p:notesSz cx="6858000" cy="9144000"/>
@@ -106,7 +111,445 @@
       </a:defRPr>
     </a:lvl9pPr>
   </p:defaultTextStyle>
+  <p:extLst>
+    <p:ext uri="{EFAFB233-063F-42B5-8137-9DF3F51BA10A}">
+      <p15:sldGuideLst xmlns:p15="http://schemas.microsoft.com/office/powerpoint/2012/main"/>
+    </p:ext>
+  </p:extLst>
 </p:presentation>
+</file>
+
+<file path=ppt/notesMasters/notesMaster1.xml><?xml version="1.0" encoding="utf-8"?>
+<p:notesMaster xmlns:a="http://schemas.openxmlformats.org/drawingml/2006/main" xmlns:r="http://schemas.openxmlformats.org/officeDocument/2006/relationships" xmlns:p="http://schemas.openxmlformats.org/presentationml/2006/main">
+  <p:cSld>
+    <p:bg>
+      <p:bgRef idx="1001">
+        <a:schemeClr val="bg1"/>
+      </p:bgRef>
+    </p:bg>
+    <p:spTree>
+      <p:nvGrpSpPr>
+        <p:cNvPr id="1" name=""/>
+        <p:cNvGrpSpPr/>
+        <p:nvPr/>
+      </p:nvGrpSpPr>
+      <p:grpSpPr>
+        <a:xfrm>
+          <a:off x="0" y="0"/>
+          <a:ext cx="0" cy="0"/>
+          <a:chOff x="0" y="0"/>
+          <a:chExt cx="0" cy="0"/>
+        </a:xfrm>
+      </p:grpSpPr>
+      <p:sp>
+        <p:nvSpPr>
+          <p:cNvPr id="2" name="Header Placeholder 1"/>
+          <p:cNvSpPr>
+            <a:spLocks noGrp="1"/>
+          </p:cNvSpPr>
+          <p:nvPr>
+            <p:ph type="hdr" sz="quarter"/>
+          </p:nvPr>
+        </p:nvSpPr>
+        <p:spPr>
+          <a:xfrm>
+            <a:off x="0" y="0"/>
+            <a:ext cx="2971800" cy="458788"/>
+          </a:xfrm>
+          <a:prstGeom prst="rect">
+            <a:avLst/>
+          </a:prstGeom>
+        </p:spPr>
+        <p:txBody>
+          <a:bodyPr vert="horz" lIns="91440" tIns="45720" rIns="91440" bIns="45720" rtlCol="0"/>
+          <a:lstStyle>
+            <a:lvl1pPr algn="l">
+              <a:defRPr sz="1200"/>
+            </a:lvl1pPr>
+          </a:lstStyle>
+          <a:p>
+            <a:endParaRPr lang="en-US"/>
+          </a:p>
+        </p:txBody>
+      </p:sp>
+      <p:sp>
+        <p:nvSpPr>
+          <p:cNvPr id="3" name="Date Placeholder 2"/>
+          <p:cNvSpPr>
+            <a:spLocks noGrp="1"/>
+          </p:cNvSpPr>
+          <p:nvPr>
+            <p:ph type="dt" idx="1"/>
+          </p:nvPr>
+        </p:nvSpPr>
+        <p:spPr>
+          <a:xfrm>
+            <a:off x="3884613" y="0"/>
+            <a:ext cx="2971800" cy="458788"/>
+          </a:xfrm>
+          <a:prstGeom prst="rect">
+            <a:avLst/>
+          </a:prstGeom>
+        </p:spPr>
+        <p:txBody>
+          <a:bodyPr vert="horz" lIns="91440" tIns="45720" rIns="91440" bIns="45720" rtlCol="0"/>
+          <a:lstStyle>
+            <a:lvl1pPr algn="r">
+              <a:defRPr sz="1200"/>
+            </a:lvl1pPr>
+          </a:lstStyle>
+          <a:p>
+            <a:fld id="{DE093738-DFB5-4DCF-B6E5-8C004C5B8495}" type="datetimeFigureOut">
+              <a:rPr lang="en-US" smtClean="0"/>
+              <a:t>12/3/2024</a:t>
+            </a:fld>
+            <a:endParaRPr lang="en-US"/>
+          </a:p>
+        </p:txBody>
+      </p:sp>
+      <p:sp>
+        <p:nvSpPr>
+          <p:cNvPr id="4" name="Slide Image Placeholder 3"/>
+          <p:cNvSpPr>
+            <a:spLocks noGrp="1" noRot="1" noChangeAspect="1"/>
+          </p:cNvSpPr>
+          <p:nvPr>
+            <p:ph type="sldImg" idx="2"/>
+          </p:nvPr>
+        </p:nvSpPr>
+        <p:spPr>
+          <a:xfrm>
+            <a:off x="685800" y="1143000"/>
+            <a:ext cx="5486400" cy="3086100"/>
+          </a:xfrm>
+          <a:prstGeom prst="rect">
+            <a:avLst/>
+          </a:prstGeom>
+          <a:noFill/>
+          <a:ln w="12700">
+            <a:solidFill>
+              <a:prstClr val="black"/>
+            </a:solidFill>
+          </a:ln>
+        </p:spPr>
+        <p:txBody>
+          <a:bodyPr vert="horz" lIns="91440" tIns="45720" rIns="91440" bIns="45720" rtlCol="0" anchor="ctr"/>
+          <a:lstStyle/>
+          <a:p>
+            <a:endParaRPr lang="en-US"/>
+          </a:p>
+        </p:txBody>
+      </p:sp>
+      <p:sp>
+        <p:nvSpPr>
+          <p:cNvPr id="5" name="Notes Placeholder 4"/>
+          <p:cNvSpPr>
+            <a:spLocks noGrp="1"/>
+          </p:cNvSpPr>
+          <p:nvPr>
+            <p:ph type="body" sz="quarter" idx="3"/>
+          </p:nvPr>
+        </p:nvSpPr>
+        <p:spPr>
+          <a:xfrm>
+            <a:off x="685800" y="4400550"/>
+            <a:ext cx="5486400" cy="3600450"/>
+          </a:xfrm>
+          <a:prstGeom prst="rect">
+            <a:avLst/>
+          </a:prstGeom>
+        </p:spPr>
+        <p:txBody>
+          <a:bodyPr vert="horz" lIns="91440" tIns="45720" rIns="91440" bIns="45720" rtlCol="0"/>
+          <a:lstStyle/>
+          <a:p>
+            <a:pPr lvl="0"/>
+            <a:r>
+              <a:rPr lang="en-US"/>
+              <a:t>Click to edit Master text styles</a:t>
+            </a:r>
+          </a:p>
+          <a:p>
+            <a:pPr lvl="1"/>
+            <a:r>
+              <a:rPr lang="en-US"/>
+              <a:t>Second level</a:t>
+            </a:r>
+          </a:p>
+          <a:p>
+            <a:pPr lvl="2"/>
+            <a:r>
+              <a:rPr lang="en-US"/>
+              <a:t>Third level</a:t>
+            </a:r>
+          </a:p>
+          <a:p>
+            <a:pPr lvl="3"/>
+            <a:r>
+              <a:rPr lang="en-US"/>
+              <a:t>Fourth level</a:t>
+            </a:r>
+          </a:p>
+          <a:p>
+            <a:pPr lvl="4"/>
+            <a:r>
+              <a:rPr lang="en-US"/>
+              <a:t>Fifth level</a:t>
+            </a:r>
+          </a:p>
+        </p:txBody>
+      </p:sp>
+      <p:sp>
+        <p:nvSpPr>
+          <p:cNvPr id="6" name="Footer Placeholder 5"/>
+          <p:cNvSpPr>
+            <a:spLocks noGrp="1"/>
+          </p:cNvSpPr>
+          <p:nvPr>
+            <p:ph type="ftr" sz="quarter" idx="4"/>
+          </p:nvPr>
+        </p:nvSpPr>
+        <p:spPr>
+          <a:xfrm>
+            <a:off x="0" y="8685213"/>
+            <a:ext cx="2971800" cy="458787"/>
+          </a:xfrm>
+          <a:prstGeom prst="rect">
+            <a:avLst/>
+          </a:prstGeom>
+        </p:spPr>
+        <p:txBody>
+          <a:bodyPr vert="horz" lIns="91440" tIns="45720" rIns="91440" bIns="45720" rtlCol="0" anchor="b"/>
+          <a:lstStyle>
+            <a:lvl1pPr algn="l">
+              <a:defRPr sz="1200"/>
+            </a:lvl1pPr>
+          </a:lstStyle>
+          <a:p>
+            <a:endParaRPr lang="en-US"/>
+          </a:p>
+        </p:txBody>
+      </p:sp>
+      <p:sp>
+        <p:nvSpPr>
+          <p:cNvPr id="7" name="Slide Number Placeholder 6"/>
+          <p:cNvSpPr>
+            <a:spLocks noGrp="1"/>
+          </p:cNvSpPr>
+          <p:nvPr>
+            <p:ph type="sldNum" sz="quarter" idx="5"/>
+          </p:nvPr>
+        </p:nvSpPr>
+        <p:spPr>
+          <a:xfrm>
+            <a:off x="3884613" y="8685213"/>
+            <a:ext cx="2971800" cy="458787"/>
+          </a:xfrm>
+          <a:prstGeom prst="rect">
+            <a:avLst/>
+          </a:prstGeom>
+        </p:spPr>
+        <p:txBody>
+          <a:bodyPr vert="horz" lIns="91440" tIns="45720" rIns="91440" bIns="45720" rtlCol="0" anchor="b"/>
+          <a:lstStyle>
+            <a:lvl1pPr algn="r">
+              <a:defRPr sz="1200"/>
+            </a:lvl1pPr>
+          </a:lstStyle>
+          <a:p>
+            <a:fld id="{8DAABE75-B889-40D3-AD62-7579C5EF6620}" type="slidenum">
+              <a:rPr lang="en-US" smtClean="0"/>
+              <a:t>‹#›</a:t>
+            </a:fld>
+            <a:endParaRPr lang="en-US"/>
+          </a:p>
+        </p:txBody>
+      </p:sp>
+    </p:spTree>
+    <p:extLst>
+      <p:ext uri="{BB962C8B-B14F-4D97-AF65-F5344CB8AC3E}">
+        <p14:creationId xmlns:p14="http://schemas.microsoft.com/office/powerpoint/2010/main" val="438447832"/>
+      </p:ext>
+    </p:extLst>
+  </p:cSld>
+  <p:clrMap bg1="lt1" tx1="dk1" bg2="lt2" tx2="dk2" accent1="accent1" accent2="accent2" accent3="accent3" accent4="accent4" accent5="accent5" accent6="accent6" hlink="hlink" folHlink="folHlink"/>
+  <p:notesStyle>
+    <a:lvl1pPr marL="0" algn="l" defTabSz="914400" rtl="0" eaLnBrk="1" latinLnBrk="0" hangingPunct="1">
+      <a:defRPr sz="1200" kern="1200">
+        <a:solidFill>
+          <a:schemeClr val="tx1"/>
+        </a:solidFill>
+        <a:latin typeface="+mn-lt"/>
+        <a:ea typeface="+mn-ea"/>
+        <a:cs typeface="+mn-cs"/>
+      </a:defRPr>
+    </a:lvl1pPr>
+    <a:lvl2pPr marL="457200" algn="l" defTabSz="914400" rtl="0" eaLnBrk="1" latinLnBrk="0" hangingPunct="1">
+      <a:defRPr sz="1200" kern="1200">
+        <a:solidFill>
+          <a:schemeClr val="tx1"/>
+        </a:solidFill>
+        <a:latin typeface="+mn-lt"/>
+        <a:ea typeface="+mn-ea"/>
+        <a:cs typeface="+mn-cs"/>
+      </a:defRPr>
+    </a:lvl2pPr>
+    <a:lvl3pPr marL="914400" algn="l" defTabSz="914400" rtl="0" eaLnBrk="1" latinLnBrk="0" hangingPunct="1">
+      <a:defRPr sz="1200" kern="1200">
+        <a:solidFill>
+          <a:schemeClr val="tx1"/>
+        </a:solidFill>
+        <a:latin typeface="+mn-lt"/>
+        <a:ea typeface="+mn-ea"/>
+        <a:cs typeface="+mn-cs"/>
+      </a:defRPr>
+    </a:lvl3pPr>
+    <a:lvl4pPr marL="1371600" algn="l" defTabSz="914400" rtl="0" eaLnBrk="1" latinLnBrk="0" hangingPunct="1">
+      <a:defRPr sz="1200" kern="1200">
+        <a:solidFill>
+          <a:schemeClr val="tx1"/>
+        </a:solidFill>
+        <a:latin typeface="+mn-lt"/>
+        <a:ea typeface="+mn-ea"/>
+        <a:cs typeface="+mn-cs"/>
+      </a:defRPr>
+    </a:lvl4pPr>
+    <a:lvl5pPr marL="1828800" algn="l" defTabSz="914400" rtl="0" eaLnBrk="1" latinLnBrk="0" hangingPunct="1">
+      <a:defRPr sz="1200" kern="1200">
+        <a:solidFill>
+          <a:schemeClr val="tx1"/>
+        </a:solidFill>
+        <a:latin typeface="+mn-lt"/>
+        <a:ea typeface="+mn-ea"/>
+        <a:cs typeface="+mn-cs"/>
+      </a:defRPr>
+    </a:lvl5pPr>
+    <a:lvl6pPr marL="2286000" algn="l" defTabSz="914400" rtl="0" eaLnBrk="1" latinLnBrk="0" hangingPunct="1">
+      <a:defRPr sz="1200" kern="1200">
+        <a:solidFill>
+          <a:schemeClr val="tx1"/>
+        </a:solidFill>
+        <a:latin typeface="+mn-lt"/>
+        <a:ea typeface="+mn-ea"/>
+        <a:cs typeface="+mn-cs"/>
+      </a:defRPr>
+    </a:lvl6pPr>
+    <a:lvl7pPr marL="2743200" algn="l" defTabSz="914400" rtl="0" eaLnBrk="1" latinLnBrk="0" hangingPunct="1">
+      <a:defRPr sz="1200" kern="1200">
+        <a:solidFill>
+          <a:schemeClr val="tx1"/>
+        </a:solidFill>
+        <a:latin typeface="+mn-lt"/>
+        <a:ea typeface="+mn-ea"/>
+        <a:cs typeface="+mn-cs"/>
+      </a:defRPr>
+    </a:lvl7pPr>
+    <a:lvl8pPr marL="3200400" algn="l" defTabSz="914400" rtl="0" eaLnBrk="1" latinLnBrk="0" hangingPunct="1">
+      <a:defRPr sz="1200" kern="1200">
+        <a:solidFill>
+          <a:schemeClr val="tx1"/>
+        </a:solidFill>
+        <a:latin typeface="+mn-lt"/>
+        <a:ea typeface="+mn-ea"/>
+        <a:cs typeface="+mn-cs"/>
+      </a:defRPr>
+    </a:lvl8pPr>
+    <a:lvl9pPr marL="3657600" algn="l" defTabSz="914400" rtl="0" eaLnBrk="1" latinLnBrk="0" hangingPunct="1">
+      <a:defRPr sz="1200" kern="1200">
+        <a:solidFill>
+          <a:schemeClr val="tx1"/>
+        </a:solidFill>
+        <a:latin typeface="+mn-lt"/>
+        <a:ea typeface="+mn-ea"/>
+        <a:cs typeface="+mn-cs"/>
+      </a:defRPr>
+    </a:lvl9pPr>
+  </p:notesStyle>
+</p:notesMaster>
+</file>
+
+<file path=ppt/notesSlides/notesSlide1.xml><?xml version="1.0" encoding="utf-8"?>
+<p:notes xmlns:a="http://schemas.openxmlformats.org/drawingml/2006/main" xmlns:r="http://schemas.openxmlformats.org/officeDocument/2006/relationships" xmlns:p="http://schemas.openxmlformats.org/presentationml/2006/main">
+  <p:cSld>
+    <p:spTree>
+      <p:nvGrpSpPr>
+        <p:cNvPr id="1" name=""/>
+        <p:cNvGrpSpPr/>
+        <p:nvPr/>
+      </p:nvGrpSpPr>
+      <p:grpSpPr>
+        <a:xfrm>
+          <a:off x="0" y="0"/>
+          <a:ext cx="0" cy="0"/>
+          <a:chOff x="0" y="0"/>
+          <a:chExt cx="0" cy="0"/>
+        </a:xfrm>
+      </p:grpSpPr>
+      <p:sp>
+        <p:nvSpPr>
+          <p:cNvPr id="2" name="Slide Image Placeholder 1"/>
+          <p:cNvSpPr>
+            <a:spLocks noGrp="1" noRot="1" noChangeAspect="1"/>
+          </p:cNvSpPr>
+          <p:nvPr>
+            <p:ph type="sldImg"/>
+          </p:nvPr>
+        </p:nvSpPr>
+        <p:spPr/>
+      </p:sp>
+      <p:sp>
+        <p:nvSpPr>
+          <p:cNvPr id="3" name="Notes Placeholder 2"/>
+          <p:cNvSpPr>
+            <a:spLocks noGrp="1"/>
+          </p:cNvSpPr>
+          <p:nvPr>
+            <p:ph type="body" idx="1"/>
+          </p:nvPr>
+        </p:nvSpPr>
+        <p:spPr/>
+        <p:txBody>
+          <a:bodyPr/>
+          <a:lstStyle/>
+          <a:p>
+            <a:endParaRPr lang="en-US" dirty="0"/>
+          </a:p>
+        </p:txBody>
+      </p:sp>
+      <p:sp>
+        <p:nvSpPr>
+          <p:cNvPr id="4" name="Slide Number Placeholder 3"/>
+          <p:cNvSpPr>
+            <a:spLocks noGrp="1"/>
+          </p:cNvSpPr>
+          <p:nvPr>
+            <p:ph type="sldNum" sz="quarter" idx="5"/>
+          </p:nvPr>
+        </p:nvSpPr>
+        <p:spPr/>
+        <p:txBody>
+          <a:bodyPr/>
+          <a:lstStyle/>
+          <a:p>
+            <a:fld id="{8DAABE75-B889-40D3-AD62-7579C5EF6620}" type="slidenum">
+              <a:rPr lang="en-US" smtClean="0"/>
+              <a:t>1</a:t>
+            </a:fld>
+            <a:endParaRPr lang="en-US"/>
+          </a:p>
+        </p:txBody>
+      </p:sp>
+    </p:spTree>
+    <p:extLst>
+      <p:ext uri="{BB962C8B-B14F-4D97-AF65-F5344CB8AC3E}">
+        <p14:creationId xmlns:p14="http://schemas.microsoft.com/office/powerpoint/2010/main" val="11471115"/>
+      </p:ext>
+    </p:extLst>
+  </p:cSld>
+  <p:clrMapOvr>
+    <a:masterClrMapping/>
+  </p:clrMapOvr>
+</p:notes>
 </file>
 
 <file path=ppt/slideLayouts/slideLayout1.xml><?xml version="1.0" encoding="utf-8"?>
@@ -3311,12 +3754,20 @@
             <p:ph type="title"/>
           </p:nvPr>
         </p:nvSpPr>
-        <p:spPr/>
+        <p:spPr>
+          <a:xfrm>
+            <a:off x="911676" y="453938"/>
+            <a:ext cx="4486656" cy="1141497"/>
+          </a:xfrm>
+        </p:spPr>
         <p:txBody>
           <a:bodyPr/>
           <a:lstStyle/>
           <a:p>
-            <a:endParaRPr lang="en-US"/>
+            <a:r>
+              <a:rPr lang="en-US" dirty="0"/>
+              <a:t>Agenda</a:t>
+            </a:r>
           </a:p>
         </p:txBody>
       </p:sp>
@@ -3336,12 +3787,98 @@
             <p:ph idx="1"/>
           </p:nvPr>
         </p:nvSpPr>
-        <p:spPr/>
+        <p:spPr>
+          <a:xfrm>
+            <a:off x="6736081" y="546350"/>
+            <a:ext cx="4815840" cy="3086392"/>
+          </a:xfrm>
+        </p:spPr>
         <p:txBody>
           <a:bodyPr/>
           <a:lstStyle/>
           <a:p>
-            <a:endParaRPr lang="en-US"/>
+            <a:r>
+              <a:rPr lang="en-US" dirty="0"/>
+              <a:t>Problem Statement:</a:t>
+            </a:r>
+          </a:p>
+          <a:p>
+            <a:pPr lvl="1"/>
+            <a:r>
+              <a:rPr lang="en-US" dirty="0">
+                <a:solidFill>
+                  <a:schemeClr val="accent2">
+                    <a:lumMod val="75000"/>
+                  </a:schemeClr>
+                </a:solidFill>
+                <a:latin typeface="system-ui"/>
+              </a:rPr>
+              <a:t>U</a:t>
+            </a:r>
+            <a:r>
+              <a:rPr lang="en-US" b="0" i="0" dirty="0">
+                <a:solidFill>
+                  <a:schemeClr val="accent2">
+                    <a:lumMod val="75000"/>
+                  </a:schemeClr>
+                </a:solidFill>
+                <a:effectLst/>
+                <a:latin typeface="system-ui"/>
+              </a:rPr>
+              <a:t>nemployment rate goes up in recessions</a:t>
+            </a:r>
+          </a:p>
+          <a:p>
+            <a:pPr lvl="1"/>
+            <a:r>
+              <a:rPr lang="en-US" dirty="0">
+                <a:solidFill>
+                  <a:schemeClr val="accent2">
+                    <a:lumMod val="75000"/>
+                  </a:schemeClr>
+                </a:solidFill>
+                <a:latin typeface="system-ui"/>
+              </a:rPr>
+              <a:t>Housing Market usually goes down before or during recessions</a:t>
+            </a:r>
+          </a:p>
+          <a:p>
+            <a:pPr lvl="1"/>
+            <a:r>
+              <a:rPr lang="en-US" b="1" dirty="0">
+                <a:solidFill>
+                  <a:schemeClr val="accent2">
+                    <a:lumMod val="75000"/>
+                  </a:schemeClr>
+                </a:solidFill>
+                <a:latin typeface="system-ui"/>
+              </a:rPr>
+              <a:t>Q1: Would there be a negative correlation between them? </a:t>
+            </a:r>
+          </a:p>
+          <a:p>
+            <a:pPr lvl="1"/>
+            <a:r>
+              <a:rPr lang="en-US" b="1" dirty="0">
+                <a:solidFill>
+                  <a:schemeClr val="accent2">
+                    <a:lumMod val="75000"/>
+                  </a:schemeClr>
+                </a:solidFill>
+                <a:latin typeface="system-ui"/>
+              </a:rPr>
+              <a:t>Q2: Would there be any lagging effect between the movement? If so, how many months would that be? (Housing Price is a Predictor for Unemployment Rate)</a:t>
+            </a:r>
+          </a:p>
+          <a:p>
+            <a:pPr lvl="1"/>
+            <a:endParaRPr lang="en-US" b="1" dirty="0">
+              <a:solidFill>
+                <a:schemeClr val="accent2">
+                  <a:lumMod val="75000"/>
+                </a:schemeClr>
+              </a:solidFill>
+            </a:endParaRPr>
           </a:p>
         </p:txBody>
       </p:sp>
@@ -3361,12 +3898,420 @@
             <p:ph type="body" sz="half" idx="2"/>
           </p:nvPr>
         </p:nvSpPr>
-        <p:spPr/>
-        <p:txBody>
-          <a:bodyPr/>
+        <p:spPr>
+          <a:xfrm>
+            <a:off x="911676" y="2089546"/>
+            <a:ext cx="4544245" cy="3872288"/>
+          </a:xfrm>
+          <a:solidFill>
+            <a:schemeClr val="bg1"/>
+          </a:solidFill>
+          <a:ln w="28575">
+            <a:solidFill>
+              <a:schemeClr val="tx1">
+                <a:lumMod val="75000"/>
+                <a:lumOff val="25000"/>
+              </a:schemeClr>
+            </a:solidFill>
+          </a:ln>
+        </p:spPr>
+        <p:txBody>
+          <a:bodyPr>
+            <a:normAutofit/>
+          </a:bodyPr>
           <a:lstStyle/>
           <a:p>
-            <a:endParaRPr lang="en-US"/>
+            <a:pPr marL="342900" indent="-342900" algn="l">
+              <a:buFont typeface="+mj-lt"/>
+              <a:buAutoNum type="arabicPeriod"/>
+            </a:pPr>
+            <a:endParaRPr lang="en-US" sz="1800" dirty="0">
+              <a:solidFill>
+                <a:schemeClr val="accent2">
+                  <a:lumMod val="75000"/>
+                </a:schemeClr>
+              </a:solidFill>
+            </a:endParaRPr>
+          </a:p>
+          <a:p>
+            <a:pPr algn="l"/>
+            <a:endParaRPr lang="en-US" sz="1800" dirty="0">
+              <a:solidFill>
+                <a:schemeClr val="accent2">
+                  <a:lumMod val="75000"/>
+                </a:schemeClr>
+              </a:solidFill>
+            </a:endParaRPr>
+          </a:p>
+          <a:p>
+            <a:pPr marL="342900" indent="-342900" algn="l">
+              <a:buFont typeface="+mj-lt"/>
+              <a:buAutoNum type="arabicPeriod"/>
+            </a:pPr>
+            <a:r>
+              <a:rPr lang="en-US" sz="2000" dirty="0">
+                <a:solidFill>
+                  <a:schemeClr val="accent2">
+                    <a:lumMod val="75000"/>
+                  </a:schemeClr>
+                </a:solidFill>
+              </a:rPr>
+              <a:t>Problem Statement</a:t>
+            </a:r>
+          </a:p>
+          <a:p>
+            <a:pPr marL="342900" indent="-342900" algn="l">
+              <a:buFont typeface="+mj-lt"/>
+              <a:buAutoNum type="arabicPeriod"/>
+            </a:pPr>
+            <a:r>
+              <a:rPr lang="en-US" sz="2000" dirty="0">
+                <a:solidFill>
+                  <a:schemeClr val="accent2">
+                    <a:lumMod val="75000"/>
+                  </a:schemeClr>
+                </a:solidFill>
+              </a:rPr>
+              <a:t>Exploratory Analysis</a:t>
+            </a:r>
+          </a:p>
+          <a:p>
+            <a:pPr marL="342900" indent="-342900" algn="l">
+              <a:buFont typeface="+mj-lt"/>
+              <a:buAutoNum type="arabicPeriod"/>
+            </a:pPr>
+            <a:r>
+              <a:rPr lang="en-US" sz="2000" dirty="0">
+                <a:solidFill>
+                  <a:schemeClr val="accent2">
+                    <a:lumMod val="75000"/>
+                  </a:schemeClr>
+                </a:solidFill>
+              </a:rPr>
+              <a:t>Correlation and Lags</a:t>
+            </a:r>
+          </a:p>
+          <a:p>
+            <a:pPr marL="342900" indent="-342900" algn="l">
+              <a:buFont typeface="+mj-lt"/>
+              <a:buAutoNum type="arabicPeriod"/>
+            </a:pPr>
+            <a:r>
+              <a:rPr lang="en-US" sz="2000" dirty="0">
+                <a:solidFill>
+                  <a:schemeClr val="accent2">
+                    <a:lumMod val="75000"/>
+                  </a:schemeClr>
+                </a:solidFill>
+              </a:rPr>
+              <a:t>Result with Lags</a:t>
+            </a:r>
+          </a:p>
+          <a:p>
+            <a:pPr marL="342900" indent="-342900" algn="l">
+              <a:buFont typeface="+mj-lt"/>
+              <a:buAutoNum type="arabicPeriod"/>
+            </a:pPr>
+            <a:r>
+              <a:rPr lang="en-US" sz="2000" dirty="0">
+                <a:solidFill>
+                  <a:schemeClr val="accent2">
+                    <a:lumMod val="75000"/>
+                  </a:schemeClr>
+                </a:solidFill>
+              </a:rPr>
+              <a:t>Reporting Process</a:t>
+            </a:r>
+          </a:p>
+          <a:p>
+            <a:pPr marL="342900" indent="-342900" algn="l">
+              <a:buFont typeface="+mj-lt"/>
+              <a:buAutoNum type="arabicPeriod"/>
+            </a:pPr>
+            <a:r>
+              <a:rPr lang="en-US" sz="2000" dirty="0">
+                <a:solidFill>
+                  <a:schemeClr val="accent2">
+                    <a:lumMod val="75000"/>
+                  </a:schemeClr>
+                </a:solidFill>
+              </a:rPr>
+              <a:t>Example Reports</a:t>
+            </a:r>
+          </a:p>
+          <a:p>
+            <a:pPr marL="285750" indent="-285750">
+              <a:buFont typeface="Courier New" panose="02070309020205020404" pitchFamily="49" charset="0"/>
+              <a:buChar char="o"/>
+            </a:pPr>
+            <a:endParaRPr lang="en-US" dirty="0"/>
+          </a:p>
+        </p:txBody>
+      </p:sp>
+      <p:pic>
+        <p:nvPicPr>
+          <p:cNvPr id="5" name="Picture 4">
+            <a:extLst>
+              <a:ext uri="{FF2B5EF4-FFF2-40B4-BE49-F238E27FC236}">
+                <a16:creationId xmlns:a16="http://schemas.microsoft.com/office/drawing/2014/main" id="{AE528A70-CE0E-7362-4077-A3AD38747984}"/>
+              </a:ext>
+            </a:extLst>
+          </p:cNvPr>
+          <p:cNvPicPr>
+            <a:picLocks noChangeAspect="1"/>
+          </p:cNvPicPr>
+          <p:nvPr/>
+        </p:nvPicPr>
+        <p:blipFill>
+          <a:blip r:embed="rId3">
+            <a:extLst>
+              <a:ext uri="{28A0092B-C50C-407E-A947-70E740481C1C}">
+                <a14:useLocalDpi xmlns:a14="http://schemas.microsoft.com/office/drawing/2010/main" val="0"/>
+              </a:ext>
+            </a:extLst>
+          </a:blip>
+          <a:stretch>
+            <a:fillRect/>
+          </a:stretch>
+        </p:blipFill>
+        <p:spPr>
+          <a:xfrm>
+            <a:off x="6096001" y="4117801"/>
+            <a:ext cx="6096000" cy="2709333"/>
+          </a:xfrm>
+          <a:prstGeom prst="rect">
+            <a:avLst/>
+          </a:prstGeom>
+        </p:spPr>
+      </p:pic>
+      <p:sp>
+        <p:nvSpPr>
+          <p:cNvPr id="12" name="Content Placeholder 2">
+            <a:extLst>
+              <a:ext uri="{FF2B5EF4-FFF2-40B4-BE49-F238E27FC236}">
+                <a16:creationId xmlns:a16="http://schemas.microsoft.com/office/drawing/2014/main" id="{2AEC54B1-A5FE-2F2A-1C7E-78FCCED81BE4}"/>
+              </a:ext>
+            </a:extLst>
+          </p:cNvPr>
+          <p:cNvSpPr txBox="1">
+            <a:spLocks/>
+          </p:cNvSpPr>
+          <p:nvPr/>
+        </p:nvSpPr>
+        <p:spPr>
+          <a:xfrm>
+            <a:off x="6605081" y="3824369"/>
+            <a:ext cx="5468368" cy="293432"/>
+          </a:xfrm>
+          <a:prstGeom prst="rect">
+            <a:avLst/>
+          </a:prstGeom>
+        </p:spPr>
+        <p:txBody>
+          <a:bodyPr vert="horz" lIns="91440" tIns="45720" rIns="91440" bIns="45720" rtlCol="0">
+            <a:normAutofit/>
+          </a:bodyPr>
+          <a:lstStyle>
+            <a:lvl1pPr marL="228600" indent="-228600" algn="l" defTabSz="914400" rtl="0" eaLnBrk="1" latinLnBrk="0" hangingPunct="1">
+              <a:lnSpc>
+                <a:spcPct val="100000"/>
+              </a:lnSpc>
+              <a:spcBef>
+                <a:spcPts val="1000"/>
+              </a:spcBef>
+              <a:buClr>
+                <a:schemeClr val="accent2"/>
+              </a:buClr>
+              <a:buFont typeface="Arial" panose="020B0604020202020204" pitchFamily="34" charset="0"/>
+              <a:buChar char="•"/>
+              <a:defRPr sz="1900" kern="1200">
+                <a:solidFill>
+                  <a:schemeClr val="tx1"/>
+                </a:solidFill>
+                <a:latin typeface="+mn-lt"/>
+                <a:ea typeface="+mn-ea"/>
+                <a:cs typeface="+mn-cs"/>
+              </a:defRPr>
+            </a:lvl1pPr>
+            <a:lvl2pPr marL="457200" indent="-228600" algn="l" defTabSz="914400" rtl="0" eaLnBrk="1" latinLnBrk="0" hangingPunct="1">
+              <a:lnSpc>
+                <a:spcPct val="100000"/>
+              </a:lnSpc>
+              <a:spcBef>
+                <a:spcPts val="1000"/>
+              </a:spcBef>
+              <a:buClr>
+                <a:schemeClr val="accent2"/>
+              </a:buClr>
+              <a:buFont typeface="Arial" panose="020B0604020202020204" pitchFamily="34" charset="0"/>
+              <a:buChar char="•"/>
+              <a:defRPr sz="1600" kern="1200">
+                <a:solidFill>
+                  <a:schemeClr val="tx1"/>
+                </a:solidFill>
+                <a:latin typeface="+mn-lt"/>
+                <a:ea typeface="+mn-ea"/>
+                <a:cs typeface="+mn-cs"/>
+              </a:defRPr>
+            </a:lvl2pPr>
+            <a:lvl3pPr marL="685800" indent="-228600" algn="l" defTabSz="914400" rtl="0" eaLnBrk="1" latinLnBrk="0" hangingPunct="1">
+              <a:lnSpc>
+                <a:spcPct val="100000"/>
+              </a:lnSpc>
+              <a:spcBef>
+                <a:spcPts val="1000"/>
+              </a:spcBef>
+              <a:buClr>
+                <a:schemeClr val="accent2"/>
+              </a:buClr>
+              <a:buFont typeface="Arial" panose="020B0604020202020204" pitchFamily="34" charset="0"/>
+              <a:buChar char="•"/>
+              <a:defRPr sz="1600" kern="1200">
+                <a:solidFill>
+                  <a:schemeClr val="tx1"/>
+                </a:solidFill>
+                <a:latin typeface="+mn-lt"/>
+                <a:ea typeface="+mn-ea"/>
+                <a:cs typeface="+mn-cs"/>
+              </a:defRPr>
+            </a:lvl3pPr>
+            <a:lvl4pPr marL="914400" indent="-228600" algn="l" defTabSz="914400" rtl="0" eaLnBrk="1" latinLnBrk="0" hangingPunct="1">
+              <a:lnSpc>
+                <a:spcPct val="100000"/>
+              </a:lnSpc>
+              <a:spcBef>
+                <a:spcPts val="1000"/>
+              </a:spcBef>
+              <a:buClr>
+                <a:schemeClr val="accent2"/>
+              </a:buClr>
+              <a:buFont typeface="Arial" panose="020B0604020202020204" pitchFamily="34" charset="0"/>
+              <a:buChar char="•"/>
+              <a:defRPr sz="1600" kern="1200">
+                <a:solidFill>
+                  <a:schemeClr val="tx1"/>
+                </a:solidFill>
+                <a:latin typeface="+mn-lt"/>
+                <a:ea typeface="+mn-ea"/>
+                <a:cs typeface="+mn-cs"/>
+              </a:defRPr>
+            </a:lvl4pPr>
+            <a:lvl5pPr marL="1143000" indent="-228600" algn="l" defTabSz="914400" rtl="0" eaLnBrk="1" latinLnBrk="0" hangingPunct="1">
+              <a:lnSpc>
+                <a:spcPct val="100000"/>
+              </a:lnSpc>
+              <a:spcBef>
+                <a:spcPts val="1000"/>
+              </a:spcBef>
+              <a:buClr>
+                <a:schemeClr val="accent2"/>
+              </a:buClr>
+              <a:buFont typeface="Arial" panose="020B0604020202020204" pitchFamily="34" charset="0"/>
+              <a:buChar char="•"/>
+              <a:defRPr sz="1600" kern="1200">
+                <a:solidFill>
+                  <a:schemeClr val="tx1"/>
+                </a:solidFill>
+                <a:latin typeface="+mn-lt"/>
+                <a:ea typeface="+mn-ea"/>
+                <a:cs typeface="+mn-cs"/>
+              </a:defRPr>
+            </a:lvl5pPr>
+            <a:lvl6pPr marL="1312863" indent="-228600" algn="l" defTabSz="914400" rtl="0" eaLnBrk="1" latinLnBrk="0" hangingPunct="1">
+              <a:lnSpc>
+                <a:spcPct val="100000"/>
+              </a:lnSpc>
+              <a:spcBef>
+                <a:spcPts val="1000"/>
+              </a:spcBef>
+              <a:buClr>
+                <a:schemeClr val="accent2"/>
+              </a:buClr>
+              <a:buFont typeface="Arial" panose="020B0604020202020204" pitchFamily="34" charset="0"/>
+              <a:buChar char="•"/>
+              <a:defRPr sz="1600" kern="1200">
+                <a:solidFill>
+                  <a:schemeClr val="tx1"/>
+                </a:solidFill>
+                <a:latin typeface="+mn-lt"/>
+                <a:ea typeface="+mn-ea"/>
+                <a:cs typeface="+mn-cs"/>
+              </a:defRPr>
+            </a:lvl6pPr>
+            <a:lvl7pPr marL="1484313" indent="-228600" algn="l" defTabSz="914400" rtl="0" eaLnBrk="1" latinLnBrk="0" hangingPunct="1">
+              <a:lnSpc>
+                <a:spcPct val="100000"/>
+              </a:lnSpc>
+              <a:spcBef>
+                <a:spcPts val="1000"/>
+              </a:spcBef>
+              <a:buClr>
+                <a:schemeClr val="accent2"/>
+              </a:buClr>
+              <a:buFont typeface="Arial" panose="020B0604020202020204" pitchFamily="34" charset="0"/>
+              <a:buChar char="•"/>
+              <a:defRPr sz="1600" kern="1200">
+                <a:solidFill>
+                  <a:schemeClr val="tx1"/>
+                </a:solidFill>
+                <a:latin typeface="+mn-lt"/>
+                <a:ea typeface="+mn-ea"/>
+                <a:cs typeface="+mn-cs"/>
+              </a:defRPr>
+            </a:lvl7pPr>
+            <a:lvl8pPr marL="1657350" indent="-228600" algn="l" defTabSz="914400" rtl="0" eaLnBrk="1" latinLnBrk="0" hangingPunct="1">
+              <a:lnSpc>
+                <a:spcPct val="100000"/>
+              </a:lnSpc>
+              <a:spcBef>
+                <a:spcPts val="1000"/>
+              </a:spcBef>
+              <a:buClr>
+                <a:schemeClr val="accent2"/>
+              </a:buClr>
+              <a:buFont typeface="Arial" panose="020B0604020202020204" pitchFamily="34" charset="0"/>
+              <a:buChar char="•"/>
+              <a:defRPr sz="1600" kern="1200" baseline="0">
+                <a:solidFill>
+                  <a:schemeClr val="tx1"/>
+                </a:solidFill>
+                <a:latin typeface="+mn-lt"/>
+                <a:ea typeface="+mn-ea"/>
+                <a:cs typeface="+mn-cs"/>
+              </a:defRPr>
+            </a:lvl8pPr>
+            <a:lvl9pPr marL="1882775" indent="-228600" algn="l" defTabSz="914400" rtl="0" eaLnBrk="1" latinLnBrk="0" hangingPunct="1">
+              <a:lnSpc>
+                <a:spcPct val="100000"/>
+              </a:lnSpc>
+              <a:spcBef>
+                <a:spcPts val="1000"/>
+              </a:spcBef>
+              <a:buClr>
+                <a:schemeClr val="accent2"/>
+              </a:buClr>
+              <a:buFont typeface="Arial" panose="020B0604020202020204" pitchFamily="34" charset="0"/>
+              <a:buChar char="•"/>
+              <a:defRPr sz="1600" kern="1200" baseline="0">
+                <a:solidFill>
+                  <a:schemeClr val="tx1"/>
+                </a:solidFill>
+                <a:latin typeface="+mn-lt"/>
+                <a:ea typeface="+mn-ea"/>
+                <a:cs typeface="+mn-cs"/>
+              </a:defRPr>
+            </a:lvl9pPr>
+          </a:lstStyle>
+          <a:p>
+            <a:pPr marL="228600" lvl="1" indent="0">
+              <a:buNone/>
+            </a:pPr>
+            <a:r>
+              <a:rPr lang="en-US" sz="1200" dirty="0">
+                <a:latin typeface="system-ui"/>
+              </a:rPr>
+              <a:t>Time Series Plot of Unemployment Rate vs. Median Housing Price (Bottom)</a:t>
+            </a:r>
           </a:p>
         </p:txBody>
       </p:sp>
@@ -3430,7 +4375,1296 @@
           <a:p>
             <a:r>
               <a:rPr lang="en-US" dirty="0"/>
-              <a:t>Correlation analysis</a:t>
+              <a:t>Exploratory Analysis</a:t>
+            </a:r>
+          </a:p>
+        </p:txBody>
+      </p:sp>
+      <p:pic>
+        <p:nvPicPr>
+          <p:cNvPr id="7" name="Picture 6" descr="A graph of a function&#10;&#10;Description automatically generated with medium confidence">
+            <a:extLst>
+              <a:ext uri="{FF2B5EF4-FFF2-40B4-BE49-F238E27FC236}">
+                <a16:creationId xmlns:a16="http://schemas.microsoft.com/office/drawing/2014/main" id="{B9C28B10-78E1-E31C-5E42-BEF4AD376D73}"/>
+              </a:ext>
+            </a:extLst>
+          </p:cNvPr>
+          <p:cNvPicPr>
+            <a:picLocks noChangeAspect="1"/>
+          </p:cNvPicPr>
+          <p:nvPr/>
+        </p:nvPicPr>
+        <p:blipFill>
+          <a:blip r:embed="rId2">
+            <a:extLst>
+              <a:ext uri="{28A0092B-C50C-407E-A947-70E740481C1C}">
+                <a14:useLocalDpi xmlns:a14="http://schemas.microsoft.com/office/drawing/2010/main" val="0"/>
+              </a:ext>
+            </a:extLst>
+          </a:blip>
+          <a:srcRect r="3885"/>
+          <a:stretch/>
+        </p:blipFill>
+        <p:spPr>
+          <a:xfrm>
+            <a:off x="8605134" y="1452101"/>
+            <a:ext cx="2946973" cy="3066127"/>
+          </a:xfrm>
+          <a:prstGeom prst="rect">
+            <a:avLst/>
+          </a:prstGeom>
+        </p:spPr>
+      </p:pic>
+      <p:graphicFrame>
+        <p:nvGraphicFramePr>
+          <p:cNvPr id="14" name="Table 13">
+            <a:extLst>
+              <a:ext uri="{FF2B5EF4-FFF2-40B4-BE49-F238E27FC236}">
+                <a16:creationId xmlns:a16="http://schemas.microsoft.com/office/drawing/2014/main" id="{2A370264-F2FA-02AF-BF7D-2BBE2117ED09}"/>
+              </a:ext>
+            </a:extLst>
+          </p:cNvPr>
+          <p:cNvGraphicFramePr>
+            <a:graphicFrameLocks noGrp="1"/>
+          </p:cNvGraphicFramePr>
+          <p:nvPr>
+            <p:extLst>
+              <p:ext uri="{D42A27DB-BD31-4B8C-83A1-F6EECF244321}">
+                <p14:modId xmlns:p14="http://schemas.microsoft.com/office/powerpoint/2010/main" val="213166502"/>
+              </p:ext>
+            </p:extLst>
+          </p:nvPr>
+        </p:nvGraphicFramePr>
+        <p:xfrm>
+          <a:off x="449215" y="1824045"/>
+          <a:ext cx="4206047" cy="1940560"/>
+        </p:xfrm>
+        <a:graphic>
+          <a:graphicData uri="http://schemas.openxmlformats.org/drawingml/2006/table">
+            <a:tbl>
+              <a:tblPr firstRow="1" bandRow="1">
+                <a:tableStyleId>{21E4AEA4-8DFA-4A89-87EB-49C32662AFE0}</a:tableStyleId>
+              </a:tblPr>
+              <a:tblGrid>
+                <a:gridCol w="1783859">
+                  <a:extLst>
+                    <a:ext uri="{9D8B030D-6E8A-4147-A177-3AD203B41FA5}">
+                      <a16:colId xmlns:a16="http://schemas.microsoft.com/office/drawing/2014/main" val="2418092927"/>
+                    </a:ext>
+                  </a:extLst>
+                </a:gridCol>
+                <a:gridCol w="1172183">
+                  <a:extLst>
+                    <a:ext uri="{9D8B030D-6E8A-4147-A177-3AD203B41FA5}">
+                      <a16:colId xmlns:a16="http://schemas.microsoft.com/office/drawing/2014/main" val="747626670"/>
+                    </a:ext>
+                  </a:extLst>
+                </a:gridCol>
+                <a:gridCol w="1250005">
+                  <a:extLst>
+                    <a:ext uri="{9D8B030D-6E8A-4147-A177-3AD203B41FA5}">
+                      <a16:colId xmlns:a16="http://schemas.microsoft.com/office/drawing/2014/main" val="2555339359"/>
+                    </a:ext>
+                  </a:extLst>
+                </a:gridCol>
+              </a:tblGrid>
+              <a:tr h="370840">
+                <a:tc>
+                  <a:txBody>
+                    <a:bodyPr/>
+                    <a:lstStyle/>
+                    <a:p>
+                      <a:pPr algn="r" fontAlgn="ctr"/>
+                      <a:r>
+                        <a:rPr lang="en-US" sz="1400" b="1" dirty="0">
+                          <a:effectLst/>
+                        </a:rPr>
+                        <a:t>Description</a:t>
+                      </a:r>
+                    </a:p>
+                  </a:txBody>
+                  <a:tcPr anchor="ctr"/>
+                </a:tc>
+                <a:tc>
+                  <a:txBody>
+                    <a:bodyPr/>
+                    <a:lstStyle/>
+                    <a:p>
+                      <a:pPr algn="r" fontAlgn="ctr"/>
+                      <a:r>
+                        <a:rPr lang="en-US" sz="1400" b="1" dirty="0">
+                          <a:effectLst/>
+                        </a:rPr>
+                        <a:t>P-Value</a:t>
+                      </a:r>
+                    </a:p>
+                  </a:txBody>
+                  <a:tcPr anchor="ctr"/>
+                </a:tc>
+                <a:tc>
+                  <a:txBody>
+                    <a:bodyPr/>
+                    <a:lstStyle/>
+                    <a:p>
+                      <a:pPr algn="r" fontAlgn="ctr"/>
+                      <a:r>
+                        <a:rPr lang="en-US" sz="1400" b="1" dirty="0">
+                          <a:effectLst/>
+                        </a:rPr>
+                        <a:t>Result</a:t>
+                      </a:r>
+                    </a:p>
+                  </a:txBody>
+                  <a:tcPr anchor="ctr"/>
+                </a:tc>
+                <a:extLst>
+                  <a:ext uri="{0D108BD9-81ED-4DB2-BD59-A6C34878D82A}">
+                    <a16:rowId xmlns:a16="http://schemas.microsoft.com/office/drawing/2014/main" val="2185274156"/>
+                  </a:ext>
+                </a:extLst>
+              </a:tr>
+              <a:tr h="370840">
+                <a:tc>
+                  <a:txBody>
+                    <a:bodyPr/>
+                    <a:lstStyle/>
+                    <a:p>
+                      <a:pPr algn="r" fontAlgn="ctr"/>
+                      <a:r>
+                        <a:rPr lang="en-US" sz="1200" dirty="0">
+                          <a:effectLst/>
+                        </a:rPr>
+                        <a:t>Unemployment Rate</a:t>
+                      </a:r>
+                    </a:p>
+                  </a:txBody>
+                  <a:tcPr anchor="ctr"/>
+                </a:tc>
+                <a:tc>
+                  <a:txBody>
+                    <a:bodyPr/>
+                    <a:lstStyle/>
+                    <a:p>
+                      <a:pPr algn="r" fontAlgn="ctr"/>
+                      <a:r>
+                        <a:rPr lang="en-US" sz="1200" dirty="0">
+                          <a:effectLst/>
+                        </a:rPr>
+                        <a:t>0.017</a:t>
+                      </a:r>
+                    </a:p>
+                  </a:txBody>
+                  <a:tcPr anchor="ctr"/>
+                </a:tc>
+                <a:tc>
+                  <a:txBody>
+                    <a:bodyPr/>
+                    <a:lstStyle/>
+                    <a:p>
+                      <a:pPr algn="r" fontAlgn="ctr"/>
+                      <a:r>
+                        <a:rPr lang="en-US" sz="1200" dirty="0">
+                          <a:effectLst/>
+                        </a:rPr>
+                        <a:t>stationary</a:t>
+                      </a:r>
+                    </a:p>
+                  </a:txBody>
+                  <a:tcPr anchor="ctr"/>
+                </a:tc>
+                <a:extLst>
+                  <a:ext uri="{0D108BD9-81ED-4DB2-BD59-A6C34878D82A}">
+                    <a16:rowId xmlns:a16="http://schemas.microsoft.com/office/drawing/2014/main" val="1630815036"/>
+                  </a:ext>
+                </a:extLst>
+              </a:tr>
+              <a:tr h="370840">
+                <a:tc>
+                  <a:txBody>
+                    <a:bodyPr/>
+                    <a:lstStyle/>
+                    <a:p>
+                      <a:pPr algn="r" fontAlgn="ctr"/>
+                      <a:r>
+                        <a:rPr lang="en-US" sz="1200" dirty="0">
+                          <a:effectLst/>
+                        </a:rPr>
+                        <a:t>Median Housing Price Over Time</a:t>
+                      </a:r>
+                    </a:p>
+                  </a:txBody>
+                  <a:tcPr anchor="ctr"/>
+                </a:tc>
+                <a:tc>
+                  <a:txBody>
+                    <a:bodyPr/>
+                    <a:lstStyle/>
+                    <a:p>
+                      <a:pPr algn="r" fontAlgn="ctr"/>
+                      <a:r>
+                        <a:rPr lang="en-US" sz="1200" dirty="0">
+                          <a:effectLst/>
+                        </a:rPr>
+                        <a:t>0.997</a:t>
+                      </a:r>
+                    </a:p>
+                  </a:txBody>
+                  <a:tcPr anchor="ctr"/>
+                </a:tc>
+                <a:tc>
+                  <a:txBody>
+                    <a:bodyPr/>
+                    <a:lstStyle/>
+                    <a:p>
+                      <a:pPr algn="r" fontAlgn="ctr"/>
+                      <a:r>
+                        <a:rPr lang="en-US" sz="1200" dirty="0">
+                          <a:effectLst/>
+                        </a:rPr>
+                        <a:t>non-stationary</a:t>
+                      </a:r>
+                    </a:p>
+                  </a:txBody>
+                  <a:tcPr anchor="ctr"/>
+                </a:tc>
+                <a:extLst>
+                  <a:ext uri="{0D108BD9-81ED-4DB2-BD59-A6C34878D82A}">
+                    <a16:rowId xmlns:a16="http://schemas.microsoft.com/office/drawing/2014/main" val="2051866326"/>
+                  </a:ext>
+                </a:extLst>
+              </a:tr>
+              <a:tr h="370840">
+                <a:tc>
+                  <a:txBody>
+                    <a:bodyPr/>
+                    <a:lstStyle/>
+                    <a:p>
+                      <a:pPr algn="r" fontAlgn="ctr"/>
+                      <a:r>
+                        <a:rPr lang="en-US" sz="1200" dirty="0">
+                          <a:effectLst/>
+                        </a:rPr>
+                        <a:t>First diff of housing Price</a:t>
+                      </a:r>
+                    </a:p>
+                  </a:txBody>
+                  <a:tcPr anchor="ctr"/>
+                </a:tc>
+                <a:tc>
+                  <a:txBody>
+                    <a:bodyPr/>
+                    <a:lstStyle/>
+                    <a:p>
+                      <a:pPr algn="r" fontAlgn="ctr"/>
+                      <a:r>
+                        <a:rPr lang="en-US" sz="1200" dirty="0">
+                          <a:effectLst/>
+                        </a:rPr>
+                        <a:t>0.000001</a:t>
+                      </a:r>
+                    </a:p>
+                  </a:txBody>
+                  <a:tcPr anchor="ctr"/>
+                </a:tc>
+                <a:tc>
+                  <a:txBody>
+                    <a:bodyPr/>
+                    <a:lstStyle/>
+                    <a:p>
+                      <a:pPr algn="r" fontAlgn="ctr"/>
+                      <a:r>
+                        <a:rPr lang="en-US" sz="1200" dirty="0">
+                          <a:effectLst/>
+                        </a:rPr>
+                        <a:t>stationary</a:t>
+                      </a:r>
+                    </a:p>
+                  </a:txBody>
+                  <a:tcPr anchor="ctr"/>
+                </a:tc>
+                <a:extLst>
+                  <a:ext uri="{0D108BD9-81ED-4DB2-BD59-A6C34878D82A}">
+                    <a16:rowId xmlns:a16="http://schemas.microsoft.com/office/drawing/2014/main" val="2346150654"/>
+                  </a:ext>
+                </a:extLst>
+              </a:tr>
+              <a:tr h="370840">
+                <a:tc>
+                  <a:txBody>
+                    <a:bodyPr/>
+                    <a:lstStyle/>
+                    <a:p>
+                      <a:pPr algn="r" fontAlgn="ctr"/>
+                      <a:r>
+                        <a:rPr lang="en-US" sz="1200" dirty="0">
+                          <a:effectLst/>
+                        </a:rPr>
+                        <a:t>Return of housing Price</a:t>
+                      </a:r>
+                    </a:p>
+                  </a:txBody>
+                  <a:tcPr anchor="ctr"/>
+                </a:tc>
+                <a:tc>
+                  <a:txBody>
+                    <a:bodyPr/>
+                    <a:lstStyle/>
+                    <a:p>
+                      <a:pPr algn="r" fontAlgn="ctr"/>
+                      <a:r>
+                        <a:rPr lang="en-US" sz="1200" dirty="0">
+                          <a:effectLst/>
+                        </a:rPr>
+                        <a:t>0.000023</a:t>
+                      </a:r>
+                    </a:p>
+                  </a:txBody>
+                  <a:tcPr anchor="ctr"/>
+                </a:tc>
+                <a:tc>
+                  <a:txBody>
+                    <a:bodyPr/>
+                    <a:lstStyle/>
+                    <a:p>
+                      <a:pPr algn="r" fontAlgn="ctr"/>
+                      <a:r>
+                        <a:rPr lang="en-US" sz="1200" dirty="0">
+                          <a:effectLst/>
+                        </a:rPr>
+                        <a:t>stationary</a:t>
+                      </a:r>
+                    </a:p>
+                  </a:txBody>
+                  <a:tcPr anchor="ctr"/>
+                </a:tc>
+                <a:extLst>
+                  <a:ext uri="{0D108BD9-81ED-4DB2-BD59-A6C34878D82A}">
+                    <a16:rowId xmlns:a16="http://schemas.microsoft.com/office/drawing/2014/main" val="3043638450"/>
+                  </a:ext>
+                </a:extLst>
+              </a:tr>
+            </a:tbl>
+          </a:graphicData>
+        </a:graphic>
+      </p:graphicFrame>
+      <p:pic>
+        <p:nvPicPr>
+          <p:cNvPr id="12" name="Picture 11">
+            <a:extLst>
+              <a:ext uri="{FF2B5EF4-FFF2-40B4-BE49-F238E27FC236}">
+                <a16:creationId xmlns:a16="http://schemas.microsoft.com/office/drawing/2014/main" id="{B2416495-B204-A1DF-F4C2-239EECC0E08C}"/>
+              </a:ext>
+            </a:extLst>
+          </p:cNvPr>
+          <p:cNvPicPr>
+            <a:picLocks noChangeAspect="1"/>
+          </p:cNvPicPr>
+          <p:nvPr/>
+        </p:nvPicPr>
+        <p:blipFill>
+          <a:blip r:embed="rId3"/>
+          <a:stretch>
+            <a:fillRect/>
+          </a:stretch>
+        </p:blipFill>
+        <p:spPr>
+          <a:xfrm>
+            <a:off x="8612516" y="4518228"/>
+            <a:ext cx="2946974" cy="2160595"/>
+          </a:xfrm>
+          <a:prstGeom prst="rect">
+            <a:avLst/>
+          </a:prstGeom>
+        </p:spPr>
+      </p:pic>
+      <p:pic>
+        <p:nvPicPr>
+          <p:cNvPr id="1032" name="Picture 8">
+            <a:extLst>
+              <a:ext uri="{FF2B5EF4-FFF2-40B4-BE49-F238E27FC236}">
+                <a16:creationId xmlns:a16="http://schemas.microsoft.com/office/drawing/2014/main" id="{47A84D50-8467-68BB-8E68-8326FA4AE023}"/>
+              </a:ext>
+            </a:extLst>
+          </p:cNvPr>
+          <p:cNvPicPr>
+            <a:picLocks noChangeAspect="1" noChangeArrowheads="1"/>
+          </p:cNvPicPr>
+          <p:nvPr/>
+        </p:nvPicPr>
+        <p:blipFill>
+          <a:blip r:embed="rId4">
+            <a:extLst>
+              <a:ext uri="{28A0092B-C50C-407E-A947-70E740481C1C}">
+                <a14:useLocalDpi xmlns:a14="http://schemas.microsoft.com/office/drawing/2010/main" val="0"/>
+              </a:ext>
+            </a:extLst>
+          </a:blip>
+          <a:srcRect/>
+          <a:stretch>
+            <a:fillRect/>
+          </a:stretch>
+        </p:blipFill>
+        <p:spPr bwMode="auto">
+          <a:xfrm>
+            <a:off x="114471" y="4412715"/>
+            <a:ext cx="4863076" cy="2145958"/>
+          </a:xfrm>
+          <a:prstGeom prst="rect">
+            <a:avLst/>
+          </a:prstGeom>
+          <a:noFill/>
+          <a:extLst>
+            <a:ext uri="{909E8E84-426E-40DD-AFC4-6F175D3DCCD1}">
+              <a14:hiddenFill xmlns:a14="http://schemas.microsoft.com/office/drawing/2010/main">
+                <a:solidFill>
+                  <a:srgbClr val="FFFFFF"/>
+                </a:solidFill>
+              </a14:hiddenFill>
+            </a:ext>
+          </a:extLst>
+        </p:spPr>
+      </p:pic>
+      <p:sp>
+        <p:nvSpPr>
+          <p:cNvPr id="13" name="Content Placeholder 2">
+            <a:extLst>
+              <a:ext uri="{FF2B5EF4-FFF2-40B4-BE49-F238E27FC236}">
+                <a16:creationId xmlns:a16="http://schemas.microsoft.com/office/drawing/2014/main" id="{42058B52-ACB1-9181-18CE-DE1A3D38AF22}"/>
+              </a:ext>
+            </a:extLst>
+          </p:cNvPr>
+          <p:cNvSpPr>
+            <a:spLocks noGrp="1"/>
+          </p:cNvSpPr>
+          <p:nvPr>
+            <p:ph idx="1"/>
+          </p:nvPr>
+        </p:nvSpPr>
+        <p:spPr>
+          <a:xfrm>
+            <a:off x="4889998" y="2001850"/>
+            <a:ext cx="3439145" cy="1811392"/>
+          </a:xfrm>
+        </p:spPr>
+        <p:txBody>
+          <a:bodyPr/>
+          <a:lstStyle/>
+          <a:p>
+            <a:pPr marL="0" indent="0">
+              <a:buNone/>
+            </a:pPr>
+            <a:r>
+              <a:rPr lang="en-US" dirty="0"/>
+              <a:t>Stationary Test:</a:t>
+            </a:r>
+          </a:p>
+          <a:p>
+            <a:pPr lvl="1"/>
+            <a:r>
+              <a:rPr lang="en-US" dirty="0">
+                <a:solidFill>
+                  <a:schemeClr val="accent2">
+                    <a:lumMod val="75000"/>
+                  </a:schemeClr>
+                </a:solidFill>
+                <a:latin typeface="system-ui"/>
+              </a:rPr>
+              <a:t>If P-Value &lt; 0.05 </a:t>
+            </a:r>
+            <a:r>
+              <a:rPr lang="en-US" dirty="0">
+                <a:solidFill>
+                  <a:schemeClr val="accent2">
+                    <a:lumMod val="75000"/>
+                  </a:schemeClr>
+                </a:solidFill>
+                <a:latin typeface="system-ui"/>
+                <a:sym typeface="Wingdings" panose="05000000000000000000" pitchFamily="2" charset="2"/>
+              </a:rPr>
+              <a:t> Stationary</a:t>
+            </a:r>
+            <a:endParaRPr lang="en-US" dirty="0">
+              <a:solidFill>
+                <a:schemeClr val="accent2">
+                  <a:lumMod val="75000"/>
+                </a:schemeClr>
+              </a:solidFill>
+              <a:latin typeface="system-ui"/>
+            </a:endParaRPr>
+          </a:p>
+          <a:p>
+            <a:pPr lvl="1"/>
+            <a:r>
+              <a:rPr lang="en-US" dirty="0">
+                <a:solidFill>
+                  <a:schemeClr val="accent2">
+                    <a:lumMod val="75000"/>
+                  </a:schemeClr>
+                </a:solidFill>
+                <a:latin typeface="system-ui"/>
+              </a:rPr>
+              <a:t>Housing Price is not stationary, remove the trends and seasonality</a:t>
+            </a:r>
+          </a:p>
+        </p:txBody>
+      </p:sp>
+      <p:sp>
+        <p:nvSpPr>
+          <p:cNvPr id="16" name="Content Placeholder 2">
+            <a:extLst>
+              <a:ext uri="{FF2B5EF4-FFF2-40B4-BE49-F238E27FC236}">
+                <a16:creationId xmlns:a16="http://schemas.microsoft.com/office/drawing/2014/main" id="{8A0957B1-A822-E54F-882B-322500A6C29A}"/>
+              </a:ext>
+            </a:extLst>
+          </p:cNvPr>
+          <p:cNvSpPr txBox="1">
+            <a:spLocks/>
+          </p:cNvSpPr>
+          <p:nvPr/>
+        </p:nvSpPr>
+        <p:spPr>
+          <a:xfrm>
+            <a:off x="-111868" y="4093963"/>
+            <a:ext cx="5468368" cy="293432"/>
+          </a:xfrm>
+          <a:prstGeom prst="rect">
+            <a:avLst/>
+          </a:prstGeom>
+        </p:spPr>
+        <p:txBody>
+          <a:bodyPr vert="horz" lIns="91440" tIns="45720" rIns="91440" bIns="45720" rtlCol="0">
+            <a:normAutofit/>
+          </a:bodyPr>
+          <a:lstStyle>
+            <a:lvl1pPr marL="228600" indent="-228600" algn="l" defTabSz="914400" rtl="0" eaLnBrk="1" latinLnBrk="0" hangingPunct="1">
+              <a:lnSpc>
+                <a:spcPct val="100000"/>
+              </a:lnSpc>
+              <a:spcBef>
+                <a:spcPts val="1000"/>
+              </a:spcBef>
+              <a:buClr>
+                <a:schemeClr val="accent2"/>
+              </a:buClr>
+              <a:buFont typeface="Arial" panose="020B0604020202020204" pitchFamily="34" charset="0"/>
+              <a:buChar char="•"/>
+              <a:defRPr sz="1900" kern="1200">
+                <a:solidFill>
+                  <a:schemeClr val="tx1"/>
+                </a:solidFill>
+                <a:latin typeface="+mn-lt"/>
+                <a:ea typeface="+mn-ea"/>
+                <a:cs typeface="+mn-cs"/>
+              </a:defRPr>
+            </a:lvl1pPr>
+            <a:lvl2pPr marL="457200" indent="-228600" algn="l" defTabSz="914400" rtl="0" eaLnBrk="1" latinLnBrk="0" hangingPunct="1">
+              <a:lnSpc>
+                <a:spcPct val="100000"/>
+              </a:lnSpc>
+              <a:spcBef>
+                <a:spcPts val="1000"/>
+              </a:spcBef>
+              <a:buClr>
+                <a:schemeClr val="accent2"/>
+              </a:buClr>
+              <a:buFont typeface="Arial" panose="020B0604020202020204" pitchFamily="34" charset="0"/>
+              <a:buChar char="•"/>
+              <a:defRPr sz="1600" kern="1200">
+                <a:solidFill>
+                  <a:schemeClr val="tx1"/>
+                </a:solidFill>
+                <a:latin typeface="+mn-lt"/>
+                <a:ea typeface="+mn-ea"/>
+                <a:cs typeface="+mn-cs"/>
+              </a:defRPr>
+            </a:lvl2pPr>
+            <a:lvl3pPr marL="685800" indent="-228600" algn="l" defTabSz="914400" rtl="0" eaLnBrk="1" latinLnBrk="0" hangingPunct="1">
+              <a:lnSpc>
+                <a:spcPct val="100000"/>
+              </a:lnSpc>
+              <a:spcBef>
+                <a:spcPts val="1000"/>
+              </a:spcBef>
+              <a:buClr>
+                <a:schemeClr val="accent2"/>
+              </a:buClr>
+              <a:buFont typeface="Arial" panose="020B0604020202020204" pitchFamily="34" charset="0"/>
+              <a:buChar char="•"/>
+              <a:defRPr sz="1600" kern="1200">
+                <a:solidFill>
+                  <a:schemeClr val="tx1"/>
+                </a:solidFill>
+                <a:latin typeface="+mn-lt"/>
+                <a:ea typeface="+mn-ea"/>
+                <a:cs typeface="+mn-cs"/>
+              </a:defRPr>
+            </a:lvl3pPr>
+            <a:lvl4pPr marL="914400" indent="-228600" algn="l" defTabSz="914400" rtl="0" eaLnBrk="1" latinLnBrk="0" hangingPunct="1">
+              <a:lnSpc>
+                <a:spcPct val="100000"/>
+              </a:lnSpc>
+              <a:spcBef>
+                <a:spcPts val="1000"/>
+              </a:spcBef>
+              <a:buClr>
+                <a:schemeClr val="accent2"/>
+              </a:buClr>
+              <a:buFont typeface="Arial" panose="020B0604020202020204" pitchFamily="34" charset="0"/>
+              <a:buChar char="•"/>
+              <a:defRPr sz="1600" kern="1200">
+                <a:solidFill>
+                  <a:schemeClr val="tx1"/>
+                </a:solidFill>
+                <a:latin typeface="+mn-lt"/>
+                <a:ea typeface="+mn-ea"/>
+                <a:cs typeface="+mn-cs"/>
+              </a:defRPr>
+            </a:lvl4pPr>
+            <a:lvl5pPr marL="1143000" indent="-228600" algn="l" defTabSz="914400" rtl="0" eaLnBrk="1" latinLnBrk="0" hangingPunct="1">
+              <a:lnSpc>
+                <a:spcPct val="100000"/>
+              </a:lnSpc>
+              <a:spcBef>
+                <a:spcPts val="1000"/>
+              </a:spcBef>
+              <a:buClr>
+                <a:schemeClr val="accent2"/>
+              </a:buClr>
+              <a:buFont typeface="Arial" panose="020B0604020202020204" pitchFamily="34" charset="0"/>
+              <a:buChar char="•"/>
+              <a:defRPr sz="1600" kern="1200">
+                <a:solidFill>
+                  <a:schemeClr val="tx1"/>
+                </a:solidFill>
+                <a:latin typeface="+mn-lt"/>
+                <a:ea typeface="+mn-ea"/>
+                <a:cs typeface="+mn-cs"/>
+              </a:defRPr>
+            </a:lvl5pPr>
+            <a:lvl6pPr marL="1312863" indent="-228600" algn="l" defTabSz="914400" rtl="0" eaLnBrk="1" latinLnBrk="0" hangingPunct="1">
+              <a:lnSpc>
+                <a:spcPct val="100000"/>
+              </a:lnSpc>
+              <a:spcBef>
+                <a:spcPts val="1000"/>
+              </a:spcBef>
+              <a:buClr>
+                <a:schemeClr val="accent2"/>
+              </a:buClr>
+              <a:buFont typeface="Arial" panose="020B0604020202020204" pitchFamily="34" charset="0"/>
+              <a:buChar char="•"/>
+              <a:defRPr sz="1600" kern="1200">
+                <a:solidFill>
+                  <a:schemeClr val="tx1"/>
+                </a:solidFill>
+                <a:latin typeface="+mn-lt"/>
+                <a:ea typeface="+mn-ea"/>
+                <a:cs typeface="+mn-cs"/>
+              </a:defRPr>
+            </a:lvl6pPr>
+            <a:lvl7pPr marL="1484313" indent="-228600" algn="l" defTabSz="914400" rtl="0" eaLnBrk="1" latinLnBrk="0" hangingPunct="1">
+              <a:lnSpc>
+                <a:spcPct val="100000"/>
+              </a:lnSpc>
+              <a:spcBef>
+                <a:spcPts val="1000"/>
+              </a:spcBef>
+              <a:buClr>
+                <a:schemeClr val="accent2"/>
+              </a:buClr>
+              <a:buFont typeface="Arial" panose="020B0604020202020204" pitchFamily="34" charset="0"/>
+              <a:buChar char="•"/>
+              <a:defRPr sz="1600" kern="1200">
+                <a:solidFill>
+                  <a:schemeClr val="tx1"/>
+                </a:solidFill>
+                <a:latin typeface="+mn-lt"/>
+                <a:ea typeface="+mn-ea"/>
+                <a:cs typeface="+mn-cs"/>
+              </a:defRPr>
+            </a:lvl7pPr>
+            <a:lvl8pPr marL="1657350" indent="-228600" algn="l" defTabSz="914400" rtl="0" eaLnBrk="1" latinLnBrk="0" hangingPunct="1">
+              <a:lnSpc>
+                <a:spcPct val="100000"/>
+              </a:lnSpc>
+              <a:spcBef>
+                <a:spcPts val="1000"/>
+              </a:spcBef>
+              <a:buClr>
+                <a:schemeClr val="accent2"/>
+              </a:buClr>
+              <a:buFont typeface="Arial" panose="020B0604020202020204" pitchFamily="34" charset="0"/>
+              <a:buChar char="•"/>
+              <a:defRPr sz="1600" kern="1200" baseline="0">
+                <a:solidFill>
+                  <a:schemeClr val="tx1"/>
+                </a:solidFill>
+                <a:latin typeface="+mn-lt"/>
+                <a:ea typeface="+mn-ea"/>
+                <a:cs typeface="+mn-cs"/>
+              </a:defRPr>
+            </a:lvl8pPr>
+            <a:lvl9pPr marL="1882775" indent="-228600" algn="l" defTabSz="914400" rtl="0" eaLnBrk="1" latinLnBrk="0" hangingPunct="1">
+              <a:lnSpc>
+                <a:spcPct val="100000"/>
+              </a:lnSpc>
+              <a:spcBef>
+                <a:spcPts val="1000"/>
+              </a:spcBef>
+              <a:buClr>
+                <a:schemeClr val="accent2"/>
+              </a:buClr>
+              <a:buFont typeface="Arial" panose="020B0604020202020204" pitchFamily="34" charset="0"/>
+              <a:buChar char="•"/>
+              <a:defRPr sz="1600" kern="1200" baseline="0">
+                <a:solidFill>
+                  <a:schemeClr val="tx1"/>
+                </a:solidFill>
+                <a:latin typeface="+mn-lt"/>
+                <a:ea typeface="+mn-ea"/>
+                <a:cs typeface="+mn-cs"/>
+              </a:defRPr>
+            </a:lvl9pPr>
+          </a:lstStyle>
+          <a:p>
+            <a:pPr marL="228600" lvl="1" indent="0">
+              <a:buNone/>
+            </a:pPr>
+            <a:r>
+              <a:rPr lang="en-US" sz="1200" dirty="0">
+                <a:latin typeface="system-ui"/>
+              </a:rPr>
+              <a:t>Time Series Plot of Unemployment Rate vs. Median Housing Price 1</a:t>
+            </a:r>
+            <a:r>
+              <a:rPr lang="en-US" sz="1200" baseline="30000" dirty="0">
+                <a:latin typeface="system-ui"/>
+              </a:rPr>
+              <a:t>st</a:t>
+            </a:r>
+            <a:r>
+              <a:rPr lang="en-US" sz="1200" dirty="0">
+                <a:latin typeface="system-ui"/>
+              </a:rPr>
+              <a:t> Difference</a:t>
+            </a:r>
+          </a:p>
+        </p:txBody>
+      </p:sp>
+      <p:sp>
+        <p:nvSpPr>
+          <p:cNvPr id="17" name="Content Placeholder 2">
+            <a:extLst>
+              <a:ext uri="{FF2B5EF4-FFF2-40B4-BE49-F238E27FC236}">
+                <a16:creationId xmlns:a16="http://schemas.microsoft.com/office/drawing/2014/main" id="{340BCA11-596F-F613-0B8F-F7F9514DF9E7}"/>
+              </a:ext>
+            </a:extLst>
+          </p:cNvPr>
+          <p:cNvSpPr txBox="1">
+            <a:spLocks/>
+          </p:cNvSpPr>
+          <p:nvPr/>
+        </p:nvSpPr>
+        <p:spPr>
+          <a:xfrm>
+            <a:off x="1505148" y="1530613"/>
+            <a:ext cx="2081719" cy="293432"/>
+          </a:xfrm>
+          <a:prstGeom prst="rect">
+            <a:avLst/>
+          </a:prstGeom>
+        </p:spPr>
+        <p:txBody>
+          <a:bodyPr vert="horz" lIns="91440" tIns="45720" rIns="91440" bIns="45720" rtlCol="0">
+            <a:normAutofit/>
+          </a:bodyPr>
+          <a:lstStyle>
+            <a:lvl1pPr marL="228600" indent="-228600" algn="l" defTabSz="914400" rtl="0" eaLnBrk="1" latinLnBrk="0" hangingPunct="1">
+              <a:lnSpc>
+                <a:spcPct val="100000"/>
+              </a:lnSpc>
+              <a:spcBef>
+                <a:spcPts val="1000"/>
+              </a:spcBef>
+              <a:buClr>
+                <a:schemeClr val="accent2"/>
+              </a:buClr>
+              <a:buFont typeface="Arial" panose="020B0604020202020204" pitchFamily="34" charset="0"/>
+              <a:buChar char="•"/>
+              <a:defRPr sz="1900" kern="1200">
+                <a:solidFill>
+                  <a:schemeClr val="tx1"/>
+                </a:solidFill>
+                <a:latin typeface="+mn-lt"/>
+                <a:ea typeface="+mn-ea"/>
+                <a:cs typeface="+mn-cs"/>
+              </a:defRPr>
+            </a:lvl1pPr>
+            <a:lvl2pPr marL="457200" indent="-228600" algn="l" defTabSz="914400" rtl="0" eaLnBrk="1" latinLnBrk="0" hangingPunct="1">
+              <a:lnSpc>
+                <a:spcPct val="100000"/>
+              </a:lnSpc>
+              <a:spcBef>
+                <a:spcPts val="1000"/>
+              </a:spcBef>
+              <a:buClr>
+                <a:schemeClr val="accent2"/>
+              </a:buClr>
+              <a:buFont typeface="Arial" panose="020B0604020202020204" pitchFamily="34" charset="0"/>
+              <a:buChar char="•"/>
+              <a:defRPr sz="1600" kern="1200">
+                <a:solidFill>
+                  <a:schemeClr val="tx1"/>
+                </a:solidFill>
+                <a:latin typeface="+mn-lt"/>
+                <a:ea typeface="+mn-ea"/>
+                <a:cs typeface="+mn-cs"/>
+              </a:defRPr>
+            </a:lvl2pPr>
+            <a:lvl3pPr marL="685800" indent="-228600" algn="l" defTabSz="914400" rtl="0" eaLnBrk="1" latinLnBrk="0" hangingPunct="1">
+              <a:lnSpc>
+                <a:spcPct val="100000"/>
+              </a:lnSpc>
+              <a:spcBef>
+                <a:spcPts val="1000"/>
+              </a:spcBef>
+              <a:buClr>
+                <a:schemeClr val="accent2"/>
+              </a:buClr>
+              <a:buFont typeface="Arial" panose="020B0604020202020204" pitchFamily="34" charset="0"/>
+              <a:buChar char="•"/>
+              <a:defRPr sz="1600" kern="1200">
+                <a:solidFill>
+                  <a:schemeClr val="tx1"/>
+                </a:solidFill>
+                <a:latin typeface="+mn-lt"/>
+                <a:ea typeface="+mn-ea"/>
+                <a:cs typeface="+mn-cs"/>
+              </a:defRPr>
+            </a:lvl3pPr>
+            <a:lvl4pPr marL="914400" indent="-228600" algn="l" defTabSz="914400" rtl="0" eaLnBrk="1" latinLnBrk="0" hangingPunct="1">
+              <a:lnSpc>
+                <a:spcPct val="100000"/>
+              </a:lnSpc>
+              <a:spcBef>
+                <a:spcPts val="1000"/>
+              </a:spcBef>
+              <a:buClr>
+                <a:schemeClr val="accent2"/>
+              </a:buClr>
+              <a:buFont typeface="Arial" panose="020B0604020202020204" pitchFamily="34" charset="0"/>
+              <a:buChar char="•"/>
+              <a:defRPr sz="1600" kern="1200">
+                <a:solidFill>
+                  <a:schemeClr val="tx1"/>
+                </a:solidFill>
+                <a:latin typeface="+mn-lt"/>
+                <a:ea typeface="+mn-ea"/>
+                <a:cs typeface="+mn-cs"/>
+              </a:defRPr>
+            </a:lvl4pPr>
+            <a:lvl5pPr marL="1143000" indent="-228600" algn="l" defTabSz="914400" rtl="0" eaLnBrk="1" latinLnBrk="0" hangingPunct="1">
+              <a:lnSpc>
+                <a:spcPct val="100000"/>
+              </a:lnSpc>
+              <a:spcBef>
+                <a:spcPts val="1000"/>
+              </a:spcBef>
+              <a:buClr>
+                <a:schemeClr val="accent2"/>
+              </a:buClr>
+              <a:buFont typeface="Arial" panose="020B0604020202020204" pitchFamily="34" charset="0"/>
+              <a:buChar char="•"/>
+              <a:defRPr sz="1600" kern="1200">
+                <a:solidFill>
+                  <a:schemeClr val="tx1"/>
+                </a:solidFill>
+                <a:latin typeface="+mn-lt"/>
+                <a:ea typeface="+mn-ea"/>
+                <a:cs typeface="+mn-cs"/>
+              </a:defRPr>
+            </a:lvl5pPr>
+            <a:lvl6pPr marL="1312863" indent="-228600" algn="l" defTabSz="914400" rtl="0" eaLnBrk="1" latinLnBrk="0" hangingPunct="1">
+              <a:lnSpc>
+                <a:spcPct val="100000"/>
+              </a:lnSpc>
+              <a:spcBef>
+                <a:spcPts val="1000"/>
+              </a:spcBef>
+              <a:buClr>
+                <a:schemeClr val="accent2"/>
+              </a:buClr>
+              <a:buFont typeface="Arial" panose="020B0604020202020204" pitchFamily="34" charset="0"/>
+              <a:buChar char="•"/>
+              <a:defRPr sz="1600" kern="1200">
+                <a:solidFill>
+                  <a:schemeClr val="tx1"/>
+                </a:solidFill>
+                <a:latin typeface="+mn-lt"/>
+                <a:ea typeface="+mn-ea"/>
+                <a:cs typeface="+mn-cs"/>
+              </a:defRPr>
+            </a:lvl6pPr>
+            <a:lvl7pPr marL="1484313" indent="-228600" algn="l" defTabSz="914400" rtl="0" eaLnBrk="1" latinLnBrk="0" hangingPunct="1">
+              <a:lnSpc>
+                <a:spcPct val="100000"/>
+              </a:lnSpc>
+              <a:spcBef>
+                <a:spcPts val="1000"/>
+              </a:spcBef>
+              <a:buClr>
+                <a:schemeClr val="accent2"/>
+              </a:buClr>
+              <a:buFont typeface="Arial" panose="020B0604020202020204" pitchFamily="34" charset="0"/>
+              <a:buChar char="•"/>
+              <a:defRPr sz="1600" kern="1200">
+                <a:solidFill>
+                  <a:schemeClr val="tx1"/>
+                </a:solidFill>
+                <a:latin typeface="+mn-lt"/>
+                <a:ea typeface="+mn-ea"/>
+                <a:cs typeface="+mn-cs"/>
+              </a:defRPr>
+            </a:lvl7pPr>
+            <a:lvl8pPr marL="1657350" indent="-228600" algn="l" defTabSz="914400" rtl="0" eaLnBrk="1" latinLnBrk="0" hangingPunct="1">
+              <a:lnSpc>
+                <a:spcPct val="100000"/>
+              </a:lnSpc>
+              <a:spcBef>
+                <a:spcPts val="1000"/>
+              </a:spcBef>
+              <a:buClr>
+                <a:schemeClr val="accent2"/>
+              </a:buClr>
+              <a:buFont typeface="Arial" panose="020B0604020202020204" pitchFamily="34" charset="0"/>
+              <a:buChar char="•"/>
+              <a:defRPr sz="1600" kern="1200" baseline="0">
+                <a:solidFill>
+                  <a:schemeClr val="tx1"/>
+                </a:solidFill>
+                <a:latin typeface="+mn-lt"/>
+                <a:ea typeface="+mn-ea"/>
+                <a:cs typeface="+mn-cs"/>
+              </a:defRPr>
+            </a:lvl8pPr>
+            <a:lvl9pPr marL="1882775" indent="-228600" algn="l" defTabSz="914400" rtl="0" eaLnBrk="1" latinLnBrk="0" hangingPunct="1">
+              <a:lnSpc>
+                <a:spcPct val="100000"/>
+              </a:lnSpc>
+              <a:spcBef>
+                <a:spcPts val="1000"/>
+              </a:spcBef>
+              <a:buClr>
+                <a:schemeClr val="accent2"/>
+              </a:buClr>
+              <a:buFont typeface="Arial" panose="020B0604020202020204" pitchFamily="34" charset="0"/>
+              <a:buChar char="•"/>
+              <a:defRPr sz="1600" kern="1200" baseline="0">
+                <a:solidFill>
+                  <a:schemeClr val="tx1"/>
+                </a:solidFill>
+                <a:latin typeface="+mn-lt"/>
+                <a:ea typeface="+mn-ea"/>
+                <a:cs typeface="+mn-cs"/>
+              </a:defRPr>
+            </a:lvl9pPr>
+          </a:lstStyle>
+          <a:p>
+            <a:pPr marL="228600" lvl="1" indent="0">
+              <a:buNone/>
+            </a:pPr>
+            <a:r>
+              <a:rPr lang="en-US" sz="1200" dirty="0">
+                <a:latin typeface="system-ui"/>
+              </a:rPr>
+              <a:t>Stationary Summary Table</a:t>
+            </a:r>
+          </a:p>
+        </p:txBody>
+      </p:sp>
+      <p:sp>
+        <p:nvSpPr>
+          <p:cNvPr id="18" name="Content Placeholder 2">
+            <a:extLst>
+              <a:ext uri="{FF2B5EF4-FFF2-40B4-BE49-F238E27FC236}">
+                <a16:creationId xmlns:a16="http://schemas.microsoft.com/office/drawing/2014/main" id="{33BCE513-4308-FBEF-DB41-C81D24F9E663}"/>
+              </a:ext>
+            </a:extLst>
+          </p:cNvPr>
+          <p:cNvSpPr txBox="1">
+            <a:spLocks/>
+          </p:cNvSpPr>
+          <p:nvPr/>
+        </p:nvSpPr>
+        <p:spPr>
+          <a:xfrm>
+            <a:off x="5136430" y="4387395"/>
+            <a:ext cx="3439145" cy="1811392"/>
+          </a:xfrm>
+          <a:prstGeom prst="rect">
+            <a:avLst/>
+          </a:prstGeom>
+        </p:spPr>
+        <p:txBody>
+          <a:bodyPr vert="horz" lIns="91440" tIns="45720" rIns="91440" bIns="45720" rtlCol="0">
+            <a:normAutofit/>
+          </a:bodyPr>
+          <a:lstStyle>
+            <a:lvl1pPr marL="228600" indent="-228600" algn="l" defTabSz="914400" rtl="0" eaLnBrk="1" latinLnBrk="0" hangingPunct="1">
+              <a:lnSpc>
+                <a:spcPct val="100000"/>
+              </a:lnSpc>
+              <a:spcBef>
+                <a:spcPts val="1000"/>
+              </a:spcBef>
+              <a:buClr>
+                <a:schemeClr val="accent2"/>
+              </a:buClr>
+              <a:buFont typeface="Arial" panose="020B0604020202020204" pitchFamily="34" charset="0"/>
+              <a:buChar char="•"/>
+              <a:defRPr sz="1800" kern="1200">
+                <a:solidFill>
+                  <a:schemeClr val="tx1">
+                    <a:lumMod val="85000"/>
+                    <a:lumOff val="15000"/>
+                  </a:schemeClr>
+                </a:solidFill>
+                <a:latin typeface="+mn-lt"/>
+                <a:ea typeface="+mn-ea"/>
+                <a:cs typeface="+mn-cs"/>
+              </a:defRPr>
+            </a:lvl1pPr>
+            <a:lvl2pPr marL="457200" indent="-228600" algn="l" defTabSz="914400" rtl="0" eaLnBrk="1" latinLnBrk="0" hangingPunct="1">
+              <a:lnSpc>
+                <a:spcPct val="100000"/>
+              </a:lnSpc>
+              <a:spcBef>
+                <a:spcPts val="1000"/>
+              </a:spcBef>
+              <a:buClr>
+                <a:schemeClr val="accent2"/>
+              </a:buClr>
+              <a:buFont typeface="Arial" panose="020B0604020202020204" pitchFamily="34" charset="0"/>
+              <a:buChar char="•"/>
+              <a:defRPr sz="1600" kern="1200">
+                <a:solidFill>
+                  <a:schemeClr val="tx1">
+                    <a:lumMod val="85000"/>
+                    <a:lumOff val="15000"/>
+                  </a:schemeClr>
+                </a:solidFill>
+                <a:latin typeface="+mn-lt"/>
+                <a:ea typeface="+mn-ea"/>
+                <a:cs typeface="+mn-cs"/>
+              </a:defRPr>
+            </a:lvl2pPr>
+            <a:lvl3pPr marL="685800" indent="-228600" algn="l" defTabSz="914400" rtl="0" eaLnBrk="1" latinLnBrk="0" hangingPunct="1">
+              <a:lnSpc>
+                <a:spcPct val="100000"/>
+              </a:lnSpc>
+              <a:spcBef>
+                <a:spcPts val="1000"/>
+              </a:spcBef>
+              <a:buClr>
+                <a:schemeClr val="accent2"/>
+              </a:buClr>
+              <a:buFont typeface="Arial" panose="020B0604020202020204" pitchFamily="34" charset="0"/>
+              <a:buChar char="•"/>
+              <a:defRPr sz="1600" kern="1200">
+                <a:solidFill>
+                  <a:schemeClr val="tx1">
+                    <a:lumMod val="85000"/>
+                    <a:lumOff val="15000"/>
+                  </a:schemeClr>
+                </a:solidFill>
+                <a:latin typeface="+mn-lt"/>
+                <a:ea typeface="+mn-ea"/>
+                <a:cs typeface="+mn-cs"/>
+              </a:defRPr>
+            </a:lvl3pPr>
+            <a:lvl4pPr marL="914400" indent="-228600" algn="l" defTabSz="914400" rtl="0" eaLnBrk="1" latinLnBrk="0" hangingPunct="1">
+              <a:lnSpc>
+                <a:spcPct val="100000"/>
+              </a:lnSpc>
+              <a:spcBef>
+                <a:spcPts val="1000"/>
+              </a:spcBef>
+              <a:buClr>
+                <a:schemeClr val="accent2"/>
+              </a:buClr>
+              <a:buFont typeface="Arial" panose="020B0604020202020204" pitchFamily="34" charset="0"/>
+              <a:buChar char="•"/>
+              <a:defRPr sz="1600" kern="1200">
+                <a:solidFill>
+                  <a:schemeClr val="tx1">
+                    <a:lumMod val="85000"/>
+                    <a:lumOff val="15000"/>
+                  </a:schemeClr>
+                </a:solidFill>
+                <a:latin typeface="+mn-lt"/>
+                <a:ea typeface="+mn-ea"/>
+                <a:cs typeface="+mn-cs"/>
+              </a:defRPr>
+            </a:lvl4pPr>
+            <a:lvl5pPr marL="1143000" indent="-228600" algn="l" defTabSz="914400" rtl="0" eaLnBrk="1" latinLnBrk="0" hangingPunct="1">
+              <a:lnSpc>
+                <a:spcPct val="100000"/>
+              </a:lnSpc>
+              <a:spcBef>
+                <a:spcPts val="1000"/>
+              </a:spcBef>
+              <a:buClr>
+                <a:schemeClr val="accent2"/>
+              </a:buClr>
+              <a:buFont typeface="Arial" panose="020B0604020202020204" pitchFamily="34" charset="0"/>
+              <a:buChar char="•"/>
+              <a:defRPr sz="1600" kern="1200">
+                <a:solidFill>
+                  <a:schemeClr val="tx1">
+                    <a:lumMod val="85000"/>
+                    <a:lumOff val="15000"/>
+                  </a:schemeClr>
+                </a:solidFill>
+                <a:latin typeface="+mn-lt"/>
+                <a:ea typeface="+mn-ea"/>
+                <a:cs typeface="+mn-cs"/>
+              </a:defRPr>
+            </a:lvl5pPr>
+            <a:lvl6pPr marL="1312863" indent="-228600" algn="l" defTabSz="914400" rtl="0" eaLnBrk="1" latinLnBrk="0" hangingPunct="1">
+              <a:lnSpc>
+                <a:spcPct val="100000"/>
+              </a:lnSpc>
+              <a:spcBef>
+                <a:spcPts val="1000"/>
+              </a:spcBef>
+              <a:buClr>
+                <a:schemeClr val="accent2"/>
+              </a:buClr>
+              <a:buFont typeface="Arial" panose="020B0604020202020204" pitchFamily="34" charset="0"/>
+              <a:buChar char="•"/>
+              <a:defRPr sz="1600" kern="1200">
+                <a:solidFill>
+                  <a:schemeClr val="tx1"/>
+                </a:solidFill>
+                <a:latin typeface="+mn-lt"/>
+                <a:ea typeface="+mn-ea"/>
+                <a:cs typeface="+mn-cs"/>
+              </a:defRPr>
+            </a:lvl6pPr>
+            <a:lvl7pPr marL="1484313" indent="-228600" algn="l" defTabSz="914400" rtl="0" eaLnBrk="1" latinLnBrk="0" hangingPunct="1">
+              <a:lnSpc>
+                <a:spcPct val="100000"/>
+              </a:lnSpc>
+              <a:spcBef>
+                <a:spcPts val="1000"/>
+              </a:spcBef>
+              <a:buClr>
+                <a:schemeClr val="accent2"/>
+              </a:buClr>
+              <a:buFont typeface="Arial" panose="020B0604020202020204" pitchFamily="34" charset="0"/>
+              <a:buChar char="•"/>
+              <a:defRPr sz="1600" kern="1200">
+                <a:solidFill>
+                  <a:schemeClr val="tx1"/>
+                </a:solidFill>
+                <a:latin typeface="+mn-lt"/>
+                <a:ea typeface="+mn-ea"/>
+                <a:cs typeface="+mn-cs"/>
+              </a:defRPr>
+            </a:lvl7pPr>
+            <a:lvl8pPr marL="1657350" indent="-228600" algn="l" defTabSz="914400" rtl="0" eaLnBrk="1" latinLnBrk="0" hangingPunct="1">
+              <a:lnSpc>
+                <a:spcPct val="100000"/>
+              </a:lnSpc>
+              <a:spcBef>
+                <a:spcPts val="1000"/>
+              </a:spcBef>
+              <a:buClr>
+                <a:schemeClr val="accent2"/>
+              </a:buClr>
+              <a:buFont typeface="Arial" panose="020B0604020202020204" pitchFamily="34" charset="0"/>
+              <a:buChar char="•"/>
+              <a:defRPr sz="1600" kern="1200" baseline="0">
+                <a:solidFill>
+                  <a:schemeClr val="tx1"/>
+                </a:solidFill>
+                <a:latin typeface="+mn-lt"/>
+                <a:ea typeface="+mn-ea"/>
+                <a:cs typeface="+mn-cs"/>
+              </a:defRPr>
+            </a:lvl8pPr>
+            <a:lvl9pPr marL="1882775" indent="-228600" algn="l" defTabSz="914400" rtl="0" eaLnBrk="1" latinLnBrk="0" hangingPunct="1">
+              <a:lnSpc>
+                <a:spcPct val="100000"/>
+              </a:lnSpc>
+              <a:spcBef>
+                <a:spcPts val="1000"/>
+              </a:spcBef>
+              <a:buClr>
+                <a:schemeClr val="accent2"/>
+              </a:buClr>
+              <a:buFont typeface="Arial" panose="020B0604020202020204" pitchFamily="34" charset="0"/>
+              <a:buChar char="•"/>
+              <a:defRPr sz="1600" kern="1200" baseline="0">
+                <a:solidFill>
+                  <a:schemeClr val="tx1"/>
+                </a:solidFill>
+                <a:latin typeface="+mn-lt"/>
+                <a:ea typeface="+mn-ea"/>
+                <a:cs typeface="+mn-cs"/>
+              </a:defRPr>
+            </a:lvl9pPr>
+          </a:lstStyle>
+          <a:p>
+            <a:pPr marL="0" indent="0">
+              <a:buFont typeface="Arial" panose="020B0604020202020204" pitchFamily="34" charset="0"/>
+              <a:buNone/>
+            </a:pPr>
+            <a:r>
+              <a:rPr lang="en-US" dirty="0"/>
+              <a:t>Correlation of Stationary Data:</a:t>
+            </a:r>
+          </a:p>
+          <a:p>
+            <a:pPr lvl="1"/>
+            <a:r>
+              <a:rPr lang="en-US" dirty="0">
+                <a:solidFill>
+                  <a:schemeClr val="accent2">
+                    <a:lumMod val="75000"/>
+                  </a:schemeClr>
+                </a:solidFill>
+                <a:latin typeface="system-ui"/>
+              </a:rPr>
+              <a:t>No significant correlation can be found </a:t>
+            </a:r>
+          </a:p>
+          <a:p>
+            <a:pPr lvl="1"/>
+            <a:r>
+              <a:rPr lang="en-US" dirty="0">
+                <a:solidFill>
+                  <a:schemeClr val="accent2">
+                    <a:lumMod val="75000"/>
+                  </a:schemeClr>
+                </a:solidFill>
+                <a:latin typeface="system-ui"/>
+              </a:rPr>
+              <a:t>Correlation plot (Upper Right)</a:t>
+            </a:r>
+          </a:p>
+          <a:p>
+            <a:pPr lvl="1"/>
+            <a:r>
+              <a:rPr lang="en-US" dirty="0">
+                <a:solidFill>
+                  <a:schemeClr val="accent2">
+                    <a:lumMod val="75000"/>
+                  </a:schemeClr>
+                </a:solidFill>
+                <a:latin typeface="system-ui"/>
+              </a:rPr>
+              <a:t>Correlation Matrix (Lower Right)</a:t>
             </a:r>
           </a:p>
         </p:txBody>
@@ -3449,6 +5683,348 @@
 </file>
 
 <file path=ppt/slides/slide3.xml><?xml version="1.0" encoding="utf-8"?>
+<p:sld xmlns:a="http://schemas.openxmlformats.org/drawingml/2006/main" xmlns:r="http://schemas.openxmlformats.org/officeDocument/2006/relationships" xmlns:p="http://schemas.openxmlformats.org/presentationml/2006/main">
+  <p:cSld>
+    <p:spTree>
+      <p:nvGrpSpPr>
+        <p:cNvPr id="1" name="">
+          <a:extLst>
+            <a:ext uri="{FF2B5EF4-FFF2-40B4-BE49-F238E27FC236}">
+              <a16:creationId xmlns:a16="http://schemas.microsoft.com/office/drawing/2014/main" id="{54620EFC-4329-6274-69E1-478548AF00CE}"/>
+            </a:ext>
+          </a:extLst>
+        </p:cNvPr>
+        <p:cNvGrpSpPr/>
+        <p:nvPr/>
+      </p:nvGrpSpPr>
+      <p:grpSpPr>
+        <a:xfrm>
+          <a:off x="0" y="0"/>
+          <a:ext cx="0" cy="0"/>
+          <a:chOff x="0" y="0"/>
+          <a:chExt cx="0" cy="0"/>
+        </a:xfrm>
+      </p:grpSpPr>
+      <p:sp>
+        <p:nvSpPr>
+          <p:cNvPr id="2" name="Title 1">
+            <a:extLst>
+              <a:ext uri="{FF2B5EF4-FFF2-40B4-BE49-F238E27FC236}">
+                <a16:creationId xmlns:a16="http://schemas.microsoft.com/office/drawing/2014/main" id="{71ACD454-43BF-FDAC-DEA7-467BE7F4BBCE}"/>
+              </a:ext>
+            </a:extLst>
+          </p:cNvPr>
+          <p:cNvSpPr>
+            <a:spLocks noGrp="1"/>
+          </p:cNvSpPr>
+          <p:nvPr>
+            <p:ph type="title"/>
+          </p:nvPr>
+        </p:nvSpPr>
+        <p:spPr>
+          <a:xfrm>
+            <a:off x="2684833" y="497764"/>
+            <a:ext cx="7057158" cy="713329"/>
+          </a:xfrm>
+        </p:spPr>
+        <p:txBody>
+          <a:bodyPr>
+            <a:normAutofit fontScale="90000"/>
+          </a:bodyPr>
+          <a:lstStyle/>
+          <a:p>
+            <a:r>
+              <a:rPr lang="en-US" dirty="0"/>
+              <a:t>Correlation and Lags</a:t>
+            </a:r>
+          </a:p>
+        </p:txBody>
+      </p:sp>
+      <p:pic>
+        <p:nvPicPr>
+          <p:cNvPr id="1028" name="Picture 4">
+            <a:extLst>
+              <a:ext uri="{FF2B5EF4-FFF2-40B4-BE49-F238E27FC236}">
+                <a16:creationId xmlns:a16="http://schemas.microsoft.com/office/drawing/2014/main" id="{D62E8656-46D1-6F58-E165-663B344CBFD7}"/>
+              </a:ext>
+            </a:extLst>
+          </p:cNvPr>
+          <p:cNvPicPr>
+            <a:picLocks noChangeAspect="1" noChangeArrowheads="1"/>
+          </p:cNvPicPr>
+          <p:nvPr/>
+        </p:nvPicPr>
+        <p:blipFill>
+          <a:blip r:embed="rId2">
+            <a:extLst>
+              <a:ext uri="{28A0092B-C50C-407E-A947-70E740481C1C}">
+                <a14:useLocalDpi xmlns:a14="http://schemas.microsoft.com/office/drawing/2010/main" val="0"/>
+              </a:ext>
+            </a:extLst>
+          </a:blip>
+          <a:srcRect/>
+          <a:stretch>
+            <a:fillRect/>
+          </a:stretch>
+        </p:blipFill>
+        <p:spPr bwMode="auto">
+          <a:xfrm>
+            <a:off x="1322961" y="2608181"/>
+            <a:ext cx="3608962" cy="3615089"/>
+          </a:xfrm>
+          <a:prstGeom prst="rect">
+            <a:avLst/>
+          </a:prstGeom>
+          <a:noFill/>
+          <a:extLst>
+            <a:ext uri="{909E8E84-426E-40DD-AFC4-6F175D3DCCD1}">
+              <a14:hiddenFill xmlns:a14="http://schemas.microsoft.com/office/drawing/2010/main">
+                <a:solidFill>
+                  <a:srgbClr val="FFFFFF"/>
+                </a:solidFill>
+              </a14:hiddenFill>
+            </a:ext>
+          </a:extLst>
+        </p:spPr>
+      </p:pic>
+      <p:pic>
+        <p:nvPicPr>
+          <p:cNvPr id="1030" name="Picture 6">
+            <a:extLst>
+              <a:ext uri="{FF2B5EF4-FFF2-40B4-BE49-F238E27FC236}">
+                <a16:creationId xmlns:a16="http://schemas.microsoft.com/office/drawing/2014/main" id="{225097BE-5793-552D-82AA-317E33AC2306}"/>
+              </a:ext>
+            </a:extLst>
+          </p:cNvPr>
+          <p:cNvPicPr>
+            <a:picLocks noChangeAspect="1" noChangeArrowheads="1"/>
+          </p:cNvPicPr>
+          <p:nvPr/>
+        </p:nvPicPr>
+        <p:blipFill>
+          <a:blip r:embed="rId3">
+            <a:extLst>
+              <a:ext uri="{28A0092B-C50C-407E-A947-70E740481C1C}">
+                <a14:useLocalDpi xmlns:a14="http://schemas.microsoft.com/office/drawing/2010/main" val="0"/>
+              </a:ext>
+            </a:extLst>
+          </a:blip>
+          <a:srcRect/>
+          <a:stretch>
+            <a:fillRect/>
+          </a:stretch>
+        </p:blipFill>
+        <p:spPr bwMode="auto">
+          <a:xfrm>
+            <a:off x="6631477" y="2608181"/>
+            <a:ext cx="3417196" cy="3417196"/>
+          </a:xfrm>
+          <a:prstGeom prst="rect">
+            <a:avLst/>
+          </a:prstGeom>
+          <a:noFill/>
+          <a:extLst>
+            <a:ext uri="{909E8E84-426E-40DD-AFC4-6F175D3DCCD1}">
+              <a14:hiddenFill xmlns:a14="http://schemas.microsoft.com/office/drawing/2010/main">
+                <a:solidFill>
+                  <a:srgbClr val="FFFFFF"/>
+                </a:solidFill>
+              </a14:hiddenFill>
+            </a:ext>
+          </a:extLst>
+        </p:spPr>
+      </p:pic>
+    </p:spTree>
+    <p:extLst>
+      <p:ext uri="{BB962C8B-B14F-4D97-AF65-F5344CB8AC3E}">
+        <p14:creationId xmlns:p14="http://schemas.microsoft.com/office/powerpoint/2010/main" val="2959807213"/>
+      </p:ext>
+    </p:extLst>
+  </p:cSld>
+  <p:clrMapOvr>
+    <a:masterClrMapping/>
+  </p:clrMapOvr>
+</p:sld>
+</file>
+
+<file path=ppt/slides/slide4.xml><?xml version="1.0" encoding="utf-8"?>
+<p:sld xmlns:a="http://schemas.openxmlformats.org/drawingml/2006/main" xmlns:r="http://schemas.openxmlformats.org/officeDocument/2006/relationships" xmlns:p="http://schemas.openxmlformats.org/presentationml/2006/main">
+  <p:cSld>
+    <p:spTree>
+      <p:nvGrpSpPr>
+        <p:cNvPr id="1" name="">
+          <a:extLst>
+            <a:ext uri="{FF2B5EF4-FFF2-40B4-BE49-F238E27FC236}">
+              <a16:creationId xmlns:a16="http://schemas.microsoft.com/office/drawing/2014/main" id="{8ABD6C9B-5895-4BC6-6F0F-40ED7CBB0040}"/>
+            </a:ext>
+          </a:extLst>
+        </p:cNvPr>
+        <p:cNvGrpSpPr/>
+        <p:nvPr/>
+      </p:nvGrpSpPr>
+      <p:grpSpPr>
+        <a:xfrm>
+          <a:off x="0" y="0"/>
+          <a:ext cx="0" cy="0"/>
+          <a:chOff x="0" y="0"/>
+          <a:chExt cx="0" cy="0"/>
+        </a:xfrm>
+      </p:grpSpPr>
+      <p:sp>
+        <p:nvSpPr>
+          <p:cNvPr id="2" name="Title 1">
+            <a:extLst>
+              <a:ext uri="{FF2B5EF4-FFF2-40B4-BE49-F238E27FC236}">
+                <a16:creationId xmlns:a16="http://schemas.microsoft.com/office/drawing/2014/main" id="{AA4B1839-6B06-FC68-05CD-A777EA6D70F3}"/>
+              </a:ext>
+            </a:extLst>
+          </p:cNvPr>
+          <p:cNvSpPr>
+            <a:spLocks noGrp="1"/>
+          </p:cNvSpPr>
+          <p:nvPr>
+            <p:ph type="title"/>
+          </p:nvPr>
+        </p:nvSpPr>
+        <p:spPr>
+          <a:xfrm>
+            <a:off x="2684833" y="497764"/>
+            <a:ext cx="7057158" cy="713329"/>
+          </a:xfrm>
+        </p:spPr>
+        <p:txBody>
+          <a:bodyPr>
+            <a:normAutofit fontScale="90000"/>
+          </a:bodyPr>
+          <a:lstStyle/>
+          <a:p>
+            <a:r>
+              <a:rPr lang="en-US" dirty="0"/>
+              <a:t>Result with lags</a:t>
+            </a:r>
+          </a:p>
+        </p:txBody>
+      </p:sp>
+      <p:pic>
+        <p:nvPicPr>
+          <p:cNvPr id="4" name="Picture 3" descr="A graph of a function&#10;&#10;Description automatically generated with medium confidence">
+            <a:extLst>
+              <a:ext uri="{FF2B5EF4-FFF2-40B4-BE49-F238E27FC236}">
+                <a16:creationId xmlns:a16="http://schemas.microsoft.com/office/drawing/2014/main" id="{EC5D8237-9CF9-10CE-C094-AF60B5D18E00}"/>
+              </a:ext>
+            </a:extLst>
+          </p:cNvPr>
+          <p:cNvPicPr>
+            <a:picLocks noChangeAspect="1"/>
+          </p:cNvPicPr>
+          <p:nvPr/>
+        </p:nvPicPr>
+        <p:blipFill>
+          <a:blip r:embed="rId2">
+            <a:extLst>
+              <a:ext uri="{28A0092B-C50C-407E-A947-70E740481C1C}">
+                <a14:useLocalDpi xmlns:a14="http://schemas.microsoft.com/office/drawing/2010/main" val="0"/>
+              </a:ext>
+            </a:extLst>
+          </a:blip>
+          <a:srcRect l="5474"/>
+          <a:stretch/>
+        </p:blipFill>
+        <p:spPr>
+          <a:xfrm>
+            <a:off x="-1" y="2654111"/>
+            <a:ext cx="3973749" cy="4203889"/>
+          </a:xfrm>
+          <a:prstGeom prst="rect">
+            <a:avLst/>
+          </a:prstGeom>
+        </p:spPr>
+      </p:pic>
+      <p:pic>
+        <p:nvPicPr>
+          <p:cNvPr id="6" name="Picture 5" descr="A graph of a number of data&#10;&#10;Description automatically generated with medium confidence">
+            <a:extLst>
+              <a:ext uri="{FF2B5EF4-FFF2-40B4-BE49-F238E27FC236}">
+                <a16:creationId xmlns:a16="http://schemas.microsoft.com/office/drawing/2014/main" id="{ECD15BFB-C6E4-E1B9-3953-66C663F812DB}"/>
+              </a:ext>
+            </a:extLst>
+          </p:cNvPr>
+          <p:cNvPicPr>
+            <a:picLocks noChangeAspect="1"/>
+          </p:cNvPicPr>
+          <p:nvPr/>
+        </p:nvPicPr>
+        <p:blipFill>
+          <a:blip r:embed="rId3">
+            <a:extLst>
+              <a:ext uri="{28A0092B-C50C-407E-A947-70E740481C1C}">
+                <a14:useLocalDpi xmlns:a14="http://schemas.microsoft.com/office/drawing/2010/main" val="0"/>
+              </a:ext>
+            </a:extLst>
+          </a:blip>
+          <a:srcRect r="12183"/>
+          <a:stretch/>
+        </p:blipFill>
+        <p:spPr>
+          <a:xfrm>
+            <a:off x="3674080" y="3792012"/>
+            <a:ext cx="4487426" cy="3065988"/>
+          </a:xfrm>
+          <a:prstGeom prst="rect">
+            <a:avLst/>
+          </a:prstGeom>
+        </p:spPr>
+      </p:pic>
+      <p:pic>
+        <p:nvPicPr>
+          <p:cNvPr id="9" name="Picture 8" descr="A graph showing a number of graphs&#10;&#10;Description automatically generated with medium confidence">
+            <a:extLst>
+              <a:ext uri="{FF2B5EF4-FFF2-40B4-BE49-F238E27FC236}">
+                <a16:creationId xmlns:a16="http://schemas.microsoft.com/office/drawing/2014/main" id="{5AC04EFC-9520-1B32-9CD0-568F84794CB0}"/>
+              </a:ext>
+            </a:extLst>
+          </p:cNvPr>
+          <p:cNvPicPr>
+            <a:picLocks noChangeAspect="1"/>
+          </p:cNvPicPr>
+          <p:nvPr/>
+        </p:nvPicPr>
+        <p:blipFill>
+          <a:blip r:embed="rId4">
+            <a:extLst>
+              <a:ext uri="{28A0092B-C50C-407E-A947-70E740481C1C}">
+                <a14:useLocalDpi xmlns:a14="http://schemas.microsoft.com/office/drawing/2010/main" val="0"/>
+              </a:ext>
+            </a:extLst>
+          </a:blip>
+          <a:stretch>
+            <a:fillRect/>
+          </a:stretch>
+        </p:blipFill>
+        <p:spPr>
+          <a:xfrm>
+            <a:off x="6466253" y="1259235"/>
+            <a:ext cx="5725747" cy="2544777"/>
+          </a:xfrm>
+          <a:prstGeom prst="rect">
+            <a:avLst/>
+          </a:prstGeom>
+        </p:spPr>
+      </p:pic>
+    </p:spTree>
+    <p:extLst>
+      <p:ext uri="{BB962C8B-B14F-4D97-AF65-F5344CB8AC3E}">
+        <p14:creationId xmlns:p14="http://schemas.microsoft.com/office/powerpoint/2010/main" val="989239206"/>
+      </p:ext>
+    </p:extLst>
+  </p:cSld>
+  <p:clrMapOvr>
+    <a:masterClrMapping/>
+  </p:clrMapOvr>
+</p:sld>
+</file>
+
+<file path=ppt/slides/slide5.xml><?xml version="1.0" encoding="utf-8"?>
 <p:sld xmlns:a="http://schemas.openxmlformats.org/drawingml/2006/main" xmlns:r="http://schemas.openxmlformats.org/officeDocument/2006/relationships" xmlns:p="http://schemas.openxmlformats.org/presentationml/2006/main">
   <p:cSld>
     <p:spTree>
@@ -3503,6 +6079,1363 @@
               <a:rPr lang="en-US" dirty="0"/>
               <a:t>Reporting Process</a:t>
             </a:r>
+          </a:p>
+        </p:txBody>
+      </p:sp>
+      <p:sp>
+        <p:nvSpPr>
+          <p:cNvPr id="3" name="Rectangle 2">
+            <a:extLst>
+              <a:ext uri="{FF2B5EF4-FFF2-40B4-BE49-F238E27FC236}">
+                <a16:creationId xmlns:a16="http://schemas.microsoft.com/office/drawing/2014/main" id="{E16799A8-ED68-FA44-3972-C60F496E5B68}"/>
+              </a:ext>
+            </a:extLst>
+          </p:cNvPr>
+          <p:cNvSpPr/>
+          <p:nvPr/>
+        </p:nvSpPr>
+        <p:spPr>
+          <a:xfrm>
+            <a:off x="778082" y="3394953"/>
+            <a:ext cx="1546698" cy="817123"/>
+          </a:xfrm>
+          <a:prstGeom prst="rect">
+            <a:avLst/>
+          </a:prstGeom>
+        </p:spPr>
+        <p:style>
+          <a:lnRef idx="2">
+            <a:schemeClr val="accent1">
+              <a:shade val="15000"/>
+            </a:schemeClr>
+          </a:lnRef>
+          <a:fillRef idx="1">
+            <a:schemeClr val="accent1"/>
+          </a:fillRef>
+          <a:effectRef idx="0">
+            <a:schemeClr val="accent1"/>
+          </a:effectRef>
+          <a:fontRef idx="minor">
+            <a:schemeClr val="lt1"/>
+          </a:fontRef>
+        </p:style>
+        <p:txBody>
+          <a:bodyPr rtlCol="0" anchor="ctr"/>
+          <a:lstStyle/>
+          <a:p>
+            <a:pPr algn="ctr"/>
+            <a:r>
+              <a:rPr lang="en-US" dirty="0"/>
+              <a:t>Python Env</a:t>
+            </a:r>
+          </a:p>
+          <a:p>
+            <a:pPr algn="ctr"/>
+            <a:r>
+              <a:rPr lang="en-US" dirty="0"/>
+              <a:t>(Virtual Env)</a:t>
+            </a:r>
+          </a:p>
+        </p:txBody>
+      </p:sp>
+      <p:cxnSp>
+        <p:nvCxnSpPr>
+          <p:cNvPr id="5" name="Straight Arrow Connector 4">
+            <a:extLst>
+              <a:ext uri="{FF2B5EF4-FFF2-40B4-BE49-F238E27FC236}">
+                <a16:creationId xmlns:a16="http://schemas.microsoft.com/office/drawing/2014/main" id="{C0783F2A-0F21-9315-771F-CB865F49C016}"/>
+              </a:ext>
+            </a:extLst>
+          </p:cNvPr>
+          <p:cNvCxnSpPr>
+            <a:cxnSpLocks/>
+            <a:stCxn id="11" idx="2"/>
+            <a:endCxn id="3" idx="0"/>
+          </p:cNvCxnSpPr>
+          <p:nvPr/>
+        </p:nvCxnSpPr>
+        <p:spPr>
+          <a:xfrm>
+            <a:off x="1551431" y="2978837"/>
+            <a:ext cx="0" cy="416116"/>
+          </a:xfrm>
+          <a:prstGeom prst="straightConnector1">
+            <a:avLst/>
+          </a:prstGeom>
+          <a:ln w="28575">
+            <a:tailEnd type="triangle"/>
+          </a:ln>
+        </p:spPr>
+        <p:style>
+          <a:lnRef idx="1">
+            <a:schemeClr val="accent1"/>
+          </a:lnRef>
+          <a:fillRef idx="0">
+            <a:schemeClr val="accent1"/>
+          </a:fillRef>
+          <a:effectRef idx="0">
+            <a:schemeClr val="accent1"/>
+          </a:effectRef>
+          <a:fontRef idx="minor">
+            <a:schemeClr val="tx1"/>
+          </a:fontRef>
+        </p:style>
+      </p:cxnSp>
+      <p:cxnSp>
+        <p:nvCxnSpPr>
+          <p:cNvPr id="7" name="Straight Arrow Connector 6">
+            <a:extLst>
+              <a:ext uri="{FF2B5EF4-FFF2-40B4-BE49-F238E27FC236}">
+                <a16:creationId xmlns:a16="http://schemas.microsoft.com/office/drawing/2014/main" id="{0A4209B8-A953-6DAF-16F1-D261317041EE}"/>
+              </a:ext>
+            </a:extLst>
+          </p:cNvPr>
+          <p:cNvCxnSpPr>
+            <a:cxnSpLocks/>
+            <a:stCxn id="17" idx="0"/>
+            <a:endCxn id="3" idx="2"/>
+          </p:cNvCxnSpPr>
+          <p:nvPr/>
+        </p:nvCxnSpPr>
+        <p:spPr>
+          <a:xfrm flipV="1">
+            <a:off x="1551431" y="4212076"/>
+            <a:ext cx="0" cy="603105"/>
+          </a:xfrm>
+          <a:prstGeom prst="straightConnector1">
+            <a:avLst/>
+          </a:prstGeom>
+          <a:ln w="28575">
+            <a:tailEnd type="triangle"/>
+          </a:ln>
+        </p:spPr>
+        <p:style>
+          <a:lnRef idx="1">
+            <a:schemeClr val="accent1"/>
+          </a:lnRef>
+          <a:fillRef idx="0">
+            <a:schemeClr val="accent1"/>
+          </a:fillRef>
+          <a:effectRef idx="0">
+            <a:schemeClr val="accent1"/>
+          </a:effectRef>
+          <a:fontRef idx="minor">
+            <a:schemeClr val="tx1"/>
+          </a:fontRef>
+        </p:style>
+      </p:cxnSp>
+      <p:sp>
+        <p:nvSpPr>
+          <p:cNvPr id="11" name="Rectangle 10">
+            <a:extLst>
+              <a:ext uri="{FF2B5EF4-FFF2-40B4-BE49-F238E27FC236}">
+                <a16:creationId xmlns:a16="http://schemas.microsoft.com/office/drawing/2014/main" id="{D5C2EA4D-C0D8-C5F1-5749-67D72F6489CA}"/>
+              </a:ext>
+            </a:extLst>
+          </p:cNvPr>
+          <p:cNvSpPr/>
+          <p:nvPr/>
+        </p:nvSpPr>
+        <p:spPr>
+          <a:xfrm>
+            <a:off x="612712" y="2161714"/>
+            <a:ext cx="1877438" cy="817123"/>
+          </a:xfrm>
+          <a:prstGeom prst="rect">
+            <a:avLst/>
+          </a:prstGeom>
+          <a:solidFill>
+            <a:schemeClr val="accent2">
+              <a:lumMod val="75000"/>
+            </a:schemeClr>
+          </a:solidFill>
+        </p:spPr>
+        <p:style>
+          <a:lnRef idx="2">
+            <a:schemeClr val="accent1">
+              <a:shade val="15000"/>
+            </a:schemeClr>
+          </a:lnRef>
+          <a:fillRef idx="1">
+            <a:schemeClr val="accent1"/>
+          </a:fillRef>
+          <a:effectRef idx="0">
+            <a:schemeClr val="accent1"/>
+          </a:effectRef>
+          <a:fontRef idx="minor">
+            <a:schemeClr val="lt1"/>
+          </a:fontRef>
+        </p:style>
+        <p:txBody>
+          <a:bodyPr rtlCol="0" anchor="ctr"/>
+          <a:lstStyle/>
+          <a:p>
+            <a:pPr algn="ctr"/>
+            <a:r>
+              <a:rPr lang="en-US" sz="1400" dirty="0"/>
+              <a:t>Read in csv file</a:t>
+            </a:r>
+          </a:p>
+          <a:p>
+            <a:pPr algn="ctr"/>
+            <a:r>
+              <a:rPr lang="en-US" sz="1400" dirty="0"/>
+              <a:t>(Or replaced with Database Connection) </a:t>
+            </a:r>
+          </a:p>
+        </p:txBody>
+      </p:sp>
+      <p:sp>
+        <p:nvSpPr>
+          <p:cNvPr id="17" name="Rectangle 16">
+            <a:extLst>
+              <a:ext uri="{FF2B5EF4-FFF2-40B4-BE49-F238E27FC236}">
+                <a16:creationId xmlns:a16="http://schemas.microsoft.com/office/drawing/2014/main" id="{C01C6142-0916-C88F-F235-C84721EDF5A1}"/>
+              </a:ext>
+            </a:extLst>
+          </p:cNvPr>
+          <p:cNvSpPr/>
+          <p:nvPr/>
+        </p:nvSpPr>
+        <p:spPr>
+          <a:xfrm>
+            <a:off x="612712" y="4815181"/>
+            <a:ext cx="1877438" cy="817123"/>
+          </a:xfrm>
+          <a:prstGeom prst="rect">
+            <a:avLst/>
+          </a:prstGeom>
+          <a:solidFill>
+            <a:schemeClr val="accent2">
+              <a:lumMod val="75000"/>
+            </a:schemeClr>
+          </a:solidFill>
+        </p:spPr>
+        <p:style>
+          <a:lnRef idx="2">
+            <a:schemeClr val="accent1">
+              <a:shade val="15000"/>
+            </a:schemeClr>
+          </a:lnRef>
+          <a:fillRef idx="1">
+            <a:schemeClr val="accent1"/>
+          </a:fillRef>
+          <a:effectRef idx="0">
+            <a:schemeClr val="accent1"/>
+          </a:effectRef>
+          <a:fontRef idx="minor">
+            <a:schemeClr val="lt1"/>
+          </a:fontRef>
+        </p:style>
+        <p:txBody>
+          <a:bodyPr rtlCol="0" anchor="ctr"/>
+          <a:lstStyle/>
+          <a:p>
+            <a:pPr algn="ctr"/>
+            <a:r>
+              <a:rPr lang="en-US" sz="1400" dirty="0"/>
+              <a:t>User Input configs/</a:t>
+            </a:r>
+            <a:r>
+              <a:rPr lang="en-US" sz="1400" dirty="0" err="1"/>
+              <a:t>args</a:t>
+            </a:r>
+            <a:endParaRPr lang="en-US" sz="1400" dirty="0"/>
+          </a:p>
+          <a:p>
+            <a:pPr algn="ctr"/>
+            <a:r>
+              <a:rPr lang="en-US" sz="1400" dirty="0"/>
+              <a:t>(Date, directory, etc..) </a:t>
+            </a:r>
+          </a:p>
+        </p:txBody>
+      </p:sp>
+      <p:cxnSp>
+        <p:nvCxnSpPr>
+          <p:cNvPr id="19" name="Straight Arrow Connector 18">
+            <a:extLst>
+              <a:ext uri="{FF2B5EF4-FFF2-40B4-BE49-F238E27FC236}">
+                <a16:creationId xmlns:a16="http://schemas.microsoft.com/office/drawing/2014/main" id="{CE6EEAD0-186E-226B-8346-86AC8B5A367A}"/>
+              </a:ext>
+            </a:extLst>
+          </p:cNvPr>
+          <p:cNvCxnSpPr>
+            <a:cxnSpLocks/>
+            <a:stCxn id="3" idx="3"/>
+            <a:endCxn id="22" idx="1"/>
+          </p:cNvCxnSpPr>
+          <p:nvPr/>
+        </p:nvCxnSpPr>
+        <p:spPr>
+          <a:xfrm flipV="1">
+            <a:off x="2324780" y="3803511"/>
+            <a:ext cx="588523" cy="4"/>
+          </a:xfrm>
+          <a:prstGeom prst="straightConnector1">
+            <a:avLst/>
+          </a:prstGeom>
+          <a:ln w="28575">
+            <a:tailEnd type="triangle"/>
+          </a:ln>
+        </p:spPr>
+        <p:style>
+          <a:lnRef idx="1">
+            <a:schemeClr val="accent1"/>
+          </a:lnRef>
+          <a:fillRef idx="0">
+            <a:schemeClr val="accent1"/>
+          </a:fillRef>
+          <a:effectRef idx="0">
+            <a:schemeClr val="accent1"/>
+          </a:effectRef>
+          <a:fontRef idx="minor">
+            <a:schemeClr val="tx1"/>
+          </a:fontRef>
+        </p:style>
+      </p:cxnSp>
+      <p:sp>
+        <p:nvSpPr>
+          <p:cNvPr id="22" name="Rectangle 21">
+            <a:extLst>
+              <a:ext uri="{FF2B5EF4-FFF2-40B4-BE49-F238E27FC236}">
+                <a16:creationId xmlns:a16="http://schemas.microsoft.com/office/drawing/2014/main" id="{5C13080F-A571-59E3-88FB-293122B6F886}"/>
+              </a:ext>
+            </a:extLst>
+          </p:cNvPr>
+          <p:cNvSpPr/>
+          <p:nvPr/>
+        </p:nvSpPr>
+        <p:spPr>
+          <a:xfrm>
+            <a:off x="2913303" y="3338212"/>
+            <a:ext cx="1830422" cy="930597"/>
+          </a:xfrm>
+          <a:prstGeom prst="rect">
+            <a:avLst/>
+          </a:prstGeom>
+        </p:spPr>
+        <p:style>
+          <a:lnRef idx="2">
+            <a:schemeClr val="accent1">
+              <a:shade val="15000"/>
+            </a:schemeClr>
+          </a:lnRef>
+          <a:fillRef idx="1">
+            <a:schemeClr val="accent1"/>
+          </a:fillRef>
+          <a:effectRef idx="0">
+            <a:schemeClr val="accent1"/>
+          </a:effectRef>
+          <a:fontRef idx="minor">
+            <a:schemeClr val="lt1"/>
+          </a:fontRef>
+        </p:style>
+        <p:txBody>
+          <a:bodyPr rtlCol="0" anchor="ctr"/>
+          <a:lstStyle/>
+          <a:p>
+            <a:pPr algn="ctr"/>
+            <a:r>
+              <a:rPr lang="en-US" dirty="0"/>
+              <a:t>Run user selected report in config</a:t>
+            </a:r>
+          </a:p>
+        </p:txBody>
+      </p:sp>
+      <p:sp>
+        <p:nvSpPr>
+          <p:cNvPr id="30" name="Rectangle 29">
+            <a:extLst>
+              <a:ext uri="{FF2B5EF4-FFF2-40B4-BE49-F238E27FC236}">
+                <a16:creationId xmlns:a16="http://schemas.microsoft.com/office/drawing/2014/main" id="{0B023CC5-6CBE-8417-5591-79CD2CBA1FAE}"/>
+              </a:ext>
+            </a:extLst>
+          </p:cNvPr>
+          <p:cNvSpPr/>
+          <p:nvPr/>
+        </p:nvSpPr>
+        <p:spPr>
+          <a:xfrm>
+            <a:off x="5298201" y="3229581"/>
+            <a:ext cx="1830422" cy="1147863"/>
+          </a:xfrm>
+          <a:prstGeom prst="rect">
+            <a:avLst/>
+          </a:prstGeom>
+        </p:spPr>
+        <p:style>
+          <a:lnRef idx="2">
+            <a:schemeClr val="accent1">
+              <a:shade val="15000"/>
+            </a:schemeClr>
+          </a:lnRef>
+          <a:fillRef idx="1">
+            <a:schemeClr val="accent1"/>
+          </a:fillRef>
+          <a:effectRef idx="0">
+            <a:schemeClr val="accent1"/>
+          </a:effectRef>
+          <a:fontRef idx="minor">
+            <a:schemeClr val="lt1"/>
+          </a:fontRef>
+        </p:style>
+        <p:txBody>
+          <a:bodyPr rtlCol="0" anchor="ctr"/>
+          <a:lstStyle/>
+          <a:p>
+            <a:pPr algn="ctr"/>
+            <a:r>
+              <a:rPr lang="en-US" dirty="0"/>
+              <a:t>Data Manipulation and Analysis in Python </a:t>
+            </a:r>
+          </a:p>
+        </p:txBody>
+      </p:sp>
+      <p:cxnSp>
+        <p:nvCxnSpPr>
+          <p:cNvPr id="34" name="Straight Arrow Connector 33">
+            <a:extLst>
+              <a:ext uri="{FF2B5EF4-FFF2-40B4-BE49-F238E27FC236}">
+                <a16:creationId xmlns:a16="http://schemas.microsoft.com/office/drawing/2014/main" id="{AAEF9B97-2D60-333E-CAB2-84D0A2CE1723}"/>
+              </a:ext>
+            </a:extLst>
+          </p:cNvPr>
+          <p:cNvCxnSpPr>
+            <a:cxnSpLocks/>
+            <a:stCxn id="22" idx="3"/>
+            <a:endCxn id="30" idx="1"/>
+          </p:cNvCxnSpPr>
+          <p:nvPr/>
+        </p:nvCxnSpPr>
+        <p:spPr>
+          <a:xfrm>
+            <a:off x="4743725" y="3803511"/>
+            <a:ext cx="554476" cy="2"/>
+          </a:xfrm>
+          <a:prstGeom prst="straightConnector1">
+            <a:avLst/>
+          </a:prstGeom>
+          <a:ln w="28575">
+            <a:tailEnd type="triangle"/>
+          </a:ln>
+        </p:spPr>
+        <p:style>
+          <a:lnRef idx="1">
+            <a:schemeClr val="accent1"/>
+          </a:lnRef>
+          <a:fillRef idx="0">
+            <a:schemeClr val="accent1"/>
+          </a:fillRef>
+          <a:effectRef idx="0">
+            <a:schemeClr val="accent1"/>
+          </a:effectRef>
+          <a:fontRef idx="minor">
+            <a:schemeClr val="tx1"/>
+          </a:fontRef>
+        </p:style>
+      </p:cxnSp>
+      <p:cxnSp>
+        <p:nvCxnSpPr>
+          <p:cNvPr id="38" name="Straight Arrow Connector 37">
+            <a:extLst>
+              <a:ext uri="{FF2B5EF4-FFF2-40B4-BE49-F238E27FC236}">
+                <a16:creationId xmlns:a16="http://schemas.microsoft.com/office/drawing/2014/main" id="{E6378A3B-292B-780B-DDFC-01E046082AE1}"/>
+              </a:ext>
+            </a:extLst>
+          </p:cNvPr>
+          <p:cNvCxnSpPr>
+            <a:cxnSpLocks/>
+            <a:stCxn id="30" idx="3"/>
+            <a:endCxn id="53" idx="1"/>
+          </p:cNvCxnSpPr>
+          <p:nvPr/>
+        </p:nvCxnSpPr>
+        <p:spPr>
+          <a:xfrm flipV="1">
+            <a:off x="7128623" y="3803512"/>
+            <a:ext cx="2226013" cy="1"/>
+          </a:xfrm>
+          <a:prstGeom prst="straightConnector1">
+            <a:avLst/>
+          </a:prstGeom>
+          <a:ln w="28575">
+            <a:prstDash val="dash"/>
+            <a:tailEnd type="triangle"/>
+          </a:ln>
+        </p:spPr>
+        <p:style>
+          <a:lnRef idx="1">
+            <a:schemeClr val="accent1"/>
+          </a:lnRef>
+          <a:fillRef idx="0">
+            <a:schemeClr val="accent1"/>
+          </a:fillRef>
+          <a:effectRef idx="0">
+            <a:schemeClr val="accent1"/>
+          </a:effectRef>
+          <a:fontRef idx="minor">
+            <a:schemeClr val="tx1"/>
+          </a:fontRef>
+        </p:style>
+      </p:cxnSp>
+      <p:cxnSp>
+        <p:nvCxnSpPr>
+          <p:cNvPr id="46" name="Connector: Elbow 45">
+            <a:extLst>
+              <a:ext uri="{FF2B5EF4-FFF2-40B4-BE49-F238E27FC236}">
+                <a16:creationId xmlns:a16="http://schemas.microsoft.com/office/drawing/2014/main" id="{EFD6B4BE-C756-9D77-19FB-0DFB2CC761F0}"/>
+              </a:ext>
+            </a:extLst>
+          </p:cNvPr>
+          <p:cNvCxnSpPr>
+            <a:cxnSpLocks/>
+            <a:stCxn id="30" idx="0"/>
+            <a:endCxn id="56" idx="1"/>
+          </p:cNvCxnSpPr>
+          <p:nvPr/>
+        </p:nvCxnSpPr>
+        <p:spPr>
+          <a:xfrm rot="5400000" flipH="1" flipV="1">
+            <a:off x="6715595" y="1639506"/>
+            <a:ext cx="1087893" cy="2092258"/>
+          </a:xfrm>
+          <a:prstGeom prst="bentConnector2">
+            <a:avLst/>
+          </a:prstGeom>
+          <a:ln w="28575">
+            <a:prstDash val="dash"/>
+            <a:tailEnd type="triangle"/>
+          </a:ln>
+        </p:spPr>
+        <p:style>
+          <a:lnRef idx="1">
+            <a:schemeClr val="accent1"/>
+          </a:lnRef>
+          <a:fillRef idx="0">
+            <a:schemeClr val="accent1"/>
+          </a:fillRef>
+          <a:effectRef idx="0">
+            <a:schemeClr val="accent1"/>
+          </a:effectRef>
+          <a:fontRef idx="minor">
+            <a:schemeClr val="tx1"/>
+          </a:fontRef>
+        </p:style>
+      </p:cxnSp>
+      <p:cxnSp>
+        <p:nvCxnSpPr>
+          <p:cNvPr id="50" name="Straight Arrow Connector 49">
+            <a:extLst>
+              <a:ext uri="{FF2B5EF4-FFF2-40B4-BE49-F238E27FC236}">
+                <a16:creationId xmlns:a16="http://schemas.microsoft.com/office/drawing/2014/main" id="{62C116F9-4CF8-010A-0D3E-B01AFE0A5E6D}"/>
+              </a:ext>
+            </a:extLst>
+          </p:cNvPr>
+          <p:cNvCxnSpPr>
+            <a:cxnSpLocks/>
+            <a:stCxn id="30" idx="2"/>
+            <a:endCxn id="58" idx="0"/>
+          </p:cNvCxnSpPr>
+          <p:nvPr/>
+        </p:nvCxnSpPr>
+        <p:spPr>
+          <a:xfrm>
+            <a:off x="6213412" y="4377444"/>
+            <a:ext cx="21077" cy="909537"/>
+          </a:xfrm>
+          <a:prstGeom prst="straightConnector1">
+            <a:avLst/>
+          </a:prstGeom>
+          <a:ln w="28575">
+            <a:prstDash val="dash"/>
+            <a:tailEnd type="triangle"/>
+          </a:ln>
+        </p:spPr>
+        <p:style>
+          <a:lnRef idx="1">
+            <a:schemeClr val="accent1"/>
+          </a:lnRef>
+          <a:fillRef idx="0">
+            <a:schemeClr val="accent1"/>
+          </a:fillRef>
+          <a:effectRef idx="0">
+            <a:schemeClr val="accent1"/>
+          </a:effectRef>
+          <a:fontRef idx="minor">
+            <a:schemeClr val="tx1"/>
+          </a:fontRef>
+        </p:style>
+      </p:cxnSp>
+      <p:sp>
+        <p:nvSpPr>
+          <p:cNvPr id="53" name="Rectangle 52">
+            <a:extLst>
+              <a:ext uri="{FF2B5EF4-FFF2-40B4-BE49-F238E27FC236}">
+                <a16:creationId xmlns:a16="http://schemas.microsoft.com/office/drawing/2014/main" id="{BBA72531-FABD-293F-E39B-AEBF735E8743}"/>
+              </a:ext>
+            </a:extLst>
+          </p:cNvPr>
+          <p:cNvSpPr/>
+          <p:nvPr/>
+        </p:nvSpPr>
+        <p:spPr>
+          <a:xfrm>
+            <a:off x="9354636" y="3446847"/>
+            <a:ext cx="1830422" cy="713329"/>
+          </a:xfrm>
+          <a:prstGeom prst="rect">
+            <a:avLst/>
+          </a:prstGeom>
+          <a:solidFill>
+            <a:schemeClr val="bg2">
+              <a:lumMod val="50000"/>
+            </a:schemeClr>
+          </a:solidFill>
+        </p:spPr>
+        <p:style>
+          <a:lnRef idx="2">
+            <a:schemeClr val="accent1">
+              <a:shade val="15000"/>
+            </a:schemeClr>
+          </a:lnRef>
+          <a:fillRef idx="1">
+            <a:schemeClr val="accent1"/>
+          </a:fillRef>
+          <a:effectRef idx="0">
+            <a:schemeClr val="accent1"/>
+          </a:effectRef>
+          <a:fontRef idx="minor">
+            <a:schemeClr val="lt1"/>
+          </a:fontRef>
+        </p:style>
+        <p:txBody>
+          <a:bodyPr rtlCol="0" anchor="ctr"/>
+          <a:lstStyle/>
+          <a:p>
+            <a:pPr algn="ctr"/>
+            <a:r>
+              <a:rPr lang="en-US" dirty="0"/>
+              <a:t>HTML Report</a:t>
+            </a:r>
+          </a:p>
+          <a:p>
+            <a:pPr algn="ctr"/>
+            <a:r>
+              <a:rPr lang="en-US" dirty="0"/>
+              <a:t>(Interactive)</a:t>
+            </a:r>
+          </a:p>
+        </p:txBody>
+      </p:sp>
+      <p:sp>
+        <p:nvSpPr>
+          <p:cNvPr id="56" name="Rectangle 55">
+            <a:extLst>
+              <a:ext uri="{FF2B5EF4-FFF2-40B4-BE49-F238E27FC236}">
+                <a16:creationId xmlns:a16="http://schemas.microsoft.com/office/drawing/2014/main" id="{50C784D4-7650-6B00-0477-ABD668AE1BCE}"/>
+              </a:ext>
+            </a:extLst>
+          </p:cNvPr>
+          <p:cNvSpPr/>
+          <p:nvPr/>
+        </p:nvSpPr>
+        <p:spPr>
+          <a:xfrm>
+            <a:off x="8305670" y="1785023"/>
+            <a:ext cx="1830422" cy="713329"/>
+          </a:xfrm>
+          <a:prstGeom prst="rect">
+            <a:avLst/>
+          </a:prstGeom>
+          <a:solidFill>
+            <a:schemeClr val="bg2">
+              <a:lumMod val="50000"/>
+            </a:schemeClr>
+          </a:solidFill>
+        </p:spPr>
+        <p:style>
+          <a:lnRef idx="2">
+            <a:schemeClr val="accent1">
+              <a:shade val="15000"/>
+            </a:schemeClr>
+          </a:lnRef>
+          <a:fillRef idx="1">
+            <a:schemeClr val="accent1"/>
+          </a:fillRef>
+          <a:effectRef idx="0">
+            <a:schemeClr val="accent1"/>
+          </a:effectRef>
+          <a:fontRef idx="minor">
+            <a:schemeClr val="lt1"/>
+          </a:fontRef>
+        </p:style>
+        <p:txBody>
+          <a:bodyPr rtlCol="0" anchor="ctr"/>
+          <a:lstStyle/>
+          <a:p>
+            <a:pPr algn="ctr"/>
+            <a:r>
+              <a:rPr lang="en-US" dirty="0"/>
+              <a:t>PDF Report</a:t>
+            </a:r>
+          </a:p>
+          <a:p>
+            <a:pPr algn="ctr"/>
+            <a:r>
+              <a:rPr lang="en-US" dirty="0"/>
+              <a:t>(Non-Interactive)</a:t>
+            </a:r>
+          </a:p>
+        </p:txBody>
+      </p:sp>
+      <p:sp>
+        <p:nvSpPr>
+          <p:cNvPr id="58" name="Rectangle 57">
+            <a:extLst>
+              <a:ext uri="{FF2B5EF4-FFF2-40B4-BE49-F238E27FC236}">
+                <a16:creationId xmlns:a16="http://schemas.microsoft.com/office/drawing/2014/main" id="{E939A8F2-0319-D28D-5C18-CA829E409A71}"/>
+              </a:ext>
+            </a:extLst>
+          </p:cNvPr>
+          <p:cNvSpPr/>
+          <p:nvPr/>
+        </p:nvSpPr>
+        <p:spPr>
+          <a:xfrm>
+            <a:off x="5319278" y="5286981"/>
+            <a:ext cx="1830422" cy="713329"/>
+          </a:xfrm>
+          <a:prstGeom prst="rect">
+            <a:avLst/>
+          </a:prstGeom>
+          <a:solidFill>
+            <a:schemeClr val="bg2">
+              <a:lumMod val="50000"/>
+            </a:schemeClr>
+          </a:solidFill>
+        </p:spPr>
+        <p:style>
+          <a:lnRef idx="2">
+            <a:schemeClr val="accent1">
+              <a:shade val="15000"/>
+            </a:schemeClr>
+          </a:lnRef>
+          <a:fillRef idx="1">
+            <a:schemeClr val="accent1"/>
+          </a:fillRef>
+          <a:effectRef idx="0">
+            <a:schemeClr val="accent1"/>
+          </a:effectRef>
+          <a:fontRef idx="minor">
+            <a:schemeClr val="lt1"/>
+          </a:fontRef>
+        </p:style>
+        <p:txBody>
+          <a:bodyPr rtlCol="0" anchor="ctr"/>
+          <a:lstStyle/>
+          <a:p>
+            <a:pPr algn="ctr"/>
+            <a:r>
+              <a:rPr lang="en-US" dirty="0"/>
+              <a:t>Excel Report</a:t>
+            </a:r>
+          </a:p>
+          <a:p>
+            <a:pPr algn="ctr"/>
+            <a:r>
+              <a:rPr lang="en-US" dirty="0"/>
+              <a:t>(Non-Interactive)</a:t>
+            </a:r>
+          </a:p>
+        </p:txBody>
+      </p:sp>
+      <p:cxnSp>
+        <p:nvCxnSpPr>
+          <p:cNvPr id="65" name="Straight Arrow Connector 64">
+            <a:extLst>
+              <a:ext uri="{FF2B5EF4-FFF2-40B4-BE49-F238E27FC236}">
+                <a16:creationId xmlns:a16="http://schemas.microsoft.com/office/drawing/2014/main" id="{E6EF9643-2DDA-A8D2-25BE-55A17E3CC941}"/>
+              </a:ext>
+            </a:extLst>
+          </p:cNvPr>
+          <p:cNvCxnSpPr>
+            <a:cxnSpLocks/>
+            <a:stCxn id="58" idx="3"/>
+            <a:endCxn id="67" idx="1"/>
+          </p:cNvCxnSpPr>
+          <p:nvPr/>
+        </p:nvCxnSpPr>
+        <p:spPr>
+          <a:xfrm>
+            <a:off x="7149700" y="5643646"/>
+            <a:ext cx="1155970" cy="3242"/>
+          </a:xfrm>
+          <a:prstGeom prst="straightConnector1">
+            <a:avLst/>
+          </a:prstGeom>
+          <a:ln w="28575">
+            <a:prstDash val="dash"/>
+            <a:tailEnd type="triangle"/>
+          </a:ln>
+        </p:spPr>
+        <p:style>
+          <a:lnRef idx="1">
+            <a:schemeClr val="accent1"/>
+          </a:lnRef>
+          <a:fillRef idx="0">
+            <a:schemeClr val="accent1"/>
+          </a:fillRef>
+          <a:effectRef idx="0">
+            <a:schemeClr val="accent1"/>
+          </a:effectRef>
+          <a:fontRef idx="minor">
+            <a:schemeClr val="tx1"/>
+          </a:fontRef>
+        </p:style>
+      </p:cxnSp>
+      <p:sp>
+        <p:nvSpPr>
+          <p:cNvPr id="67" name="Rectangle 66">
+            <a:extLst>
+              <a:ext uri="{FF2B5EF4-FFF2-40B4-BE49-F238E27FC236}">
+                <a16:creationId xmlns:a16="http://schemas.microsoft.com/office/drawing/2014/main" id="{133E6B86-0F98-EA0F-E658-F277654246DE}"/>
+              </a:ext>
+            </a:extLst>
+          </p:cNvPr>
+          <p:cNvSpPr/>
+          <p:nvPr/>
+        </p:nvSpPr>
+        <p:spPr>
+          <a:xfrm>
+            <a:off x="8305670" y="5290223"/>
+            <a:ext cx="1830422" cy="713329"/>
+          </a:xfrm>
+          <a:prstGeom prst="rect">
+            <a:avLst/>
+          </a:prstGeom>
+          <a:solidFill>
+            <a:schemeClr val="bg2">
+              <a:lumMod val="50000"/>
+            </a:schemeClr>
+          </a:solidFill>
+        </p:spPr>
+        <p:style>
+          <a:lnRef idx="2">
+            <a:schemeClr val="accent1">
+              <a:shade val="15000"/>
+            </a:schemeClr>
+          </a:lnRef>
+          <a:fillRef idx="1">
+            <a:schemeClr val="accent1"/>
+          </a:fillRef>
+          <a:effectRef idx="0">
+            <a:schemeClr val="accent1"/>
+          </a:effectRef>
+          <a:fontRef idx="minor">
+            <a:schemeClr val="lt1"/>
+          </a:fontRef>
+        </p:style>
+        <p:txBody>
+          <a:bodyPr rtlCol="0" anchor="ctr"/>
+          <a:lstStyle/>
+          <a:p>
+            <a:pPr algn="ctr"/>
+            <a:r>
+              <a:rPr lang="en-US" dirty="0"/>
+              <a:t>Tableau Report</a:t>
+            </a:r>
+          </a:p>
+          <a:p>
+            <a:pPr algn="ctr"/>
+            <a:r>
+              <a:rPr lang="en-US" dirty="0"/>
+              <a:t>(Interactive)</a:t>
+            </a:r>
+          </a:p>
+        </p:txBody>
+      </p:sp>
+      <p:sp>
+        <p:nvSpPr>
+          <p:cNvPr id="70" name="TextBox 69">
+            <a:extLst>
+              <a:ext uri="{FF2B5EF4-FFF2-40B4-BE49-F238E27FC236}">
+                <a16:creationId xmlns:a16="http://schemas.microsoft.com/office/drawing/2014/main" id="{623643CB-7B2D-5BAB-E734-628E70D6FD77}"/>
+              </a:ext>
+            </a:extLst>
+          </p:cNvPr>
+          <p:cNvSpPr txBox="1"/>
+          <p:nvPr/>
+        </p:nvSpPr>
+        <p:spPr>
+          <a:xfrm>
+            <a:off x="5225244" y="1450483"/>
+            <a:ext cx="2167778" cy="584775"/>
+          </a:xfrm>
+          <a:prstGeom prst="rect">
+            <a:avLst/>
+          </a:prstGeom>
+          <a:noFill/>
+        </p:spPr>
+        <p:txBody>
+          <a:bodyPr wrap="square">
+            <a:spAutoFit/>
+          </a:bodyPr>
+          <a:lstStyle/>
+          <a:p>
+            <a:pPr algn="ctr"/>
+            <a:r>
+              <a:rPr lang="en-US" sz="1600" dirty="0">
+                <a:solidFill>
+                  <a:schemeClr val="accent2">
+                    <a:lumMod val="50000"/>
+                  </a:schemeClr>
+                </a:solidFill>
+              </a:rPr>
+              <a:t>User Define which report to generate</a:t>
+            </a:r>
+          </a:p>
+        </p:txBody>
+      </p:sp>
+      <p:sp>
+        <p:nvSpPr>
+          <p:cNvPr id="71" name="TextBox 70">
+            <a:extLst>
+              <a:ext uri="{FF2B5EF4-FFF2-40B4-BE49-F238E27FC236}">
+                <a16:creationId xmlns:a16="http://schemas.microsoft.com/office/drawing/2014/main" id="{CDF16EB7-B6B6-2EFA-5A2F-A41ADC9F5A02}"/>
+              </a:ext>
+            </a:extLst>
+          </p:cNvPr>
+          <p:cNvSpPr txBox="1"/>
+          <p:nvPr/>
+        </p:nvSpPr>
+        <p:spPr>
+          <a:xfrm>
+            <a:off x="6643796" y="4596239"/>
+            <a:ext cx="2167778" cy="584775"/>
+          </a:xfrm>
+          <a:prstGeom prst="rect">
+            <a:avLst/>
+          </a:prstGeom>
+          <a:noFill/>
+        </p:spPr>
+        <p:txBody>
+          <a:bodyPr wrap="square">
+            <a:spAutoFit/>
+          </a:bodyPr>
+          <a:lstStyle/>
+          <a:p>
+            <a:pPr algn="ctr"/>
+            <a:r>
+              <a:rPr lang="en-US" sz="1600" dirty="0">
+                <a:solidFill>
+                  <a:schemeClr val="accent2">
+                    <a:lumMod val="50000"/>
+                  </a:schemeClr>
+                </a:solidFill>
+              </a:rPr>
+              <a:t>Or let Tableau connect with Database</a:t>
+            </a:r>
+          </a:p>
+        </p:txBody>
+      </p:sp>
+      <p:sp>
+        <p:nvSpPr>
+          <p:cNvPr id="72" name="TextBox 71">
+            <a:extLst>
+              <a:ext uri="{FF2B5EF4-FFF2-40B4-BE49-F238E27FC236}">
+                <a16:creationId xmlns:a16="http://schemas.microsoft.com/office/drawing/2014/main" id="{B8ACB678-412B-572B-B31D-295EA511DA61}"/>
+              </a:ext>
+            </a:extLst>
+          </p:cNvPr>
+          <p:cNvSpPr txBox="1"/>
+          <p:nvPr/>
+        </p:nvSpPr>
+        <p:spPr>
+          <a:xfrm>
+            <a:off x="336185" y="6431601"/>
+            <a:ext cx="9654121" cy="523220"/>
+          </a:xfrm>
+          <a:prstGeom prst="rect">
+            <a:avLst/>
+          </a:prstGeom>
+          <a:noFill/>
+        </p:spPr>
+        <p:txBody>
+          <a:bodyPr wrap="square">
+            <a:spAutoFit/>
+          </a:bodyPr>
+          <a:lstStyle/>
+          <a:p>
+            <a:r>
+              <a:rPr lang="en-US" sz="1400" dirty="0"/>
+              <a:t>Check All Examples at My GitHub: </a:t>
+            </a:r>
+            <a:r>
+              <a:rPr lang="en-US" sz="1400" dirty="0">
+                <a:hlinkClick r:id="rId2"/>
+              </a:rPr>
+              <a:t>https://github.com/hanlulu-0201/Unemployment_House</a:t>
+            </a:r>
+            <a:endParaRPr lang="en-US" sz="1400" dirty="0"/>
+          </a:p>
+          <a:p>
+            <a:endParaRPr lang="en-US" sz="1400" dirty="0"/>
+          </a:p>
+        </p:txBody>
+      </p:sp>
+      <p:sp>
+        <p:nvSpPr>
+          <p:cNvPr id="4" name="Content Placeholder 2">
+            <a:extLst>
+              <a:ext uri="{FF2B5EF4-FFF2-40B4-BE49-F238E27FC236}">
+                <a16:creationId xmlns:a16="http://schemas.microsoft.com/office/drawing/2014/main" id="{18A1D7FD-D0CE-1869-F686-1F13D8386F41}"/>
+              </a:ext>
+            </a:extLst>
+          </p:cNvPr>
+          <p:cNvSpPr txBox="1">
+            <a:spLocks/>
+          </p:cNvSpPr>
+          <p:nvPr/>
+        </p:nvSpPr>
+        <p:spPr>
+          <a:xfrm>
+            <a:off x="187428" y="228926"/>
+            <a:ext cx="2081719" cy="1571703"/>
+          </a:xfrm>
+          <a:prstGeom prst="rect">
+            <a:avLst/>
+          </a:prstGeom>
+        </p:spPr>
+        <p:txBody>
+          <a:bodyPr vert="horz" lIns="91440" tIns="45720" rIns="91440" bIns="45720" rtlCol="0">
+            <a:normAutofit/>
+          </a:bodyPr>
+          <a:lstStyle>
+            <a:lvl1pPr marL="228600" indent="-228600" algn="l" defTabSz="914400" rtl="0" eaLnBrk="1" latinLnBrk="0" hangingPunct="1">
+              <a:lnSpc>
+                <a:spcPct val="100000"/>
+              </a:lnSpc>
+              <a:spcBef>
+                <a:spcPts val="1000"/>
+              </a:spcBef>
+              <a:buClr>
+                <a:schemeClr val="accent2"/>
+              </a:buClr>
+              <a:buFont typeface="Arial" panose="020B0604020202020204" pitchFamily="34" charset="0"/>
+              <a:buChar char="•"/>
+              <a:defRPr sz="1900" kern="1200">
+                <a:solidFill>
+                  <a:schemeClr val="tx1"/>
+                </a:solidFill>
+                <a:latin typeface="+mn-lt"/>
+                <a:ea typeface="+mn-ea"/>
+                <a:cs typeface="+mn-cs"/>
+              </a:defRPr>
+            </a:lvl1pPr>
+            <a:lvl2pPr marL="457200" indent="-228600" algn="l" defTabSz="914400" rtl="0" eaLnBrk="1" latinLnBrk="0" hangingPunct="1">
+              <a:lnSpc>
+                <a:spcPct val="100000"/>
+              </a:lnSpc>
+              <a:spcBef>
+                <a:spcPts val="1000"/>
+              </a:spcBef>
+              <a:buClr>
+                <a:schemeClr val="accent2"/>
+              </a:buClr>
+              <a:buFont typeface="Arial" panose="020B0604020202020204" pitchFamily="34" charset="0"/>
+              <a:buChar char="•"/>
+              <a:defRPr sz="1600" kern="1200">
+                <a:solidFill>
+                  <a:schemeClr val="tx1"/>
+                </a:solidFill>
+                <a:latin typeface="+mn-lt"/>
+                <a:ea typeface="+mn-ea"/>
+                <a:cs typeface="+mn-cs"/>
+              </a:defRPr>
+            </a:lvl2pPr>
+            <a:lvl3pPr marL="685800" indent="-228600" algn="l" defTabSz="914400" rtl="0" eaLnBrk="1" latinLnBrk="0" hangingPunct="1">
+              <a:lnSpc>
+                <a:spcPct val="100000"/>
+              </a:lnSpc>
+              <a:spcBef>
+                <a:spcPts val="1000"/>
+              </a:spcBef>
+              <a:buClr>
+                <a:schemeClr val="accent2"/>
+              </a:buClr>
+              <a:buFont typeface="Arial" panose="020B0604020202020204" pitchFamily="34" charset="0"/>
+              <a:buChar char="•"/>
+              <a:defRPr sz="1600" kern="1200">
+                <a:solidFill>
+                  <a:schemeClr val="tx1"/>
+                </a:solidFill>
+                <a:latin typeface="+mn-lt"/>
+                <a:ea typeface="+mn-ea"/>
+                <a:cs typeface="+mn-cs"/>
+              </a:defRPr>
+            </a:lvl3pPr>
+            <a:lvl4pPr marL="914400" indent="-228600" algn="l" defTabSz="914400" rtl="0" eaLnBrk="1" latinLnBrk="0" hangingPunct="1">
+              <a:lnSpc>
+                <a:spcPct val="100000"/>
+              </a:lnSpc>
+              <a:spcBef>
+                <a:spcPts val="1000"/>
+              </a:spcBef>
+              <a:buClr>
+                <a:schemeClr val="accent2"/>
+              </a:buClr>
+              <a:buFont typeface="Arial" panose="020B0604020202020204" pitchFamily="34" charset="0"/>
+              <a:buChar char="•"/>
+              <a:defRPr sz="1600" kern="1200">
+                <a:solidFill>
+                  <a:schemeClr val="tx1"/>
+                </a:solidFill>
+                <a:latin typeface="+mn-lt"/>
+                <a:ea typeface="+mn-ea"/>
+                <a:cs typeface="+mn-cs"/>
+              </a:defRPr>
+            </a:lvl4pPr>
+            <a:lvl5pPr marL="1143000" indent="-228600" algn="l" defTabSz="914400" rtl="0" eaLnBrk="1" latinLnBrk="0" hangingPunct="1">
+              <a:lnSpc>
+                <a:spcPct val="100000"/>
+              </a:lnSpc>
+              <a:spcBef>
+                <a:spcPts val="1000"/>
+              </a:spcBef>
+              <a:buClr>
+                <a:schemeClr val="accent2"/>
+              </a:buClr>
+              <a:buFont typeface="Arial" panose="020B0604020202020204" pitchFamily="34" charset="0"/>
+              <a:buChar char="•"/>
+              <a:defRPr sz="1600" kern="1200">
+                <a:solidFill>
+                  <a:schemeClr val="tx1"/>
+                </a:solidFill>
+                <a:latin typeface="+mn-lt"/>
+                <a:ea typeface="+mn-ea"/>
+                <a:cs typeface="+mn-cs"/>
+              </a:defRPr>
+            </a:lvl5pPr>
+            <a:lvl6pPr marL="1312863" indent="-228600" algn="l" defTabSz="914400" rtl="0" eaLnBrk="1" latinLnBrk="0" hangingPunct="1">
+              <a:lnSpc>
+                <a:spcPct val="100000"/>
+              </a:lnSpc>
+              <a:spcBef>
+                <a:spcPts val="1000"/>
+              </a:spcBef>
+              <a:buClr>
+                <a:schemeClr val="accent2"/>
+              </a:buClr>
+              <a:buFont typeface="Arial" panose="020B0604020202020204" pitchFamily="34" charset="0"/>
+              <a:buChar char="•"/>
+              <a:defRPr sz="1600" kern="1200">
+                <a:solidFill>
+                  <a:schemeClr val="tx1"/>
+                </a:solidFill>
+                <a:latin typeface="+mn-lt"/>
+                <a:ea typeface="+mn-ea"/>
+                <a:cs typeface="+mn-cs"/>
+              </a:defRPr>
+            </a:lvl6pPr>
+            <a:lvl7pPr marL="1484313" indent="-228600" algn="l" defTabSz="914400" rtl="0" eaLnBrk="1" latinLnBrk="0" hangingPunct="1">
+              <a:lnSpc>
+                <a:spcPct val="100000"/>
+              </a:lnSpc>
+              <a:spcBef>
+                <a:spcPts val="1000"/>
+              </a:spcBef>
+              <a:buClr>
+                <a:schemeClr val="accent2"/>
+              </a:buClr>
+              <a:buFont typeface="Arial" panose="020B0604020202020204" pitchFamily="34" charset="0"/>
+              <a:buChar char="•"/>
+              <a:defRPr sz="1600" kern="1200">
+                <a:solidFill>
+                  <a:schemeClr val="tx1"/>
+                </a:solidFill>
+                <a:latin typeface="+mn-lt"/>
+                <a:ea typeface="+mn-ea"/>
+                <a:cs typeface="+mn-cs"/>
+              </a:defRPr>
+            </a:lvl7pPr>
+            <a:lvl8pPr marL="1657350" indent="-228600" algn="l" defTabSz="914400" rtl="0" eaLnBrk="1" latinLnBrk="0" hangingPunct="1">
+              <a:lnSpc>
+                <a:spcPct val="100000"/>
+              </a:lnSpc>
+              <a:spcBef>
+                <a:spcPts val="1000"/>
+              </a:spcBef>
+              <a:buClr>
+                <a:schemeClr val="accent2"/>
+              </a:buClr>
+              <a:buFont typeface="Arial" panose="020B0604020202020204" pitchFamily="34" charset="0"/>
+              <a:buChar char="•"/>
+              <a:defRPr sz="1600" kern="1200" baseline="0">
+                <a:solidFill>
+                  <a:schemeClr val="tx1"/>
+                </a:solidFill>
+                <a:latin typeface="+mn-lt"/>
+                <a:ea typeface="+mn-ea"/>
+                <a:cs typeface="+mn-cs"/>
+              </a:defRPr>
+            </a:lvl8pPr>
+            <a:lvl9pPr marL="1882775" indent="-228600" algn="l" defTabSz="914400" rtl="0" eaLnBrk="1" latinLnBrk="0" hangingPunct="1">
+              <a:lnSpc>
+                <a:spcPct val="100000"/>
+              </a:lnSpc>
+              <a:spcBef>
+                <a:spcPts val="1000"/>
+              </a:spcBef>
+              <a:buClr>
+                <a:schemeClr val="accent2"/>
+              </a:buClr>
+              <a:buFont typeface="Arial" panose="020B0604020202020204" pitchFamily="34" charset="0"/>
+              <a:buChar char="•"/>
+              <a:defRPr sz="1600" kern="1200" baseline="0">
+                <a:solidFill>
+                  <a:schemeClr val="tx1"/>
+                </a:solidFill>
+                <a:latin typeface="+mn-lt"/>
+                <a:ea typeface="+mn-ea"/>
+                <a:cs typeface="+mn-cs"/>
+              </a:defRPr>
+            </a:lvl9pPr>
+          </a:lstStyle>
+          <a:p>
+            <a:pPr marL="228600" lvl="1" indent="0">
+              <a:spcBef>
+                <a:spcPts val="0"/>
+              </a:spcBef>
+              <a:buNone/>
+            </a:pPr>
+            <a:r>
+              <a:rPr lang="en-US" sz="1200" b="1" u="sng" dirty="0">
+                <a:latin typeface="system-ui"/>
+              </a:rPr>
+              <a:t>Package Used:</a:t>
+            </a:r>
+          </a:p>
+          <a:p>
+            <a:pPr marL="228600" lvl="1" indent="0">
+              <a:spcBef>
+                <a:spcPts val="0"/>
+              </a:spcBef>
+              <a:buNone/>
+            </a:pPr>
+            <a:r>
+              <a:rPr lang="en-US" sz="1200" dirty="0" err="1">
+                <a:latin typeface="system-ui"/>
+              </a:rPr>
+              <a:t>Numpy</a:t>
+            </a:r>
+            <a:r>
+              <a:rPr lang="en-US" sz="1200" dirty="0">
+                <a:latin typeface="system-ui"/>
+              </a:rPr>
+              <a:t> </a:t>
+            </a:r>
+          </a:p>
+          <a:p>
+            <a:pPr marL="228600" lvl="1" indent="0">
+              <a:spcBef>
+                <a:spcPts val="0"/>
+              </a:spcBef>
+              <a:buNone/>
+            </a:pPr>
+            <a:r>
+              <a:rPr lang="en-US" sz="1200" dirty="0">
+                <a:latin typeface="system-ui"/>
+              </a:rPr>
+              <a:t>Pandas</a:t>
+            </a:r>
+          </a:p>
+          <a:p>
+            <a:pPr marL="228600" lvl="1" indent="0">
+              <a:spcBef>
+                <a:spcPts val="0"/>
+              </a:spcBef>
+              <a:buNone/>
+            </a:pPr>
+            <a:r>
+              <a:rPr lang="en-US" sz="1200" dirty="0">
+                <a:latin typeface="system-ui"/>
+              </a:rPr>
+              <a:t>Matplotlib</a:t>
+            </a:r>
+          </a:p>
+          <a:p>
+            <a:pPr marL="228600" lvl="1" indent="0">
+              <a:spcBef>
+                <a:spcPts val="0"/>
+              </a:spcBef>
+              <a:buNone/>
+            </a:pPr>
+            <a:r>
+              <a:rPr lang="en-US" sz="1200" dirty="0" err="1">
+                <a:latin typeface="system-ui"/>
+              </a:rPr>
+              <a:t>Statsmodels</a:t>
+            </a:r>
+            <a:endParaRPr lang="en-US" sz="1200" dirty="0">
+              <a:latin typeface="system-ui"/>
+            </a:endParaRPr>
+          </a:p>
+          <a:p>
+            <a:pPr marL="228600" lvl="1" indent="0">
+              <a:spcBef>
+                <a:spcPts val="0"/>
+              </a:spcBef>
+              <a:buNone/>
+            </a:pPr>
+            <a:r>
+              <a:rPr lang="en-US" sz="1200" dirty="0">
+                <a:latin typeface="system-ui"/>
+              </a:rPr>
+              <a:t>Seaborn</a:t>
+            </a:r>
+          </a:p>
+          <a:p>
+            <a:pPr marL="228600" lvl="1" indent="0">
+              <a:spcBef>
+                <a:spcPts val="0"/>
+              </a:spcBef>
+              <a:buNone/>
+            </a:pPr>
+            <a:r>
+              <a:rPr lang="en-US" sz="1200" dirty="0" err="1">
+                <a:latin typeface="system-ui"/>
+              </a:rPr>
+              <a:t>Plotly</a:t>
+            </a:r>
+            <a:endParaRPr lang="en-US" sz="1200" dirty="0">
+              <a:latin typeface="system-ui"/>
+            </a:endParaRPr>
+          </a:p>
+          <a:p>
+            <a:pPr marL="228600" lvl="1" indent="0">
+              <a:spcBef>
+                <a:spcPts val="0"/>
+              </a:spcBef>
+              <a:buNone/>
+            </a:pPr>
+            <a:r>
+              <a:rPr lang="en-US" sz="1200" dirty="0" err="1">
+                <a:latin typeface="system-ui"/>
+              </a:rPr>
+              <a:t>MiKTeX</a:t>
+            </a:r>
+            <a:endParaRPr lang="en-US" sz="1200" dirty="0">
+              <a:latin typeface="system-ui"/>
+            </a:endParaRPr>
+          </a:p>
+          <a:p>
+            <a:pPr lvl="1">
+              <a:buAutoNum type="arabicPeriod"/>
+            </a:pPr>
+            <a:endParaRPr lang="en-US" sz="1200" dirty="0">
+              <a:latin typeface="system-ui"/>
+            </a:endParaRPr>
           </a:p>
         </p:txBody>
       </p:sp>
@@ -3777,4 +7710,319 @@
     </a:ext>
   </a:extLst>
 </a:theme>
+</file>
+
+<file path=ppt/theme/theme2.xml><?xml version="1.0" encoding="utf-8"?>
+<a:theme xmlns:a="http://schemas.openxmlformats.org/drawingml/2006/main" name="Office Theme">
+  <a:themeElements>
+    <a:clrScheme name="Office">
+      <a:dk1>
+        <a:sysClr val="windowText" lastClr="000000"/>
+      </a:dk1>
+      <a:lt1>
+        <a:sysClr val="window" lastClr="FFFFFF"/>
+      </a:lt1>
+      <a:dk2>
+        <a:srgbClr val="0E2841"/>
+      </a:dk2>
+      <a:lt2>
+        <a:srgbClr val="E8E8E8"/>
+      </a:lt2>
+      <a:accent1>
+        <a:srgbClr val="156082"/>
+      </a:accent1>
+      <a:accent2>
+        <a:srgbClr val="E97132"/>
+      </a:accent2>
+      <a:accent3>
+        <a:srgbClr val="196B24"/>
+      </a:accent3>
+      <a:accent4>
+        <a:srgbClr val="0F9ED5"/>
+      </a:accent4>
+      <a:accent5>
+        <a:srgbClr val="A02B93"/>
+      </a:accent5>
+      <a:accent6>
+        <a:srgbClr val="4EA72E"/>
+      </a:accent6>
+      <a:hlink>
+        <a:srgbClr val="467886"/>
+      </a:hlink>
+      <a:folHlink>
+        <a:srgbClr val="96607D"/>
+      </a:folHlink>
+    </a:clrScheme>
+    <a:fontScheme name="Office">
+      <a:majorFont>
+        <a:latin typeface="Aptos Display" panose="02110004020202020204"/>
+        <a:ea typeface=""/>
+        <a:cs typeface=""/>
+        <a:font script="Jpan" typeface="游ゴシック Light"/>
+        <a:font script="Hang" typeface="맑은 고딕"/>
+        <a:font script="Hans" typeface="等线 Light"/>
+        <a:font script="Hant" typeface="新細明體"/>
+        <a:font script="Arab" typeface="Times New Roman"/>
+        <a:font script="Hebr" typeface="Times New Roman"/>
+        <a:font script="Thai" typeface="Angsana New"/>
+        <a:font script="Ethi" typeface="Nyala"/>
+        <a:font script="Beng" typeface="Vrinda"/>
+        <a:font script="Gujr" typeface="Shruti"/>
+        <a:font script="Khmr" typeface="MoolBoran"/>
+        <a:font script="Knda" typeface="Tunga"/>
+        <a:font script="Guru" typeface="Raavi"/>
+        <a:font script="Cans" typeface="Euphemia"/>
+        <a:font script="Cher" typeface="Plantagenet Cherokee"/>
+        <a:font script="Yiii" typeface="Microsoft Yi Baiti"/>
+        <a:font script="Tibt" typeface="Microsoft Himalaya"/>
+        <a:font script="Thaa" typeface="MV Boli"/>
+        <a:font script="Deva" typeface="Mangal"/>
+        <a:font script="Telu" typeface="Gautami"/>
+        <a:font script="Taml" typeface="Latha"/>
+        <a:font script="Syrc" typeface="Estrangelo Edessa"/>
+        <a:font script="Orya" typeface="Kalinga"/>
+        <a:font script="Mlym" typeface="Kartika"/>
+        <a:font script="Laoo" typeface="DokChampa"/>
+        <a:font script="Sinh" typeface="Iskoola Pota"/>
+        <a:font script="Mong" typeface="Mongolian Baiti"/>
+        <a:font script="Viet" typeface="Times New Roman"/>
+        <a:font script="Uigh" typeface="Microsoft Uighur"/>
+        <a:font script="Geor" typeface="Sylfaen"/>
+        <a:font script="Armn" typeface="Arial"/>
+        <a:font script="Bugi" typeface="Leelawadee UI"/>
+        <a:font script="Bopo" typeface="Microsoft JhengHei"/>
+        <a:font script="Java" typeface="Javanese Text"/>
+        <a:font script="Lisu" typeface="Segoe UI"/>
+        <a:font script="Mymr" typeface="Myanmar Text"/>
+        <a:font script="Nkoo" typeface="Ebrima"/>
+        <a:font script="Olck" typeface="Nirmala UI"/>
+        <a:font script="Osma" typeface="Ebrima"/>
+        <a:font script="Phag" typeface="Phagspa"/>
+        <a:font script="Syrn" typeface="Estrangelo Edessa"/>
+        <a:font script="Syrj" typeface="Estrangelo Edessa"/>
+        <a:font script="Syre" typeface="Estrangelo Edessa"/>
+        <a:font script="Sora" typeface="Nirmala UI"/>
+        <a:font script="Tale" typeface="Microsoft Tai Le"/>
+        <a:font script="Talu" typeface="Microsoft New Tai Lue"/>
+        <a:font script="Tfng" typeface="Ebrima"/>
+      </a:majorFont>
+      <a:minorFont>
+        <a:latin typeface="Aptos" panose="02110004020202020204"/>
+        <a:ea typeface=""/>
+        <a:cs typeface=""/>
+        <a:font script="Jpan" typeface="游ゴシック"/>
+        <a:font script="Hang" typeface="맑은 고딕"/>
+        <a:font script="Hans" typeface="等线"/>
+        <a:font script="Hant" typeface="新細明體"/>
+        <a:font script="Arab" typeface="Arial"/>
+        <a:font script="Hebr" typeface="Arial"/>
+        <a:font script="Thai" typeface="Cordia New"/>
+        <a:font script="Ethi" typeface="Nyala"/>
+        <a:font script="Beng" typeface="Vrinda"/>
+        <a:font script="Gujr" typeface="Shruti"/>
+        <a:font script="Khmr" typeface="DaunPenh"/>
+        <a:font script="Knda" typeface="Tunga"/>
+        <a:font script="Guru" typeface="Raavi"/>
+        <a:font script="Cans" typeface="Euphemia"/>
+        <a:font script="Cher" typeface="Plantagenet Cherokee"/>
+        <a:font script="Yiii" typeface="Microsoft Yi Baiti"/>
+        <a:font script="Tibt" typeface="Microsoft Himalaya"/>
+        <a:font script="Thaa" typeface="MV Boli"/>
+        <a:font script="Deva" typeface="Mangal"/>
+        <a:font script="Telu" typeface="Gautami"/>
+        <a:font script="Taml" typeface="Latha"/>
+        <a:font script="Syrc" typeface="Estrangelo Edessa"/>
+        <a:font script="Orya" typeface="Kalinga"/>
+        <a:font script="Mlym" typeface="Kartika"/>
+        <a:font script="Laoo" typeface="DokChampa"/>
+        <a:font script="Sinh" typeface="Iskoola Pota"/>
+        <a:font script="Mong" typeface="Mongolian Baiti"/>
+        <a:font script="Viet" typeface="Arial"/>
+        <a:font script="Uigh" typeface="Microsoft Uighur"/>
+        <a:font script="Geor" typeface="Sylfaen"/>
+        <a:font script="Armn" typeface="Arial"/>
+        <a:font script="Bugi" typeface="Leelawadee UI"/>
+        <a:font script="Bopo" typeface="Microsoft JhengHei"/>
+        <a:font script="Java" typeface="Javanese Text"/>
+        <a:font script="Lisu" typeface="Segoe UI"/>
+        <a:font script="Mymr" typeface="Myanmar Text"/>
+        <a:font script="Nkoo" typeface="Ebrima"/>
+        <a:font script="Olck" typeface="Nirmala UI"/>
+        <a:font script="Osma" typeface="Ebrima"/>
+        <a:font script="Phag" typeface="Phagspa"/>
+        <a:font script="Syrn" typeface="Estrangelo Edessa"/>
+        <a:font script="Syrj" typeface="Estrangelo Edessa"/>
+        <a:font script="Syre" typeface="Estrangelo Edessa"/>
+        <a:font script="Sora" typeface="Nirmala UI"/>
+        <a:font script="Tale" typeface="Microsoft Tai Le"/>
+        <a:font script="Talu" typeface="Microsoft New Tai Lue"/>
+        <a:font script="Tfng" typeface="Ebrima"/>
+      </a:minorFont>
+    </a:fontScheme>
+    <a:fmtScheme name="Office">
+      <a:fillStyleLst>
+        <a:solidFill>
+          <a:schemeClr val="phClr"/>
+        </a:solidFill>
+        <a:gradFill rotWithShape="1">
+          <a:gsLst>
+            <a:gs pos="0">
+              <a:schemeClr val="phClr">
+                <a:lumMod val="110000"/>
+                <a:satMod val="105000"/>
+                <a:tint val="67000"/>
+              </a:schemeClr>
+            </a:gs>
+            <a:gs pos="50000">
+              <a:schemeClr val="phClr">
+                <a:lumMod val="105000"/>
+                <a:satMod val="103000"/>
+                <a:tint val="73000"/>
+              </a:schemeClr>
+            </a:gs>
+            <a:gs pos="100000">
+              <a:schemeClr val="phClr">
+                <a:lumMod val="105000"/>
+                <a:satMod val="109000"/>
+                <a:tint val="81000"/>
+              </a:schemeClr>
+            </a:gs>
+          </a:gsLst>
+          <a:lin ang="5400000" scaled="0"/>
+        </a:gradFill>
+        <a:gradFill rotWithShape="1">
+          <a:gsLst>
+            <a:gs pos="0">
+              <a:schemeClr val="phClr">
+                <a:satMod val="103000"/>
+                <a:lumMod val="102000"/>
+                <a:tint val="94000"/>
+              </a:schemeClr>
+            </a:gs>
+            <a:gs pos="50000">
+              <a:schemeClr val="phClr">
+                <a:satMod val="110000"/>
+                <a:lumMod val="100000"/>
+                <a:shade val="100000"/>
+              </a:schemeClr>
+            </a:gs>
+            <a:gs pos="100000">
+              <a:schemeClr val="phClr">
+                <a:lumMod val="99000"/>
+                <a:satMod val="120000"/>
+                <a:shade val="78000"/>
+              </a:schemeClr>
+            </a:gs>
+          </a:gsLst>
+          <a:lin ang="5400000" scaled="0"/>
+        </a:gradFill>
+      </a:fillStyleLst>
+      <a:lnStyleLst>
+        <a:ln w="12700" cap="flat" cmpd="sng" algn="ctr">
+          <a:solidFill>
+            <a:schemeClr val="phClr"/>
+          </a:solidFill>
+          <a:prstDash val="solid"/>
+          <a:miter lim="800000"/>
+        </a:ln>
+        <a:ln w="19050" cap="flat" cmpd="sng" algn="ctr">
+          <a:solidFill>
+            <a:schemeClr val="phClr"/>
+          </a:solidFill>
+          <a:prstDash val="solid"/>
+          <a:miter lim="800000"/>
+        </a:ln>
+        <a:ln w="25400" cap="flat" cmpd="sng" algn="ctr">
+          <a:solidFill>
+            <a:schemeClr val="phClr"/>
+          </a:solidFill>
+          <a:prstDash val="solid"/>
+          <a:miter lim="800000"/>
+        </a:ln>
+      </a:lnStyleLst>
+      <a:effectStyleLst>
+        <a:effectStyle>
+          <a:effectLst/>
+        </a:effectStyle>
+        <a:effectStyle>
+          <a:effectLst/>
+        </a:effectStyle>
+        <a:effectStyle>
+          <a:effectLst>
+            <a:outerShdw blurRad="57150" dist="19050" dir="5400000" algn="ctr" rotWithShape="0">
+              <a:srgbClr val="000000">
+                <a:alpha val="63000"/>
+              </a:srgbClr>
+            </a:outerShdw>
+          </a:effectLst>
+        </a:effectStyle>
+      </a:effectStyleLst>
+      <a:bgFillStyleLst>
+        <a:solidFill>
+          <a:schemeClr val="phClr"/>
+        </a:solidFill>
+        <a:solidFill>
+          <a:schemeClr val="phClr">
+            <a:tint val="95000"/>
+            <a:satMod val="170000"/>
+          </a:schemeClr>
+        </a:solidFill>
+        <a:gradFill rotWithShape="1">
+          <a:gsLst>
+            <a:gs pos="0">
+              <a:schemeClr val="phClr">
+                <a:tint val="93000"/>
+                <a:satMod val="150000"/>
+                <a:shade val="98000"/>
+                <a:lumMod val="102000"/>
+              </a:schemeClr>
+            </a:gs>
+            <a:gs pos="50000">
+              <a:schemeClr val="phClr">
+                <a:tint val="98000"/>
+                <a:satMod val="130000"/>
+                <a:shade val="90000"/>
+                <a:lumMod val="103000"/>
+              </a:schemeClr>
+            </a:gs>
+            <a:gs pos="100000">
+              <a:schemeClr val="phClr">
+                <a:shade val="63000"/>
+                <a:satMod val="120000"/>
+              </a:schemeClr>
+            </a:gs>
+          </a:gsLst>
+          <a:lin ang="5400000" scaled="0"/>
+        </a:gradFill>
+      </a:bgFillStyleLst>
+    </a:fmtScheme>
+  </a:themeElements>
+  <a:objectDefaults>
+    <a:lnDef>
+      <a:spPr/>
+      <a:bodyPr/>
+      <a:lstStyle/>
+      <a:style>
+        <a:lnRef idx="2">
+          <a:schemeClr val="accent1"/>
+        </a:lnRef>
+        <a:fillRef idx="0">
+          <a:schemeClr val="accent1"/>
+        </a:fillRef>
+        <a:effectRef idx="1">
+          <a:schemeClr val="accent1"/>
+        </a:effectRef>
+        <a:fontRef idx="minor">
+          <a:schemeClr val="tx1"/>
+        </a:fontRef>
+      </a:style>
+    </a:lnDef>
+  </a:objectDefaults>
+  <a:extraClrSchemeLst/>
+  <a:extLst>
+    <a:ext uri="{05A4C25C-085E-4340-85A3-A5531E510DB2}">
+      <thm15:themeFamily xmlns:thm15="http://schemas.microsoft.com/office/thememl/2012/main" name="Office Theme" id="{2E142A2C-CD16-42D6-873A-C26D2A0506FA}" vid="{1BDDFF52-6CD6-40A5-AB3C-68EB2F1E4D0A}"/>
+    </a:ext>
+  </a:extLst>
+</a:theme>
 </file>
--- a/Analytics_Output/unemployment_house.pptx
+++ b/Analytics_Output/unemployment_house.pptx
@@ -5723,8 +5723,8 @@
         </p:nvSpPr>
         <p:spPr>
           <a:xfrm>
-            <a:off x="2684833" y="497764"/>
-            <a:ext cx="7057158" cy="713329"/>
+            <a:off x="6449437" y="337744"/>
+            <a:ext cx="5452093" cy="713329"/>
           </a:xfrm>
         </p:spPr>
         <p:txBody>
@@ -5769,8 +5769,8 @@
         </p:blipFill>
         <p:spPr bwMode="auto">
           <a:xfrm>
-            <a:off x="1322961" y="2608181"/>
-            <a:ext cx="3608962" cy="3615089"/>
+            <a:off x="626737" y="3336587"/>
+            <a:ext cx="3683313" cy="3387657"/>
           </a:xfrm>
           <a:prstGeom prst="rect">
             <a:avLst/>
@@ -5816,8 +5816,8 @@
         </p:blipFill>
         <p:spPr bwMode="auto">
           <a:xfrm>
-            <a:off x="6631477" y="2608181"/>
-            <a:ext cx="3417196" cy="3417196"/>
+            <a:off x="8393315" y="2300366"/>
+            <a:ext cx="3508215" cy="3508215"/>
           </a:xfrm>
           <a:prstGeom prst="rect">
             <a:avLst/>
@@ -5834,6 +5834,409 @@
           </a:extLst>
         </p:spPr>
       </p:pic>
+      <p:sp>
+        <p:nvSpPr>
+          <p:cNvPr id="3" name="Content Placeholder 2">
+            <a:extLst>
+              <a:ext uri="{FF2B5EF4-FFF2-40B4-BE49-F238E27FC236}">
+                <a16:creationId xmlns:a16="http://schemas.microsoft.com/office/drawing/2014/main" id="{772C2705-0128-5D26-4736-797049E715FF}"/>
+              </a:ext>
+            </a:extLst>
+          </p:cNvPr>
+          <p:cNvSpPr>
+            <a:spLocks noGrp="1"/>
+          </p:cNvSpPr>
+          <p:nvPr>
+            <p:ph idx="1"/>
+          </p:nvPr>
+        </p:nvSpPr>
+        <p:spPr>
+          <a:xfrm>
+            <a:off x="626737" y="807395"/>
+            <a:ext cx="4440675" cy="2621605"/>
+          </a:xfrm>
+        </p:spPr>
+        <p:txBody>
+          <a:bodyPr>
+            <a:normAutofit/>
+          </a:bodyPr>
+          <a:lstStyle/>
+          <a:p>
+            <a:pPr marL="0" indent="0">
+              <a:buNone/>
+            </a:pPr>
+            <a:r>
+              <a:rPr lang="en-US" dirty="0"/>
+              <a:t>Granger Causality:</a:t>
+            </a:r>
+          </a:p>
+          <a:p>
+            <a:pPr lvl="1"/>
+            <a:r>
+              <a:rPr lang="en-US" dirty="0">
+                <a:solidFill>
+                  <a:schemeClr val="accent2">
+                    <a:lumMod val="75000"/>
+                  </a:schemeClr>
+                </a:solidFill>
+                <a:latin typeface="system-ui"/>
+              </a:rPr>
+              <a:t>H1: Past values of Housing Price have a statistically significant effect on the current value of Unemployment Rate</a:t>
+            </a:r>
+          </a:p>
+          <a:p>
+            <a:pPr lvl="1"/>
+            <a:r>
+              <a:rPr lang="en-US" dirty="0">
+                <a:solidFill>
+                  <a:schemeClr val="accent2">
+                    <a:lumMod val="75000"/>
+                  </a:schemeClr>
+                </a:solidFill>
+                <a:latin typeface="system-ui"/>
+              </a:rPr>
+              <a:t>Housing Price is the granger cause to Unemployment rate </a:t>
+            </a:r>
+          </a:p>
+          <a:p>
+            <a:pPr lvl="1"/>
+            <a:r>
+              <a:rPr lang="en-US" dirty="0">
+                <a:solidFill>
+                  <a:schemeClr val="accent2">
+                    <a:lumMod val="75000"/>
+                  </a:schemeClr>
+                </a:solidFill>
+                <a:latin typeface="system-ui"/>
+              </a:rPr>
+              <a:t>P-value&lt;0.05 starting at 11</a:t>
+            </a:r>
+            <a:r>
+              <a:rPr lang="en-US" baseline="30000" dirty="0">
+                <a:solidFill>
+                  <a:schemeClr val="accent2">
+                    <a:lumMod val="75000"/>
+                  </a:schemeClr>
+                </a:solidFill>
+                <a:latin typeface="system-ui"/>
+              </a:rPr>
+              <a:t>th</a:t>
+            </a:r>
+            <a:r>
+              <a:rPr lang="en-US" dirty="0">
+                <a:solidFill>
+                  <a:schemeClr val="accent2">
+                    <a:lumMod val="75000"/>
+                  </a:schemeClr>
+                </a:solidFill>
+                <a:latin typeface="system-ui"/>
+              </a:rPr>
+              <a:t> lags</a:t>
+            </a:r>
+          </a:p>
+        </p:txBody>
+      </p:sp>
+      <p:sp>
+        <p:nvSpPr>
+          <p:cNvPr id="4" name="Content Placeholder 2">
+            <a:extLst>
+              <a:ext uri="{FF2B5EF4-FFF2-40B4-BE49-F238E27FC236}">
+                <a16:creationId xmlns:a16="http://schemas.microsoft.com/office/drawing/2014/main" id="{DAC12305-22CD-802F-79FA-350F546869A6}"/>
+              </a:ext>
+            </a:extLst>
+          </p:cNvPr>
+          <p:cNvSpPr txBox="1">
+            <a:spLocks/>
+          </p:cNvSpPr>
+          <p:nvPr/>
+        </p:nvSpPr>
+        <p:spPr>
+          <a:xfrm>
+            <a:off x="4670770" y="2615133"/>
+            <a:ext cx="3389166" cy="3135082"/>
+          </a:xfrm>
+          <a:prstGeom prst="rect">
+            <a:avLst/>
+          </a:prstGeom>
+        </p:spPr>
+        <p:txBody>
+          <a:bodyPr vert="horz" lIns="91440" tIns="45720" rIns="91440" bIns="45720" rtlCol="0">
+            <a:normAutofit/>
+          </a:bodyPr>
+          <a:lstStyle>
+            <a:lvl1pPr marL="228600" indent="-228600" algn="l" defTabSz="914400" rtl="0" eaLnBrk="1" latinLnBrk="0" hangingPunct="1">
+              <a:lnSpc>
+                <a:spcPct val="100000"/>
+              </a:lnSpc>
+              <a:spcBef>
+                <a:spcPts val="1000"/>
+              </a:spcBef>
+              <a:buClr>
+                <a:schemeClr val="accent2"/>
+              </a:buClr>
+              <a:buFont typeface="Arial" panose="020B0604020202020204" pitchFamily="34" charset="0"/>
+              <a:buChar char="•"/>
+              <a:defRPr sz="1800" kern="1200">
+                <a:solidFill>
+                  <a:schemeClr val="tx1">
+                    <a:lumMod val="85000"/>
+                    <a:lumOff val="15000"/>
+                  </a:schemeClr>
+                </a:solidFill>
+                <a:latin typeface="+mn-lt"/>
+                <a:ea typeface="+mn-ea"/>
+                <a:cs typeface="+mn-cs"/>
+              </a:defRPr>
+            </a:lvl1pPr>
+            <a:lvl2pPr marL="457200" indent="-228600" algn="l" defTabSz="914400" rtl="0" eaLnBrk="1" latinLnBrk="0" hangingPunct="1">
+              <a:lnSpc>
+                <a:spcPct val="100000"/>
+              </a:lnSpc>
+              <a:spcBef>
+                <a:spcPts val="1000"/>
+              </a:spcBef>
+              <a:buClr>
+                <a:schemeClr val="accent2"/>
+              </a:buClr>
+              <a:buFont typeface="Arial" panose="020B0604020202020204" pitchFamily="34" charset="0"/>
+              <a:buChar char="•"/>
+              <a:defRPr sz="1600" kern="1200">
+                <a:solidFill>
+                  <a:schemeClr val="tx1">
+                    <a:lumMod val="85000"/>
+                    <a:lumOff val="15000"/>
+                  </a:schemeClr>
+                </a:solidFill>
+                <a:latin typeface="+mn-lt"/>
+                <a:ea typeface="+mn-ea"/>
+                <a:cs typeface="+mn-cs"/>
+              </a:defRPr>
+            </a:lvl2pPr>
+            <a:lvl3pPr marL="685800" indent="-228600" algn="l" defTabSz="914400" rtl="0" eaLnBrk="1" latinLnBrk="0" hangingPunct="1">
+              <a:lnSpc>
+                <a:spcPct val="100000"/>
+              </a:lnSpc>
+              <a:spcBef>
+                <a:spcPts val="1000"/>
+              </a:spcBef>
+              <a:buClr>
+                <a:schemeClr val="accent2"/>
+              </a:buClr>
+              <a:buFont typeface="Arial" panose="020B0604020202020204" pitchFamily="34" charset="0"/>
+              <a:buChar char="•"/>
+              <a:defRPr sz="1600" kern="1200">
+                <a:solidFill>
+                  <a:schemeClr val="tx1">
+                    <a:lumMod val="85000"/>
+                    <a:lumOff val="15000"/>
+                  </a:schemeClr>
+                </a:solidFill>
+                <a:latin typeface="+mn-lt"/>
+                <a:ea typeface="+mn-ea"/>
+                <a:cs typeface="+mn-cs"/>
+              </a:defRPr>
+            </a:lvl3pPr>
+            <a:lvl4pPr marL="914400" indent="-228600" algn="l" defTabSz="914400" rtl="0" eaLnBrk="1" latinLnBrk="0" hangingPunct="1">
+              <a:lnSpc>
+                <a:spcPct val="100000"/>
+              </a:lnSpc>
+              <a:spcBef>
+                <a:spcPts val="1000"/>
+              </a:spcBef>
+              <a:buClr>
+                <a:schemeClr val="accent2"/>
+              </a:buClr>
+              <a:buFont typeface="Arial" panose="020B0604020202020204" pitchFamily="34" charset="0"/>
+              <a:buChar char="•"/>
+              <a:defRPr sz="1600" kern="1200">
+                <a:solidFill>
+                  <a:schemeClr val="tx1">
+                    <a:lumMod val="85000"/>
+                    <a:lumOff val="15000"/>
+                  </a:schemeClr>
+                </a:solidFill>
+                <a:latin typeface="+mn-lt"/>
+                <a:ea typeface="+mn-ea"/>
+                <a:cs typeface="+mn-cs"/>
+              </a:defRPr>
+            </a:lvl4pPr>
+            <a:lvl5pPr marL="1143000" indent="-228600" algn="l" defTabSz="914400" rtl="0" eaLnBrk="1" latinLnBrk="0" hangingPunct="1">
+              <a:lnSpc>
+                <a:spcPct val="100000"/>
+              </a:lnSpc>
+              <a:spcBef>
+                <a:spcPts val="1000"/>
+              </a:spcBef>
+              <a:buClr>
+                <a:schemeClr val="accent2"/>
+              </a:buClr>
+              <a:buFont typeface="Arial" panose="020B0604020202020204" pitchFamily="34" charset="0"/>
+              <a:buChar char="•"/>
+              <a:defRPr sz="1600" kern="1200">
+                <a:solidFill>
+                  <a:schemeClr val="tx1">
+                    <a:lumMod val="85000"/>
+                    <a:lumOff val="15000"/>
+                  </a:schemeClr>
+                </a:solidFill>
+                <a:latin typeface="+mn-lt"/>
+                <a:ea typeface="+mn-ea"/>
+                <a:cs typeface="+mn-cs"/>
+              </a:defRPr>
+            </a:lvl5pPr>
+            <a:lvl6pPr marL="1312863" indent="-228600" algn="l" defTabSz="914400" rtl="0" eaLnBrk="1" latinLnBrk="0" hangingPunct="1">
+              <a:lnSpc>
+                <a:spcPct val="100000"/>
+              </a:lnSpc>
+              <a:spcBef>
+                <a:spcPts val="1000"/>
+              </a:spcBef>
+              <a:buClr>
+                <a:schemeClr val="accent2"/>
+              </a:buClr>
+              <a:buFont typeface="Arial" panose="020B0604020202020204" pitchFamily="34" charset="0"/>
+              <a:buChar char="•"/>
+              <a:defRPr sz="1600" kern="1200">
+                <a:solidFill>
+                  <a:schemeClr val="tx1"/>
+                </a:solidFill>
+                <a:latin typeface="+mn-lt"/>
+                <a:ea typeface="+mn-ea"/>
+                <a:cs typeface="+mn-cs"/>
+              </a:defRPr>
+            </a:lvl6pPr>
+            <a:lvl7pPr marL="1484313" indent="-228600" algn="l" defTabSz="914400" rtl="0" eaLnBrk="1" latinLnBrk="0" hangingPunct="1">
+              <a:lnSpc>
+                <a:spcPct val="100000"/>
+              </a:lnSpc>
+              <a:spcBef>
+                <a:spcPts val="1000"/>
+              </a:spcBef>
+              <a:buClr>
+                <a:schemeClr val="accent2"/>
+              </a:buClr>
+              <a:buFont typeface="Arial" panose="020B0604020202020204" pitchFamily="34" charset="0"/>
+              <a:buChar char="•"/>
+              <a:defRPr sz="1600" kern="1200">
+                <a:solidFill>
+                  <a:schemeClr val="tx1"/>
+                </a:solidFill>
+                <a:latin typeface="+mn-lt"/>
+                <a:ea typeface="+mn-ea"/>
+                <a:cs typeface="+mn-cs"/>
+              </a:defRPr>
+            </a:lvl7pPr>
+            <a:lvl8pPr marL="1657350" indent="-228600" algn="l" defTabSz="914400" rtl="0" eaLnBrk="1" latinLnBrk="0" hangingPunct="1">
+              <a:lnSpc>
+                <a:spcPct val="100000"/>
+              </a:lnSpc>
+              <a:spcBef>
+                <a:spcPts val="1000"/>
+              </a:spcBef>
+              <a:buClr>
+                <a:schemeClr val="accent2"/>
+              </a:buClr>
+              <a:buFont typeface="Arial" panose="020B0604020202020204" pitchFamily="34" charset="0"/>
+              <a:buChar char="•"/>
+              <a:defRPr sz="1600" kern="1200" baseline="0">
+                <a:solidFill>
+                  <a:schemeClr val="tx1"/>
+                </a:solidFill>
+                <a:latin typeface="+mn-lt"/>
+                <a:ea typeface="+mn-ea"/>
+                <a:cs typeface="+mn-cs"/>
+              </a:defRPr>
+            </a:lvl8pPr>
+            <a:lvl9pPr marL="1882775" indent="-228600" algn="l" defTabSz="914400" rtl="0" eaLnBrk="1" latinLnBrk="0" hangingPunct="1">
+              <a:lnSpc>
+                <a:spcPct val="100000"/>
+              </a:lnSpc>
+              <a:spcBef>
+                <a:spcPts val="1000"/>
+              </a:spcBef>
+              <a:buClr>
+                <a:schemeClr val="accent2"/>
+              </a:buClr>
+              <a:buFont typeface="Arial" panose="020B0604020202020204" pitchFamily="34" charset="0"/>
+              <a:buChar char="•"/>
+              <a:defRPr sz="1600" kern="1200" baseline="0">
+                <a:solidFill>
+                  <a:schemeClr val="tx1"/>
+                </a:solidFill>
+                <a:latin typeface="+mn-lt"/>
+                <a:ea typeface="+mn-ea"/>
+                <a:cs typeface="+mn-cs"/>
+              </a:defRPr>
+            </a:lvl9pPr>
+          </a:lstStyle>
+          <a:p>
+            <a:pPr marL="0" indent="0">
+              <a:buFont typeface="Arial" panose="020B0604020202020204" pitchFamily="34" charset="0"/>
+              <a:buNone/>
+            </a:pPr>
+            <a:r>
+              <a:rPr lang="en-US" dirty="0"/>
+              <a:t>Regression Test:</a:t>
+            </a:r>
+          </a:p>
+          <a:p>
+            <a:pPr lvl="1"/>
+            <a:r>
+              <a:rPr lang="en-US" dirty="0">
+                <a:solidFill>
+                  <a:schemeClr val="accent2">
+                    <a:lumMod val="75000"/>
+                  </a:schemeClr>
+                </a:solidFill>
+                <a:latin typeface="system-ui"/>
+              </a:rPr>
+              <a:t>Run Regression adding different # of lags</a:t>
+            </a:r>
+          </a:p>
+          <a:p>
+            <a:pPr lvl="1"/>
+            <a:r>
+              <a:rPr lang="en-US" dirty="0">
+                <a:solidFill>
+                  <a:schemeClr val="accent2">
+                    <a:lumMod val="75000"/>
+                  </a:schemeClr>
+                </a:solidFill>
+                <a:latin typeface="system-ui"/>
+              </a:rPr>
+              <a:t>Adding lags significantly increases the R2</a:t>
+            </a:r>
+          </a:p>
+          <a:p>
+            <a:pPr lvl="1"/>
+            <a:r>
+              <a:rPr lang="en-US" dirty="0">
+                <a:solidFill>
+                  <a:schemeClr val="accent2">
+                    <a:lumMod val="75000"/>
+                  </a:schemeClr>
+                </a:solidFill>
+                <a:latin typeface="system-ui"/>
+              </a:rPr>
+              <a:t>R2 is more flat and stable after 11 lags</a:t>
+            </a:r>
+          </a:p>
+          <a:p>
+            <a:pPr lvl="1"/>
+            <a:r>
+              <a:rPr lang="en-US" dirty="0">
+                <a:solidFill>
+                  <a:schemeClr val="accent2">
+                    <a:lumMod val="75000"/>
+                  </a:schemeClr>
+                </a:solidFill>
+                <a:latin typeface="system-ui"/>
+              </a:rPr>
+              <a:t>Change in R2 is minimal after 11 lags</a:t>
+            </a:r>
+          </a:p>
+        </p:txBody>
+      </p:sp>
     </p:spTree>
     <p:extLst>
       <p:ext uri="{BB962C8B-B14F-4D97-AF65-F5344CB8AC3E}">
@@ -5927,13 +6330,13 @@
               </a:ext>
             </a:extLst>
           </a:blip>
-          <a:srcRect l="5474"/>
+          <a:srcRect l="5474" t="9798"/>
           <a:stretch/>
         </p:blipFill>
         <p:spPr>
           <a:xfrm>
-            <a:off x="-1" y="2654111"/>
-            <a:ext cx="3973749" cy="4203889"/>
+            <a:off x="-1" y="3065988"/>
+            <a:ext cx="3973749" cy="3792012"/>
           </a:xfrm>
           <a:prstGeom prst="rect">
             <a:avLst/>
@@ -5962,13 +6365,13 @@
               </a:ext>
             </a:extLst>
           </a:blip>
-          <a:srcRect r="12183"/>
+          <a:srcRect t="9100" r="12183"/>
           <a:stretch/>
         </p:blipFill>
         <p:spPr>
           <a:xfrm>
-            <a:off x="3674080" y="3792012"/>
-            <a:ext cx="4487426" cy="3065988"/>
+            <a:off x="3674080" y="4071026"/>
+            <a:ext cx="4487426" cy="2786974"/>
           </a:xfrm>
           <a:prstGeom prst="rect">
             <a:avLst/>
@@ -6003,14 +6406,1121 @@
         </p:blipFill>
         <p:spPr>
           <a:xfrm>
-            <a:off x="6466253" y="1259235"/>
-            <a:ext cx="5725747" cy="2544777"/>
+            <a:off x="6237556" y="1429964"/>
+            <a:ext cx="5954444" cy="2646420"/>
           </a:xfrm>
           <a:prstGeom prst="rect">
             <a:avLst/>
           </a:prstGeom>
         </p:spPr>
       </p:pic>
+      <p:sp>
+        <p:nvSpPr>
+          <p:cNvPr id="3" name="Content Placeholder 2">
+            <a:extLst>
+              <a:ext uri="{FF2B5EF4-FFF2-40B4-BE49-F238E27FC236}">
+                <a16:creationId xmlns:a16="http://schemas.microsoft.com/office/drawing/2014/main" id="{21580C3B-55FB-974C-360D-DE8A037ACE41}"/>
+              </a:ext>
+            </a:extLst>
+          </p:cNvPr>
+          <p:cNvSpPr txBox="1">
+            <a:spLocks/>
+          </p:cNvSpPr>
+          <p:nvPr/>
+        </p:nvSpPr>
+        <p:spPr>
+          <a:xfrm>
+            <a:off x="690627" y="1429964"/>
+            <a:ext cx="5405373" cy="1636023"/>
+          </a:xfrm>
+          <a:prstGeom prst="rect">
+            <a:avLst/>
+          </a:prstGeom>
+        </p:spPr>
+        <p:txBody>
+          <a:bodyPr vert="horz" lIns="91440" tIns="45720" rIns="91440" bIns="45720" rtlCol="0">
+            <a:normAutofit/>
+          </a:bodyPr>
+          <a:lstStyle>
+            <a:lvl1pPr marL="228600" indent="-228600" algn="l" defTabSz="914400" rtl="0" eaLnBrk="1" latinLnBrk="0" hangingPunct="1">
+              <a:lnSpc>
+                <a:spcPct val="100000"/>
+              </a:lnSpc>
+              <a:spcBef>
+                <a:spcPts val="1000"/>
+              </a:spcBef>
+              <a:buClr>
+                <a:schemeClr val="accent2"/>
+              </a:buClr>
+              <a:buFont typeface="Arial" panose="020B0604020202020204" pitchFamily="34" charset="0"/>
+              <a:buChar char="•"/>
+              <a:defRPr sz="1800" kern="1200">
+                <a:solidFill>
+                  <a:schemeClr val="tx1">
+                    <a:lumMod val="85000"/>
+                    <a:lumOff val="15000"/>
+                  </a:schemeClr>
+                </a:solidFill>
+                <a:latin typeface="+mn-lt"/>
+                <a:ea typeface="+mn-ea"/>
+                <a:cs typeface="+mn-cs"/>
+              </a:defRPr>
+            </a:lvl1pPr>
+            <a:lvl2pPr marL="457200" indent="-228600" algn="l" defTabSz="914400" rtl="0" eaLnBrk="1" latinLnBrk="0" hangingPunct="1">
+              <a:lnSpc>
+                <a:spcPct val="100000"/>
+              </a:lnSpc>
+              <a:spcBef>
+                <a:spcPts val="1000"/>
+              </a:spcBef>
+              <a:buClr>
+                <a:schemeClr val="accent2"/>
+              </a:buClr>
+              <a:buFont typeface="Arial" panose="020B0604020202020204" pitchFamily="34" charset="0"/>
+              <a:buChar char="•"/>
+              <a:defRPr sz="1600" kern="1200">
+                <a:solidFill>
+                  <a:schemeClr val="tx1">
+                    <a:lumMod val="85000"/>
+                    <a:lumOff val="15000"/>
+                  </a:schemeClr>
+                </a:solidFill>
+                <a:latin typeface="+mn-lt"/>
+                <a:ea typeface="+mn-ea"/>
+                <a:cs typeface="+mn-cs"/>
+              </a:defRPr>
+            </a:lvl2pPr>
+            <a:lvl3pPr marL="685800" indent="-228600" algn="l" defTabSz="914400" rtl="0" eaLnBrk="1" latinLnBrk="0" hangingPunct="1">
+              <a:lnSpc>
+                <a:spcPct val="100000"/>
+              </a:lnSpc>
+              <a:spcBef>
+                <a:spcPts val="1000"/>
+              </a:spcBef>
+              <a:buClr>
+                <a:schemeClr val="accent2"/>
+              </a:buClr>
+              <a:buFont typeface="Arial" panose="020B0604020202020204" pitchFamily="34" charset="0"/>
+              <a:buChar char="•"/>
+              <a:defRPr sz="1600" kern="1200">
+                <a:solidFill>
+                  <a:schemeClr val="tx1">
+                    <a:lumMod val="85000"/>
+                    <a:lumOff val="15000"/>
+                  </a:schemeClr>
+                </a:solidFill>
+                <a:latin typeface="+mn-lt"/>
+                <a:ea typeface="+mn-ea"/>
+                <a:cs typeface="+mn-cs"/>
+              </a:defRPr>
+            </a:lvl3pPr>
+            <a:lvl4pPr marL="914400" indent="-228600" algn="l" defTabSz="914400" rtl="0" eaLnBrk="1" latinLnBrk="0" hangingPunct="1">
+              <a:lnSpc>
+                <a:spcPct val="100000"/>
+              </a:lnSpc>
+              <a:spcBef>
+                <a:spcPts val="1000"/>
+              </a:spcBef>
+              <a:buClr>
+                <a:schemeClr val="accent2"/>
+              </a:buClr>
+              <a:buFont typeface="Arial" panose="020B0604020202020204" pitchFamily="34" charset="0"/>
+              <a:buChar char="•"/>
+              <a:defRPr sz="1600" kern="1200">
+                <a:solidFill>
+                  <a:schemeClr val="tx1">
+                    <a:lumMod val="85000"/>
+                    <a:lumOff val="15000"/>
+                  </a:schemeClr>
+                </a:solidFill>
+                <a:latin typeface="+mn-lt"/>
+                <a:ea typeface="+mn-ea"/>
+                <a:cs typeface="+mn-cs"/>
+              </a:defRPr>
+            </a:lvl4pPr>
+            <a:lvl5pPr marL="1143000" indent="-228600" algn="l" defTabSz="914400" rtl="0" eaLnBrk="1" latinLnBrk="0" hangingPunct="1">
+              <a:lnSpc>
+                <a:spcPct val="100000"/>
+              </a:lnSpc>
+              <a:spcBef>
+                <a:spcPts val="1000"/>
+              </a:spcBef>
+              <a:buClr>
+                <a:schemeClr val="accent2"/>
+              </a:buClr>
+              <a:buFont typeface="Arial" panose="020B0604020202020204" pitchFamily="34" charset="0"/>
+              <a:buChar char="•"/>
+              <a:defRPr sz="1600" kern="1200">
+                <a:solidFill>
+                  <a:schemeClr val="tx1">
+                    <a:lumMod val="85000"/>
+                    <a:lumOff val="15000"/>
+                  </a:schemeClr>
+                </a:solidFill>
+                <a:latin typeface="+mn-lt"/>
+                <a:ea typeface="+mn-ea"/>
+                <a:cs typeface="+mn-cs"/>
+              </a:defRPr>
+            </a:lvl5pPr>
+            <a:lvl6pPr marL="1312863" indent="-228600" algn="l" defTabSz="914400" rtl="0" eaLnBrk="1" latinLnBrk="0" hangingPunct="1">
+              <a:lnSpc>
+                <a:spcPct val="100000"/>
+              </a:lnSpc>
+              <a:spcBef>
+                <a:spcPts val="1000"/>
+              </a:spcBef>
+              <a:buClr>
+                <a:schemeClr val="accent2"/>
+              </a:buClr>
+              <a:buFont typeface="Arial" panose="020B0604020202020204" pitchFamily="34" charset="0"/>
+              <a:buChar char="•"/>
+              <a:defRPr sz="1600" kern="1200">
+                <a:solidFill>
+                  <a:schemeClr val="tx1"/>
+                </a:solidFill>
+                <a:latin typeface="+mn-lt"/>
+                <a:ea typeface="+mn-ea"/>
+                <a:cs typeface="+mn-cs"/>
+              </a:defRPr>
+            </a:lvl6pPr>
+            <a:lvl7pPr marL="1484313" indent="-228600" algn="l" defTabSz="914400" rtl="0" eaLnBrk="1" latinLnBrk="0" hangingPunct="1">
+              <a:lnSpc>
+                <a:spcPct val="100000"/>
+              </a:lnSpc>
+              <a:spcBef>
+                <a:spcPts val="1000"/>
+              </a:spcBef>
+              <a:buClr>
+                <a:schemeClr val="accent2"/>
+              </a:buClr>
+              <a:buFont typeface="Arial" panose="020B0604020202020204" pitchFamily="34" charset="0"/>
+              <a:buChar char="•"/>
+              <a:defRPr sz="1600" kern="1200">
+                <a:solidFill>
+                  <a:schemeClr val="tx1"/>
+                </a:solidFill>
+                <a:latin typeface="+mn-lt"/>
+                <a:ea typeface="+mn-ea"/>
+                <a:cs typeface="+mn-cs"/>
+              </a:defRPr>
+            </a:lvl7pPr>
+            <a:lvl8pPr marL="1657350" indent="-228600" algn="l" defTabSz="914400" rtl="0" eaLnBrk="1" latinLnBrk="0" hangingPunct="1">
+              <a:lnSpc>
+                <a:spcPct val="100000"/>
+              </a:lnSpc>
+              <a:spcBef>
+                <a:spcPts val="1000"/>
+              </a:spcBef>
+              <a:buClr>
+                <a:schemeClr val="accent2"/>
+              </a:buClr>
+              <a:buFont typeface="Arial" panose="020B0604020202020204" pitchFamily="34" charset="0"/>
+              <a:buChar char="•"/>
+              <a:defRPr sz="1600" kern="1200" baseline="0">
+                <a:solidFill>
+                  <a:schemeClr val="tx1"/>
+                </a:solidFill>
+                <a:latin typeface="+mn-lt"/>
+                <a:ea typeface="+mn-ea"/>
+                <a:cs typeface="+mn-cs"/>
+              </a:defRPr>
+            </a:lvl8pPr>
+            <a:lvl9pPr marL="1882775" indent="-228600" algn="l" defTabSz="914400" rtl="0" eaLnBrk="1" latinLnBrk="0" hangingPunct="1">
+              <a:lnSpc>
+                <a:spcPct val="100000"/>
+              </a:lnSpc>
+              <a:spcBef>
+                <a:spcPts val="1000"/>
+              </a:spcBef>
+              <a:buClr>
+                <a:schemeClr val="accent2"/>
+              </a:buClr>
+              <a:buFont typeface="Arial" panose="020B0604020202020204" pitchFamily="34" charset="0"/>
+              <a:buChar char="•"/>
+              <a:defRPr sz="1600" kern="1200" baseline="0">
+                <a:solidFill>
+                  <a:schemeClr val="tx1"/>
+                </a:solidFill>
+                <a:latin typeface="+mn-lt"/>
+                <a:ea typeface="+mn-ea"/>
+                <a:cs typeface="+mn-cs"/>
+              </a:defRPr>
+            </a:lvl9pPr>
+          </a:lstStyle>
+          <a:p>
+            <a:r>
+              <a:rPr lang="en-US" dirty="0">
+                <a:solidFill>
+                  <a:schemeClr val="tx2">
+                    <a:lumMod val="75000"/>
+                  </a:schemeClr>
+                </a:solidFill>
+              </a:rPr>
+              <a:t>Using Moving Averages to includes information from all past months:</a:t>
+            </a:r>
+          </a:p>
+          <a:p>
+            <a:pPr lvl="1"/>
+            <a:r>
+              <a:rPr lang="en-US" dirty="0">
+                <a:solidFill>
+                  <a:schemeClr val="accent2">
+                    <a:lumMod val="75000"/>
+                  </a:schemeClr>
+                </a:solidFill>
+              </a:rPr>
+              <a:t>6 months, 12 months, 24 months, 36 months, 48 months</a:t>
+            </a:r>
+          </a:p>
+          <a:p>
+            <a:r>
+              <a:rPr lang="en-US" dirty="0">
+                <a:solidFill>
+                  <a:schemeClr val="tx2">
+                    <a:lumMod val="75000"/>
+                  </a:schemeClr>
+                </a:solidFill>
+              </a:rPr>
+              <a:t>Significantly Increase in Negative Correlation</a:t>
+            </a:r>
+          </a:p>
+          <a:p>
+            <a:pPr lvl="1"/>
+            <a:endParaRPr lang="en-US" dirty="0">
+              <a:solidFill>
+                <a:schemeClr val="accent2">
+                  <a:lumMod val="75000"/>
+                </a:schemeClr>
+              </a:solidFill>
+            </a:endParaRPr>
+          </a:p>
+        </p:txBody>
+      </p:sp>
+      <p:sp>
+        <p:nvSpPr>
+          <p:cNvPr id="5" name="Rectangle 4">
+            <a:extLst>
+              <a:ext uri="{FF2B5EF4-FFF2-40B4-BE49-F238E27FC236}">
+                <a16:creationId xmlns:a16="http://schemas.microsoft.com/office/drawing/2014/main" id="{BA62D1E2-27D5-FFA5-6EAE-94F8687B86A9}"/>
+              </a:ext>
+            </a:extLst>
+          </p:cNvPr>
+          <p:cNvSpPr/>
+          <p:nvPr/>
+        </p:nvSpPr>
+        <p:spPr>
+          <a:xfrm>
+            <a:off x="76531" y="3032597"/>
+            <a:ext cx="807395" cy="3606531"/>
+          </a:xfrm>
+          <a:prstGeom prst="rect">
+            <a:avLst/>
+          </a:prstGeom>
+          <a:noFill/>
+          <a:ln>
+            <a:solidFill>
+              <a:schemeClr val="accent3"/>
+            </a:solidFill>
+          </a:ln>
+        </p:spPr>
+        <p:style>
+          <a:lnRef idx="2">
+            <a:schemeClr val="accent1">
+              <a:shade val="15000"/>
+            </a:schemeClr>
+          </a:lnRef>
+          <a:fillRef idx="1">
+            <a:schemeClr val="accent1"/>
+          </a:fillRef>
+          <a:effectRef idx="0">
+            <a:schemeClr val="accent1"/>
+          </a:effectRef>
+          <a:fontRef idx="minor">
+            <a:schemeClr val="lt1"/>
+          </a:fontRef>
+        </p:style>
+        <p:txBody>
+          <a:bodyPr rtlCol="0" anchor="ctr"/>
+          <a:lstStyle/>
+          <a:p>
+            <a:pPr algn="ctr"/>
+            <a:endParaRPr lang="en-US"/>
+          </a:p>
+        </p:txBody>
+      </p:sp>
+      <p:sp>
+        <p:nvSpPr>
+          <p:cNvPr id="8" name="Rectangle 7">
+            <a:extLst>
+              <a:ext uri="{FF2B5EF4-FFF2-40B4-BE49-F238E27FC236}">
+                <a16:creationId xmlns:a16="http://schemas.microsoft.com/office/drawing/2014/main" id="{90FCD43B-C1A1-9467-CFF3-B66EE64DF40D}"/>
+              </a:ext>
+            </a:extLst>
+          </p:cNvPr>
+          <p:cNvSpPr/>
+          <p:nvPr/>
+        </p:nvSpPr>
+        <p:spPr>
+          <a:xfrm>
+            <a:off x="3746078" y="4124528"/>
+            <a:ext cx="1122616" cy="2637817"/>
+          </a:xfrm>
+          <a:prstGeom prst="rect">
+            <a:avLst/>
+          </a:prstGeom>
+          <a:noFill/>
+          <a:ln>
+            <a:solidFill>
+              <a:schemeClr val="accent3"/>
+            </a:solidFill>
+          </a:ln>
+        </p:spPr>
+        <p:style>
+          <a:lnRef idx="2">
+            <a:schemeClr val="accent1">
+              <a:shade val="15000"/>
+            </a:schemeClr>
+          </a:lnRef>
+          <a:fillRef idx="1">
+            <a:schemeClr val="accent1"/>
+          </a:fillRef>
+          <a:effectRef idx="0">
+            <a:schemeClr val="accent1"/>
+          </a:effectRef>
+          <a:fontRef idx="minor">
+            <a:schemeClr val="lt1"/>
+          </a:fontRef>
+        </p:style>
+        <p:txBody>
+          <a:bodyPr rtlCol="0" anchor="ctr"/>
+          <a:lstStyle/>
+          <a:p>
+            <a:pPr algn="ctr"/>
+            <a:endParaRPr lang="en-US"/>
+          </a:p>
+        </p:txBody>
+      </p:sp>
+      <p:sp>
+        <p:nvSpPr>
+          <p:cNvPr id="10" name="Content Placeholder 2">
+            <a:extLst>
+              <a:ext uri="{FF2B5EF4-FFF2-40B4-BE49-F238E27FC236}">
+                <a16:creationId xmlns:a16="http://schemas.microsoft.com/office/drawing/2014/main" id="{B1925EED-CF65-7028-6A86-D21520EC8B51}"/>
+              </a:ext>
+            </a:extLst>
+          </p:cNvPr>
+          <p:cNvSpPr txBox="1">
+            <a:spLocks/>
+          </p:cNvSpPr>
+          <p:nvPr/>
+        </p:nvSpPr>
+        <p:spPr>
+          <a:xfrm>
+            <a:off x="8271975" y="4350959"/>
+            <a:ext cx="3683960" cy="1636023"/>
+          </a:xfrm>
+          <a:prstGeom prst="rect">
+            <a:avLst/>
+          </a:prstGeom>
+        </p:spPr>
+        <p:txBody>
+          <a:bodyPr vert="horz" lIns="91440" tIns="45720" rIns="91440" bIns="45720" rtlCol="0">
+            <a:normAutofit/>
+          </a:bodyPr>
+          <a:lstStyle>
+            <a:lvl1pPr marL="228600" indent="-228600" algn="l" defTabSz="914400" rtl="0" eaLnBrk="1" latinLnBrk="0" hangingPunct="1">
+              <a:lnSpc>
+                <a:spcPct val="100000"/>
+              </a:lnSpc>
+              <a:spcBef>
+                <a:spcPts val="1000"/>
+              </a:spcBef>
+              <a:buClr>
+                <a:schemeClr val="accent2"/>
+              </a:buClr>
+              <a:buFont typeface="Arial" panose="020B0604020202020204" pitchFamily="34" charset="0"/>
+              <a:buChar char="•"/>
+              <a:defRPr sz="1800" kern="1200">
+                <a:solidFill>
+                  <a:schemeClr val="tx1">
+                    <a:lumMod val="85000"/>
+                    <a:lumOff val="15000"/>
+                  </a:schemeClr>
+                </a:solidFill>
+                <a:latin typeface="+mn-lt"/>
+                <a:ea typeface="+mn-ea"/>
+                <a:cs typeface="+mn-cs"/>
+              </a:defRPr>
+            </a:lvl1pPr>
+            <a:lvl2pPr marL="457200" indent="-228600" algn="l" defTabSz="914400" rtl="0" eaLnBrk="1" latinLnBrk="0" hangingPunct="1">
+              <a:lnSpc>
+                <a:spcPct val="100000"/>
+              </a:lnSpc>
+              <a:spcBef>
+                <a:spcPts val="1000"/>
+              </a:spcBef>
+              <a:buClr>
+                <a:schemeClr val="accent2"/>
+              </a:buClr>
+              <a:buFont typeface="Arial" panose="020B0604020202020204" pitchFamily="34" charset="0"/>
+              <a:buChar char="•"/>
+              <a:defRPr sz="1600" kern="1200">
+                <a:solidFill>
+                  <a:schemeClr val="tx1">
+                    <a:lumMod val="85000"/>
+                    <a:lumOff val="15000"/>
+                  </a:schemeClr>
+                </a:solidFill>
+                <a:latin typeface="+mn-lt"/>
+                <a:ea typeface="+mn-ea"/>
+                <a:cs typeface="+mn-cs"/>
+              </a:defRPr>
+            </a:lvl2pPr>
+            <a:lvl3pPr marL="685800" indent="-228600" algn="l" defTabSz="914400" rtl="0" eaLnBrk="1" latinLnBrk="0" hangingPunct="1">
+              <a:lnSpc>
+                <a:spcPct val="100000"/>
+              </a:lnSpc>
+              <a:spcBef>
+                <a:spcPts val="1000"/>
+              </a:spcBef>
+              <a:buClr>
+                <a:schemeClr val="accent2"/>
+              </a:buClr>
+              <a:buFont typeface="Arial" panose="020B0604020202020204" pitchFamily="34" charset="0"/>
+              <a:buChar char="•"/>
+              <a:defRPr sz="1600" kern="1200">
+                <a:solidFill>
+                  <a:schemeClr val="tx1">
+                    <a:lumMod val="85000"/>
+                    <a:lumOff val="15000"/>
+                  </a:schemeClr>
+                </a:solidFill>
+                <a:latin typeface="+mn-lt"/>
+                <a:ea typeface="+mn-ea"/>
+                <a:cs typeface="+mn-cs"/>
+              </a:defRPr>
+            </a:lvl3pPr>
+            <a:lvl4pPr marL="914400" indent="-228600" algn="l" defTabSz="914400" rtl="0" eaLnBrk="1" latinLnBrk="0" hangingPunct="1">
+              <a:lnSpc>
+                <a:spcPct val="100000"/>
+              </a:lnSpc>
+              <a:spcBef>
+                <a:spcPts val="1000"/>
+              </a:spcBef>
+              <a:buClr>
+                <a:schemeClr val="accent2"/>
+              </a:buClr>
+              <a:buFont typeface="Arial" panose="020B0604020202020204" pitchFamily="34" charset="0"/>
+              <a:buChar char="•"/>
+              <a:defRPr sz="1600" kern="1200">
+                <a:solidFill>
+                  <a:schemeClr val="tx1">
+                    <a:lumMod val="85000"/>
+                    <a:lumOff val="15000"/>
+                  </a:schemeClr>
+                </a:solidFill>
+                <a:latin typeface="+mn-lt"/>
+                <a:ea typeface="+mn-ea"/>
+                <a:cs typeface="+mn-cs"/>
+              </a:defRPr>
+            </a:lvl4pPr>
+            <a:lvl5pPr marL="1143000" indent="-228600" algn="l" defTabSz="914400" rtl="0" eaLnBrk="1" latinLnBrk="0" hangingPunct="1">
+              <a:lnSpc>
+                <a:spcPct val="100000"/>
+              </a:lnSpc>
+              <a:spcBef>
+                <a:spcPts val="1000"/>
+              </a:spcBef>
+              <a:buClr>
+                <a:schemeClr val="accent2"/>
+              </a:buClr>
+              <a:buFont typeface="Arial" panose="020B0604020202020204" pitchFamily="34" charset="0"/>
+              <a:buChar char="•"/>
+              <a:defRPr sz="1600" kern="1200">
+                <a:solidFill>
+                  <a:schemeClr val="tx1">
+                    <a:lumMod val="85000"/>
+                    <a:lumOff val="15000"/>
+                  </a:schemeClr>
+                </a:solidFill>
+                <a:latin typeface="+mn-lt"/>
+                <a:ea typeface="+mn-ea"/>
+                <a:cs typeface="+mn-cs"/>
+              </a:defRPr>
+            </a:lvl5pPr>
+            <a:lvl6pPr marL="1312863" indent="-228600" algn="l" defTabSz="914400" rtl="0" eaLnBrk="1" latinLnBrk="0" hangingPunct="1">
+              <a:lnSpc>
+                <a:spcPct val="100000"/>
+              </a:lnSpc>
+              <a:spcBef>
+                <a:spcPts val="1000"/>
+              </a:spcBef>
+              <a:buClr>
+                <a:schemeClr val="accent2"/>
+              </a:buClr>
+              <a:buFont typeface="Arial" panose="020B0604020202020204" pitchFamily="34" charset="0"/>
+              <a:buChar char="•"/>
+              <a:defRPr sz="1600" kern="1200">
+                <a:solidFill>
+                  <a:schemeClr val="tx1"/>
+                </a:solidFill>
+                <a:latin typeface="+mn-lt"/>
+                <a:ea typeface="+mn-ea"/>
+                <a:cs typeface="+mn-cs"/>
+              </a:defRPr>
+            </a:lvl6pPr>
+            <a:lvl7pPr marL="1484313" indent="-228600" algn="l" defTabSz="914400" rtl="0" eaLnBrk="1" latinLnBrk="0" hangingPunct="1">
+              <a:lnSpc>
+                <a:spcPct val="100000"/>
+              </a:lnSpc>
+              <a:spcBef>
+                <a:spcPts val="1000"/>
+              </a:spcBef>
+              <a:buClr>
+                <a:schemeClr val="accent2"/>
+              </a:buClr>
+              <a:buFont typeface="Arial" panose="020B0604020202020204" pitchFamily="34" charset="0"/>
+              <a:buChar char="•"/>
+              <a:defRPr sz="1600" kern="1200">
+                <a:solidFill>
+                  <a:schemeClr val="tx1"/>
+                </a:solidFill>
+                <a:latin typeface="+mn-lt"/>
+                <a:ea typeface="+mn-ea"/>
+                <a:cs typeface="+mn-cs"/>
+              </a:defRPr>
+            </a:lvl7pPr>
+            <a:lvl8pPr marL="1657350" indent="-228600" algn="l" defTabSz="914400" rtl="0" eaLnBrk="1" latinLnBrk="0" hangingPunct="1">
+              <a:lnSpc>
+                <a:spcPct val="100000"/>
+              </a:lnSpc>
+              <a:spcBef>
+                <a:spcPts val="1000"/>
+              </a:spcBef>
+              <a:buClr>
+                <a:schemeClr val="accent2"/>
+              </a:buClr>
+              <a:buFont typeface="Arial" panose="020B0604020202020204" pitchFamily="34" charset="0"/>
+              <a:buChar char="•"/>
+              <a:defRPr sz="1600" kern="1200" baseline="0">
+                <a:solidFill>
+                  <a:schemeClr val="tx1"/>
+                </a:solidFill>
+                <a:latin typeface="+mn-lt"/>
+                <a:ea typeface="+mn-ea"/>
+                <a:cs typeface="+mn-cs"/>
+              </a:defRPr>
+            </a:lvl8pPr>
+            <a:lvl9pPr marL="1882775" indent="-228600" algn="l" defTabSz="914400" rtl="0" eaLnBrk="1" latinLnBrk="0" hangingPunct="1">
+              <a:lnSpc>
+                <a:spcPct val="100000"/>
+              </a:lnSpc>
+              <a:spcBef>
+                <a:spcPts val="1000"/>
+              </a:spcBef>
+              <a:buClr>
+                <a:schemeClr val="accent2"/>
+              </a:buClr>
+              <a:buFont typeface="Arial" panose="020B0604020202020204" pitchFamily="34" charset="0"/>
+              <a:buChar char="•"/>
+              <a:defRPr sz="1600" kern="1200" baseline="0">
+                <a:solidFill>
+                  <a:schemeClr val="tx1"/>
+                </a:solidFill>
+                <a:latin typeface="+mn-lt"/>
+                <a:ea typeface="+mn-ea"/>
+                <a:cs typeface="+mn-cs"/>
+              </a:defRPr>
+            </a:lvl9pPr>
+          </a:lstStyle>
+          <a:p>
+            <a:r>
+              <a:rPr lang="en-US" dirty="0">
+                <a:solidFill>
+                  <a:schemeClr val="tx2">
+                    <a:lumMod val="75000"/>
+                  </a:schemeClr>
+                </a:solidFill>
+              </a:rPr>
+              <a:t>Housing Price with12 months lags (Smoothed) over unemployment rate </a:t>
+            </a:r>
+          </a:p>
+          <a:p>
+            <a:r>
+              <a:rPr lang="en-US" dirty="0">
+                <a:solidFill>
+                  <a:schemeClr val="tx2">
+                    <a:lumMod val="75000"/>
+                  </a:schemeClr>
+                </a:solidFill>
+              </a:rPr>
+              <a:t>Unemployment rate peaks matches the housing price trough  </a:t>
+            </a:r>
+          </a:p>
+        </p:txBody>
+      </p:sp>
+      <p:sp>
+        <p:nvSpPr>
+          <p:cNvPr id="11" name="Content Placeholder 2">
+            <a:extLst>
+              <a:ext uri="{FF2B5EF4-FFF2-40B4-BE49-F238E27FC236}">
+                <a16:creationId xmlns:a16="http://schemas.microsoft.com/office/drawing/2014/main" id="{1FEAB659-A1B8-3B79-4A11-878D9062BA1D}"/>
+              </a:ext>
+            </a:extLst>
+          </p:cNvPr>
+          <p:cNvSpPr txBox="1">
+            <a:spLocks/>
+          </p:cNvSpPr>
+          <p:nvPr/>
+        </p:nvSpPr>
+        <p:spPr>
+          <a:xfrm>
+            <a:off x="1182195" y="3284857"/>
+            <a:ext cx="2679686" cy="690514"/>
+          </a:xfrm>
+          <a:prstGeom prst="rect">
+            <a:avLst/>
+          </a:prstGeom>
+        </p:spPr>
+        <p:txBody>
+          <a:bodyPr vert="horz" lIns="91440" tIns="45720" rIns="91440" bIns="45720" rtlCol="0">
+            <a:normAutofit/>
+          </a:bodyPr>
+          <a:lstStyle>
+            <a:lvl1pPr marL="228600" indent="-228600" algn="l" defTabSz="914400" rtl="0" eaLnBrk="1" latinLnBrk="0" hangingPunct="1">
+              <a:lnSpc>
+                <a:spcPct val="100000"/>
+              </a:lnSpc>
+              <a:spcBef>
+                <a:spcPts val="1000"/>
+              </a:spcBef>
+              <a:buClr>
+                <a:schemeClr val="accent2"/>
+              </a:buClr>
+              <a:buFont typeface="Arial" panose="020B0604020202020204" pitchFamily="34" charset="0"/>
+              <a:buChar char="•"/>
+              <a:defRPr sz="1900" kern="1200">
+                <a:solidFill>
+                  <a:schemeClr val="tx1"/>
+                </a:solidFill>
+                <a:latin typeface="+mn-lt"/>
+                <a:ea typeface="+mn-ea"/>
+                <a:cs typeface="+mn-cs"/>
+              </a:defRPr>
+            </a:lvl1pPr>
+            <a:lvl2pPr marL="457200" indent="-228600" algn="l" defTabSz="914400" rtl="0" eaLnBrk="1" latinLnBrk="0" hangingPunct="1">
+              <a:lnSpc>
+                <a:spcPct val="100000"/>
+              </a:lnSpc>
+              <a:spcBef>
+                <a:spcPts val="1000"/>
+              </a:spcBef>
+              <a:buClr>
+                <a:schemeClr val="accent2"/>
+              </a:buClr>
+              <a:buFont typeface="Arial" panose="020B0604020202020204" pitchFamily="34" charset="0"/>
+              <a:buChar char="•"/>
+              <a:defRPr sz="1600" kern="1200">
+                <a:solidFill>
+                  <a:schemeClr val="tx1"/>
+                </a:solidFill>
+                <a:latin typeface="+mn-lt"/>
+                <a:ea typeface="+mn-ea"/>
+                <a:cs typeface="+mn-cs"/>
+              </a:defRPr>
+            </a:lvl2pPr>
+            <a:lvl3pPr marL="685800" indent="-228600" algn="l" defTabSz="914400" rtl="0" eaLnBrk="1" latinLnBrk="0" hangingPunct="1">
+              <a:lnSpc>
+                <a:spcPct val="100000"/>
+              </a:lnSpc>
+              <a:spcBef>
+                <a:spcPts val="1000"/>
+              </a:spcBef>
+              <a:buClr>
+                <a:schemeClr val="accent2"/>
+              </a:buClr>
+              <a:buFont typeface="Arial" panose="020B0604020202020204" pitchFamily="34" charset="0"/>
+              <a:buChar char="•"/>
+              <a:defRPr sz="1600" kern="1200">
+                <a:solidFill>
+                  <a:schemeClr val="tx1"/>
+                </a:solidFill>
+                <a:latin typeface="+mn-lt"/>
+                <a:ea typeface="+mn-ea"/>
+                <a:cs typeface="+mn-cs"/>
+              </a:defRPr>
+            </a:lvl3pPr>
+            <a:lvl4pPr marL="914400" indent="-228600" algn="l" defTabSz="914400" rtl="0" eaLnBrk="1" latinLnBrk="0" hangingPunct="1">
+              <a:lnSpc>
+                <a:spcPct val="100000"/>
+              </a:lnSpc>
+              <a:spcBef>
+                <a:spcPts val="1000"/>
+              </a:spcBef>
+              <a:buClr>
+                <a:schemeClr val="accent2"/>
+              </a:buClr>
+              <a:buFont typeface="Arial" panose="020B0604020202020204" pitchFamily="34" charset="0"/>
+              <a:buChar char="•"/>
+              <a:defRPr sz="1600" kern="1200">
+                <a:solidFill>
+                  <a:schemeClr val="tx1"/>
+                </a:solidFill>
+                <a:latin typeface="+mn-lt"/>
+                <a:ea typeface="+mn-ea"/>
+                <a:cs typeface="+mn-cs"/>
+              </a:defRPr>
+            </a:lvl4pPr>
+            <a:lvl5pPr marL="1143000" indent="-228600" algn="l" defTabSz="914400" rtl="0" eaLnBrk="1" latinLnBrk="0" hangingPunct="1">
+              <a:lnSpc>
+                <a:spcPct val="100000"/>
+              </a:lnSpc>
+              <a:spcBef>
+                <a:spcPts val="1000"/>
+              </a:spcBef>
+              <a:buClr>
+                <a:schemeClr val="accent2"/>
+              </a:buClr>
+              <a:buFont typeface="Arial" panose="020B0604020202020204" pitchFamily="34" charset="0"/>
+              <a:buChar char="•"/>
+              <a:defRPr sz="1600" kern="1200">
+                <a:solidFill>
+                  <a:schemeClr val="tx1"/>
+                </a:solidFill>
+                <a:latin typeface="+mn-lt"/>
+                <a:ea typeface="+mn-ea"/>
+                <a:cs typeface="+mn-cs"/>
+              </a:defRPr>
+            </a:lvl5pPr>
+            <a:lvl6pPr marL="1312863" indent="-228600" algn="l" defTabSz="914400" rtl="0" eaLnBrk="1" latinLnBrk="0" hangingPunct="1">
+              <a:lnSpc>
+                <a:spcPct val="100000"/>
+              </a:lnSpc>
+              <a:spcBef>
+                <a:spcPts val="1000"/>
+              </a:spcBef>
+              <a:buClr>
+                <a:schemeClr val="accent2"/>
+              </a:buClr>
+              <a:buFont typeface="Arial" panose="020B0604020202020204" pitchFamily="34" charset="0"/>
+              <a:buChar char="•"/>
+              <a:defRPr sz="1600" kern="1200">
+                <a:solidFill>
+                  <a:schemeClr val="tx1"/>
+                </a:solidFill>
+                <a:latin typeface="+mn-lt"/>
+                <a:ea typeface="+mn-ea"/>
+                <a:cs typeface="+mn-cs"/>
+              </a:defRPr>
+            </a:lvl6pPr>
+            <a:lvl7pPr marL="1484313" indent="-228600" algn="l" defTabSz="914400" rtl="0" eaLnBrk="1" latinLnBrk="0" hangingPunct="1">
+              <a:lnSpc>
+                <a:spcPct val="100000"/>
+              </a:lnSpc>
+              <a:spcBef>
+                <a:spcPts val="1000"/>
+              </a:spcBef>
+              <a:buClr>
+                <a:schemeClr val="accent2"/>
+              </a:buClr>
+              <a:buFont typeface="Arial" panose="020B0604020202020204" pitchFamily="34" charset="0"/>
+              <a:buChar char="•"/>
+              <a:defRPr sz="1600" kern="1200">
+                <a:solidFill>
+                  <a:schemeClr val="tx1"/>
+                </a:solidFill>
+                <a:latin typeface="+mn-lt"/>
+                <a:ea typeface="+mn-ea"/>
+                <a:cs typeface="+mn-cs"/>
+              </a:defRPr>
+            </a:lvl7pPr>
+            <a:lvl8pPr marL="1657350" indent="-228600" algn="l" defTabSz="914400" rtl="0" eaLnBrk="1" latinLnBrk="0" hangingPunct="1">
+              <a:lnSpc>
+                <a:spcPct val="100000"/>
+              </a:lnSpc>
+              <a:spcBef>
+                <a:spcPts val="1000"/>
+              </a:spcBef>
+              <a:buClr>
+                <a:schemeClr val="accent2"/>
+              </a:buClr>
+              <a:buFont typeface="Arial" panose="020B0604020202020204" pitchFamily="34" charset="0"/>
+              <a:buChar char="•"/>
+              <a:defRPr sz="1600" kern="1200" baseline="0">
+                <a:solidFill>
+                  <a:schemeClr val="tx1"/>
+                </a:solidFill>
+                <a:latin typeface="+mn-lt"/>
+                <a:ea typeface="+mn-ea"/>
+                <a:cs typeface="+mn-cs"/>
+              </a:defRPr>
+            </a:lvl8pPr>
+            <a:lvl9pPr marL="1882775" indent="-228600" algn="l" defTabSz="914400" rtl="0" eaLnBrk="1" latinLnBrk="0" hangingPunct="1">
+              <a:lnSpc>
+                <a:spcPct val="100000"/>
+              </a:lnSpc>
+              <a:spcBef>
+                <a:spcPts val="1000"/>
+              </a:spcBef>
+              <a:buClr>
+                <a:schemeClr val="accent2"/>
+              </a:buClr>
+              <a:buFont typeface="Arial" panose="020B0604020202020204" pitchFamily="34" charset="0"/>
+              <a:buChar char="•"/>
+              <a:defRPr sz="1600" kern="1200" baseline="0">
+                <a:solidFill>
+                  <a:schemeClr val="tx1"/>
+                </a:solidFill>
+                <a:latin typeface="+mn-lt"/>
+                <a:ea typeface="+mn-ea"/>
+                <a:cs typeface="+mn-cs"/>
+              </a:defRPr>
+            </a:lvl9pPr>
+          </a:lstStyle>
+          <a:p>
+            <a:pPr marL="228600" lvl="1" indent="0">
+              <a:buNone/>
+            </a:pPr>
+            <a:r>
+              <a:rPr lang="en-US" sz="1200" dirty="0">
+                <a:latin typeface="system-ui"/>
+              </a:rPr>
+              <a:t>Correlation Plot of Unemployment Rate Against Different Moving Averages Months </a:t>
+            </a:r>
+          </a:p>
+        </p:txBody>
+      </p:sp>
+      <p:sp>
+        <p:nvSpPr>
+          <p:cNvPr id="12" name="Content Placeholder 2">
+            <a:extLst>
+              <a:ext uri="{FF2B5EF4-FFF2-40B4-BE49-F238E27FC236}">
+                <a16:creationId xmlns:a16="http://schemas.microsoft.com/office/drawing/2014/main" id="{8CDC4553-0948-1BC3-4FAB-63D4A2016579}"/>
+              </a:ext>
+            </a:extLst>
+          </p:cNvPr>
+          <p:cNvSpPr txBox="1">
+            <a:spLocks/>
+          </p:cNvSpPr>
+          <p:nvPr/>
+        </p:nvSpPr>
+        <p:spPr>
+          <a:xfrm>
+            <a:off x="4979163" y="4225739"/>
+            <a:ext cx="2679685" cy="687173"/>
+          </a:xfrm>
+          <a:prstGeom prst="rect">
+            <a:avLst/>
+          </a:prstGeom>
+        </p:spPr>
+        <p:txBody>
+          <a:bodyPr vert="horz" lIns="91440" tIns="45720" rIns="91440" bIns="45720" rtlCol="0">
+            <a:normAutofit/>
+          </a:bodyPr>
+          <a:lstStyle>
+            <a:lvl1pPr marL="228600" indent="-228600" algn="l" defTabSz="914400" rtl="0" eaLnBrk="1" latinLnBrk="0" hangingPunct="1">
+              <a:lnSpc>
+                <a:spcPct val="100000"/>
+              </a:lnSpc>
+              <a:spcBef>
+                <a:spcPts val="1000"/>
+              </a:spcBef>
+              <a:buClr>
+                <a:schemeClr val="accent2"/>
+              </a:buClr>
+              <a:buFont typeface="Arial" panose="020B0604020202020204" pitchFamily="34" charset="0"/>
+              <a:buChar char="•"/>
+              <a:defRPr sz="1900" kern="1200">
+                <a:solidFill>
+                  <a:schemeClr val="tx1"/>
+                </a:solidFill>
+                <a:latin typeface="+mn-lt"/>
+                <a:ea typeface="+mn-ea"/>
+                <a:cs typeface="+mn-cs"/>
+              </a:defRPr>
+            </a:lvl1pPr>
+            <a:lvl2pPr marL="457200" indent="-228600" algn="l" defTabSz="914400" rtl="0" eaLnBrk="1" latinLnBrk="0" hangingPunct="1">
+              <a:lnSpc>
+                <a:spcPct val="100000"/>
+              </a:lnSpc>
+              <a:spcBef>
+                <a:spcPts val="1000"/>
+              </a:spcBef>
+              <a:buClr>
+                <a:schemeClr val="accent2"/>
+              </a:buClr>
+              <a:buFont typeface="Arial" panose="020B0604020202020204" pitchFamily="34" charset="0"/>
+              <a:buChar char="•"/>
+              <a:defRPr sz="1600" kern="1200">
+                <a:solidFill>
+                  <a:schemeClr val="tx1"/>
+                </a:solidFill>
+                <a:latin typeface="+mn-lt"/>
+                <a:ea typeface="+mn-ea"/>
+                <a:cs typeface="+mn-cs"/>
+              </a:defRPr>
+            </a:lvl2pPr>
+            <a:lvl3pPr marL="685800" indent="-228600" algn="l" defTabSz="914400" rtl="0" eaLnBrk="1" latinLnBrk="0" hangingPunct="1">
+              <a:lnSpc>
+                <a:spcPct val="100000"/>
+              </a:lnSpc>
+              <a:spcBef>
+                <a:spcPts val="1000"/>
+              </a:spcBef>
+              <a:buClr>
+                <a:schemeClr val="accent2"/>
+              </a:buClr>
+              <a:buFont typeface="Arial" panose="020B0604020202020204" pitchFamily="34" charset="0"/>
+              <a:buChar char="•"/>
+              <a:defRPr sz="1600" kern="1200">
+                <a:solidFill>
+                  <a:schemeClr val="tx1"/>
+                </a:solidFill>
+                <a:latin typeface="+mn-lt"/>
+                <a:ea typeface="+mn-ea"/>
+                <a:cs typeface="+mn-cs"/>
+              </a:defRPr>
+            </a:lvl3pPr>
+            <a:lvl4pPr marL="914400" indent="-228600" algn="l" defTabSz="914400" rtl="0" eaLnBrk="1" latinLnBrk="0" hangingPunct="1">
+              <a:lnSpc>
+                <a:spcPct val="100000"/>
+              </a:lnSpc>
+              <a:spcBef>
+                <a:spcPts val="1000"/>
+              </a:spcBef>
+              <a:buClr>
+                <a:schemeClr val="accent2"/>
+              </a:buClr>
+              <a:buFont typeface="Arial" panose="020B0604020202020204" pitchFamily="34" charset="0"/>
+              <a:buChar char="•"/>
+              <a:defRPr sz="1600" kern="1200">
+                <a:solidFill>
+                  <a:schemeClr val="tx1"/>
+                </a:solidFill>
+                <a:latin typeface="+mn-lt"/>
+                <a:ea typeface="+mn-ea"/>
+                <a:cs typeface="+mn-cs"/>
+              </a:defRPr>
+            </a:lvl4pPr>
+            <a:lvl5pPr marL="1143000" indent="-228600" algn="l" defTabSz="914400" rtl="0" eaLnBrk="1" latinLnBrk="0" hangingPunct="1">
+              <a:lnSpc>
+                <a:spcPct val="100000"/>
+              </a:lnSpc>
+              <a:spcBef>
+                <a:spcPts val="1000"/>
+              </a:spcBef>
+              <a:buClr>
+                <a:schemeClr val="accent2"/>
+              </a:buClr>
+              <a:buFont typeface="Arial" panose="020B0604020202020204" pitchFamily="34" charset="0"/>
+              <a:buChar char="•"/>
+              <a:defRPr sz="1600" kern="1200">
+                <a:solidFill>
+                  <a:schemeClr val="tx1"/>
+                </a:solidFill>
+                <a:latin typeface="+mn-lt"/>
+                <a:ea typeface="+mn-ea"/>
+                <a:cs typeface="+mn-cs"/>
+              </a:defRPr>
+            </a:lvl5pPr>
+            <a:lvl6pPr marL="1312863" indent="-228600" algn="l" defTabSz="914400" rtl="0" eaLnBrk="1" latinLnBrk="0" hangingPunct="1">
+              <a:lnSpc>
+                <a:spcPct val="100000"/>
+              </a:lnSpc>
+              <a:spcBef>
+                <a:spcPts val="1000"/>
+              </a:spcBef>
+              <a:buClr>
+                <a:schemeClr val="accent2"/>
+              </a:buClr>
+              <a:buFont typeface="Arial" panose="020B0604020202020204" pitchFamily="34" charset="0"/>
+              <a:buChar char="•"/>
+              <a:defRPr sz="1600" kern="1200">
+                <a:solidFill>
+                  <a:schemeClr val="tx1"/>
+                </a:solidFill>
+                <a:latin typeface="+mn-lt"/>
+                <a:ea typeface="+mn-ea"/>
+                <a:cs typeface="+mn-cs"/>
+              </a:defRPr>
+            </a:lvl6pPr>
+            <a:lvl7pPr marL="1484313" indent="-228600" algn="l" defTabSz="914400" rtl="0" eaLnBrk="1" latinLnBrk="0" hangingPunct="1">
+              <a:lnSpc>
+                <a:spcPct val="100000"/>
+              </a:lnSpc>
+              <a:spcBef>
+                <a:spcPts val="1000"/>
+              </a:spcBef>
+              <a:buClr>
+                <a:schemeClr val="accent2"/>
+              </a:buClr>
+              <a:buFont typeface="Arial" panose="020B0604020202020204" pitchFamily="34" charset="0"/>
+              <a:buChar char="•"/>
+              <a:defRPr sz="1600" kern="1200">
+                <a:solidFill>
+                  <a:schemeClr val="tx1"/>
+                </a:solidFill>
+                <a:latin typeface="+mn-lt"/>
+                <a:ea typeface="+mn-ea"/>
+                <a:cs typeface="+mn-cs"/>
+              </a:defRPr>
+            </a:lvl7pPr>
+            <a:lvl8pPr marL="1657350" indent="-228600" algn="l" defTabSz="914400" rtl="0" eaLnBrk="1" latinLnBrk="0" hangingPunct="1">
+              <a:lnSpc>
+                <a:spcPct val="100000"/>
+              </a:lnSpc>
+              <a:spcBef>
+                <a:spcPts val="1000"/>
+              </a:spcBef>
+              <a:buClr>
+                <a:schemeClr val="accent2"/>
+              </a:buClr>
+              <a:buFont typeface="Arial" panose="020B0604020202020204" pitchFamily="34" charset="0"/>
+              <a:buChar char="•"/>
+              <a:defRPr sz="1600" kern="1200" baseline="0">
+                <a:solidFill>
+                  <a:schemeClr val="tx1"/>
+                </a:solidFill>
+                <a:latin typeface="+mn-lt"/>
+                <a:ea typeface="+mn-ea"/>
+                <a:cs typeface="+mn-cs"/>
+              </a:defRPr>
+            </a:lvl8pPr>
+            <a:lvl9pPr marL="1882775" indent="-228600" algn="l" defTabSz="914400" rtl="0" eaLnBrk="1" latinLnBrk="0" hangingPunct="1">
+              <a:lnSpc>
+                <a:spcPct val="100000"/>
+              </a:lnSpc>
+              <a:spcBef>
+                <a:spcPts val="1000"/>
+              </a:spcBef>
+              <a:buClr>
+                <a:schemeClr val="accent2"/>
+              </a:buClr>
+              <a:buFont typeface="Arial" panose="020B0604020202020204" pitchFamily="34" charset="0"/>
+              <a:buChar char="•"/>
+              <a:defRPr sz="1600" kern="1200" baseline="0">
+                <a:solidFill>
+                  <a:schemeClr val="tx1"/>
+                </a:solidFill>
+                <a:latin typeface="+mn-lt"/>
+                <a:ea typeface="+mn-ea"/>
+                <a:cs typeface="+mn-cs"/>
+              </a:defRPr>
+            </a:lvl9pPr>
+          </a:lstStyle>
+          <a:p>
+            <a:pPr marL="228600" lvl="1" indent="0">
+              <a:buNone/>
+            </a:pPr>
+            <a:r>
+              <a:rPr lang="en-US" sz="1200" dirty="0">
+                <a:latin typeface="system-ui"/>
+              </a:rPr>
+              <a:t>Correlation Matrix of Unemployment Rate Against Different Moving Averages Months </a:t>
+            </a:r>
+          </a:p>
+        </p:txBody>
+      </p:sp>
     </p:spTree>
     <p:extLst>
       <p:ext uri="{BB962C8B-B14F-4D97-AF65-F5344CB8AC3E}">
@@ -6238,8 +7748,8 @@
         </p:nvSpPr>
         <p:spPr>
           <a:xfrm>
-            <a:off x="612712" y="2161714"/>
-            <a:ext cx="1877438" cy="817123"/>
+            <a:off x="612712" y="2035258"/>
+            <a:ext cx="1877438" cy="943579"/>
           </a:xfrm>
           <a:prstGeom prst="rect">
             <a:avLst/>
@@ -6280,7 +7790,7 @@
             <a:pPr algn="ctr"/>
             <a:r>
               <a:rPr lang="en-US" sz="1400" dirty="0"/>
-              <a:t>(Or replaced with Database Connection) </a:t>
+              <a:t>(Or replaced with Database Connection to auto-refresh) </a:t>
             </a:r>
           </a:p>
         </p:txBody>
@@ -6992,7 +8502,7 @@
                   </a:schemeClr>
                 </a:solidFill>
               </a:rPr>
-              <a:t>User Define which report to generate</a:t>
+              <a:t>User define which report to generate</a:t>
             </a:r>
           </a:p>
         </p:txBody>
@@ -7034,7 +8544,7 @@
                   </a:schemeClr>
                 </a:solidFill>
               </a:rPr>
-              <a:t>Or let Tableau connect with Database</a:t>
+              <a:t>Or let Tableau connect with Database Directly</a:t>
             </a:r>
           </a:p>
         </p:txBody>
@@ -7436,6 +8946,48 @@
             <a:endParaRPr lang="en-US" sz="1200" dirty="0">
               <a:latin typeface="system-ui"/>
             </a:endParaRPr>
+          </a:p>
+        </p:txBody>
+      </p:sp>
+      <p:sp>
+        <p:nvSpPr>
+          <p:cNvPr id="18" name="TextBox 17">
+            <a:extLst>
+              <a:ext uri="{FF2B5EF4-FFF2-40B4-BE49-F238E27FC236}">
+                <a16:creationId xmlns:a16="http://schemas.microsoft.com/office/drawing/2014/main" id="{C28E3640-9AB1-3060-CBA1-1AA41AC79560}"/>
+              </a:ext>
+            </a:extLst>
+          </p:cNvPr>
+          <p:cNvSpPr txBox="1"/>
+          <p:nvPr/>
+        </p:nvSpPr>
+        <p:spPr>
+          <a:xfrm>
+            <a:off x="2737944" y="2675295"/>
+            <a:ext cx="2283019" cy="584775"/>
+          </a:xfrm>
+          <a:prstGeom prst="rect">
+            <a:avLst/>
+          </a:prstGeom>
+          <a:noFill/>
+        </p:spPr>
+        <p:txBody>
+          <a:bodyPr wrap="square">
+            <a:spAutoFit/>
+          </a:bodyPr>
+          <a:lstStyle/>
+          <a:p>
+            <a:pPr algn="ctr"/>
+            <a:r>
+              <a:rPr lang="en-US" sz="1600" dirty="0">
+                <a:solidFill>
+                  <a:schemeClr val="accent2">
+                    <a:lumMod val="50000"/>
+                  </a:schemeClr>
+                </a:solidFill>
+              </a:rPr>
+              <a:t>Add more available report options if needed</a:t>
+            </a:r>
           </a:p>
         </p:txBody>
       </p:sp>

--- a/Analytics_Output/unemployment_house.pptx
+++ b/Analytics_Output/unemployment_house.pptx
@@ -715,7 +715,7 @@
           <a:p>
             <a:fld id="{665BF680-B878-406A-967D-99BF7C4F1E5A}" type="datetimeFigureOut">
               <a:rPr lang="en-US" smtClean="0"/>
-              <a:t>12/2/2024</a:t>
+              <a:t>12/3/2024</a:t>
             </a:fld>
             <a:endParaRPr lang="en-US"/>
           </a:p>
@@ -885,7 +885,7 @@
           <a:p>
             <a:fld id="{665BF680-B878-406A-967D-99BF7C4F1E5A}" type="datetimeFigureOut">
               <a:rPr lang="en-US" smtClean="0"/>
-              <a:t>12/2/2024</a:t>
+              <a:t>12/3/2024</a:t>
             </a:fld>
             <a:endParaRPr lang="en-US"/>
           </a:p>
@@ -1065,7 +1065,7 @@
           <a:p>
             <a:fld id="{665BF680-B878-406A-967D-99BF7C4F1E5A}" type="datetimeFigureOut">
               <a:rPr lang="en-US" smtClean="0"/>
-              <a:t>12/2/2024</a:t>
+              <a:t>12/3/2024</a:t>
             </a:fld>
             <a:endParaRPr lang="en-US"/>
           </a:p>
@@ -1235,7 +1235,7 @@
           <a:p>
             <a:fld id="{665BF680-B878-406A-967D-99BF7C4F1E5A}" type="datetimeFigureOut">
               <a:rPr lang="en-US" smtClean="0"/>
-              <a:t>12/2/2024</a:t>
+              <a:t>12/3/2024</a:t>
             </a:fld>
             <a:endParaRPr lang="en-US"/>
           </a:p>
@@ -1503,7 +1503,7 @@
           <a:p>
             <a:fld id="{665BF680-B878-406A-967D-99BF7C4F1E5A}" type="datetimeFigureOut">
               <a:rPr lang="en-US" smtClean="0"/>
-              <a:t>12/2/2024</a:t>
+              <a:t>12/3/2024</a:t>
             </a:fld>
             <a:endParaRPr lang="en-US"/>
           </a:p>
@@ -1735,7 +1735,7 @@
           <a:p>
             <a:fld id="{665BF680-B878-406A-967D-99BF7C4F1E5A}" type="datetimeFigureOut">
               <a:rPr lang="en-US" smtClean="0"/>
-              <a:t>12/2/2024</a:t>
+              <a:t>12/3/2024</a:t>
             </a:fld>
             <a:endParaRPr lang="en-US"/>
           </a:p>
@@ -2094,7 +2094,7 @@
           <a:p>
             <a:fld id="{665BF680-B878-406A-967D-99BF7C4F1E5A}" type="datetimeFigureOut">
               <a:rPr lang="en-US" smtClean="0"/>
-              <a:t>12/2/2024</a:t>
+              <a:t>12/3/2024</a:t>
             </a:fld>
             <a:endParaRPr lang="en-US"/>
           </a:p>
@@ -2235,7 +2235,7 @@
           <a:p>
             <a:fld id="{665BF680-B878-406A-967D-99BF7C4F1E5A}" type="datetimeFigureOut">
               <a:rPr lang="en-US" smtClean="0"/>
-              <a:t>12/2/2024</a:t>
+              <a:t>12/3/2024</a:t>
             </a:fld>
             <a:endParaRPr lang="en-US"/>
           </a:p>
@@ -2330,7 +2330,7 @@
           <a:p>
             <a:fld id="{665BF680-B878-406A-967D-99BF7C4F1E5A}" type="datetimeFigureOut">
               <a:rPr lang="en-US" smtClean="0"/>
-              <a:t>12/2/2024</a:t>
+              <a:t>12/3/2024</a:t>
             </a:fld>
             <a:endParaRPr lang="en-US"/>
           </a:p>
@@ -2687,7 +2687,7 @@
           <a:p>
             <a:fld id="{665BF680-B878-406A-967D-99BF7C4F1E5A}" type="datetimeFigureOut">
               <a:rPr lang="en-US" smtClean="0"/>
-              <a:t>12/2/2024</a:t>
+              <a:t>12/3/2024</a:t>
             </a:fld>
             <a:endParaRPr lang="en-US"/>
           </a:p>
@@ -3044,7 +3044,7 @@
           <a:p>
             <a:fld id="{665BF680-B878-406A-967D-99BF7C4F1E5A}" type="datetimeFigureOut">
               <a:rPr lang="en-US" smtClean="0"/>
-              <a:t>12/2/2024</a:t>
+              <a:t>12/3/2024</a:t>
             </a:fld>
             <a:endParaRPr lang="en-US"/>
           </a:p>
@@ -3286,7 +3286,7 @@
           <a:p>
             <a:fld id="{665BF680-B878-406A-967D-99BF7C4F1E5A}" type="datetimeFigureOut">
               <a:rPr lang="en-US" smtClean="0"/>
-              <a:t>12/2/2024</a:t>
+              <a:t>12/3/2024</a:t>
             </a:fld>
             <a:endParaRPr lang="en-US"/>
           </a:p>
